--- a/PROJET IT DE GESTION DES OBLIGATIONS SECURISEES CBS.pptx
+++ b/PROJET IT DE GESTION DES OBLIGATIONS SECURISEES CBS.pptx
@@ -1207,7 +1207,7 @@
   <dgm:whole/>
   <dgm:extLst>
     <a:ext uri="http://schemas.microsoft.com/office/drawing/2008/diagram">
-      <dsp:dataModelExt xmlns:dsp="http://schemas.microsoft.com/office/drawing/2008/diagram" xmlns="" relId="rId6" minVer="http://schemas.openxmlformats.org/drawingml/2006/diagram"/>
+      <dsp:dataModelExt xmlns:dsp="http://schemas.microsoft.com/office/drawing/2008/diagram" xmlns="" relId="rId7" minVer="http://schemas.openxmlformats.org/drawingml/2006/diagram"/>
     </a:ext>
   </dgm:extLst>
 </dgm:dataModel>
@@ -3360,7 +3360,7 @@
           <a:bodyPr/>
           <a:lstStyle/>
           <a:p>
-            <a:endParaRPr lang="fr-FR"/>
+            <a:endParaRPr lang="fr-FR" dirty="0"/>
           </a:p>
         </p:txBody>
       </p:sp>
@@ -3394,6 +3394,2477 @@
         <p14:creationId xmlns:p14="http://schemas.microsoft.com/office/powerpoint/2010/main" xmlns="" val="112167006"/>
       </p:ext>
     </p:extLst>
+  </p:cSld>
+  <p:clrMapOvr>
+    <a:masterClrMapping/>
+  </p:clrMapOvr>
+</p:notes>
+</file>
+
+<file path=ppt/notesSlides/notesSlide10.xml><?xml version="1.0" encoding="utf-8"?>
+<p:notes xmlns:a="http://schemas.openxmlformats.org/drawingml/2006/main" xmlns:r="http://schemas.openxmlformats.org/officeDocument/2006/relationships" xmlns:p="http://schemas.openxmlformats.org/presentationml/2006/main">
+  <p:cSld>
+    <p:spTree>
+      <p:nvGrpSpPr>
+        <p:cNvPr id="1" name=""/>
+        <p:cNvGrpSpPr/>
+        <p:nvPr/>
+      </p:nvGrpSpPr>
+      <p:grpSpPr>
+        <a:xfrm>
+          <a:off x="0" y="0"/>
+          <a:ext cx="0" cy="0"/>
+          <a:chOff x="0" y="0"/>
+          <a:chExt cx="0" cy="0"/>
+        </a:xfrm>
+      </p:grpSpPr>
+      <p:sp>
+        <p:nvSpPr>
+          <p:cNvPr id="2" name="Slide Image Placeholder 1"/>
+          <p:cNvSpPr>
+            <a:spLocks noGrp="1" noRot="1" noChangeAspect="1"/>
+          </p:cNvSpPr>
+          <p:nvPr>
+            <p:ph type="sldImg"/>
+          </p:nvPr>
+        </p:nvSpPr>
+        <p:spPr/>
+      </p:sp>
+      <p:sp>
+        <p:nvSpPr>
+          <p:cNvPr id="3" name="Notes Placeholder 2"/>
+          <p:cNvSpPr>
+            <a:spLocks noGrp="1"/>
+          </p:cNvSpPr>
+          <p:nvPr>
+            <p:ph type="body" idx="1"/>
+          </p:nvPr>
+        </p:nvSpPr>
+        <p:spPr/>
+        <p:txBody>
+          <a:bodyPr>
+            <a:normAutofit/>
+          </a:bodyPr>
+          <a:lstStyle/>
+          <a:p>
+            <a:r>
+              <a:rPr lang="fr-FR" sz="1200" kern="1200" dirty="0" smtClean="0">
+                <a:solidFill>
+                  <a:schemeClr val="tx1"/>
+                </a:solidFill>
+                <a:latin typeface="+mn-lt"/>
+                <a:ea typeface="+mn-ea"/>
+                <a:cs typeface="+mn-cs"/>
+              </a:rPr>
+              <a:t>L’architecture technique de CBS est une fusion de technologies bien établies et émergentes.</a:t>
+            </a:r>
+            <a:endParaRPr lang="en-US" sz="1200" kern="1200" dirty="0" smtClean="0">
+              <a:solidFill>
+                <a:schemeClr val="tx1"/>
+              </a:solidFill>
+              <a:latin typeface="+mn-lt"/>
+              <a:ea typeface="+mn-ea"/>
+              <a:cs typeface="+mn-cs"/>
+            </a:endParaRPr>
+          </a:p>
+          <a:p>
+            <a:r>
+              <a:rPr lang="fr-FR" sz="1200" kern="1200" dirty="0" smtClean="0">
+                <a:solidFill>
+                  <a:schemeClr val="tx1"/>
+                </a:solidFill>
+                <a:latin typeface="+mn-lt"/>
+                <a:ea typeface="+mn-ea"/>
+                <a:cs typeface="+mn-cs"/>
+              </a:rPr>
+              <a:t>Il y’a ainsi quelques contraintes et choix technique qui ont été mis en place pour le développement de l’application : </a:t>
+            </a:r>
+            <a:endParaRPr lang="en-US" sz="1200" kern="1200" dirty="0" smtClean="0">
+              <a:solidFill>
+                <a:schemeClr val="tx1"/>
+              </a:solidFill>
+              <a:latin typeface="+mn-lt"/>
+              <a:ea typeface="+mn-ea"/>
+              <a:cs typeface="+mn-cs"/>
+            </a:endParaRPr>
+          </a:p>
+          <a:p>
+            <a:pPr lvl="0"/>
+            <a:endParaRPr lang="fr-FR" sz="1200" kern="1200" dirty="0" smtClean="0">
+              <a:solidFill>
+                <a:schemeClr val="tx1"/>
+              </a:solidFill>
+              <a:latin typeface="+mn-lt"/>
+              <a:ea typeface="+mn-ea"/>
+              <a:cs typeface="+mn-cs"/>
+            </a:endParaRPr>
+          </a:p>
+          <a:p>
+            <a:pPr lvl="0"/>
+            <a:r>
+              <a:rPr lang="fr-FR" sz="1200" kern="1200" dirty="0" smtClean="0">
+                <a:solidFill>
+                  <a:schemeClr val="tx1"/>
+                </a:solidFill>
+                <a:latin typeface="+mn-lt"/>
+                <a:ea typeface="+mn-ea"/>
+                <a:cs typeface="+mn-cs"/>
+              </a:rPr>
+              <a:t>	Respect des normes d’ITEC/FCC : architecture basée sur la technologie J2EE.</a:t>
+            </a:r>
+            <a:endParaRPr lang="en-US" sz="1200" kern="1200" dirty="0" smtClean="0">
+              <a:solidFill>
+                <a:schemeClr val="tx1"/>
+              </a:solidFill>
+              <a:latin typeface="+mn-lt"/>
+              <a:ea typeface="+mn-ea"/>
+              <a:cs typeface="+mn-cs"/>
+            </a:endParaRPr>
+          </a:p>
+          <a:p>
+            <a:pPr lvl="0"/>
+            <a:r>
+              <a:rPr lang="fr-FR" sz="1200" kern="1200" dirty="0" smtClean="0">
+                <a:solidFill>
+                  <a:schemeClr val="tx1"/>
+                </a:solidFill>
+                <a:latin typeface="+mn-lt"/>
+                <a:ea typeface="+mn-ea"/>
+                <a:cs typeface="+mn-cs"/>
+              </a:rPr>
+              <a:t>	Accès facile et sécurisé : utilisation de l’architecture client léger (HTTPS) </a:t>
+            </a:r>
+            <a:endParaRPr lang="en-US" sz="1200" kern="1200" dirty="0" smtClean="0">
+              <a:solidFill>
+                <a:schemeClr val="tx1"/>
+              </a:solidFill>
+              <a:latin typeface="+mn-lt"/>
+              <a:ea typeface="+mn-ea"/>
+              <a:cs typeface="+mn-cs"/>
+            </a:endParaRPr>
+          </a:p>
+          <a:p>
+            <a:pPr lvl="0"/>
+            <a:r>
+              <a:rPr lang="fr-FR" sz="1200" kern="1200" dirty="0" smtClean="0">
+                <a:solidFill>
+                  <a:schemeClr val="tx1"/>
+                </a:solidFill>
+                <a:latin typeface="+mn-lt"/>
+                <a:ea typeface="+mn-ea"/>
+                <a:cs typeface="+mn-cs"/>
+              </a:rPr>
+              <a:t>	Confidentialité et accès des données : Les autorisations seront gérées par </a:t>
+            </a:r>
+            <a:r>
+              <a:rPr lang="fr-FR" sz="1200" kern="1200" dirty="0" err="1" smtClean="0">
+                <a:solidFill>
+                  <a:schemeClr val="tx1"/>
+                </a:solidFill>
+                <a:latin typeface="+mn-lt"/>
+                <a:ea typeface="+mn-ea"/>
+                <a:cs typeface="+mn-cs"/>
+              </a:rPr>
+              <a:t>Spring</a:t>
+            </a:r>
+            <a:r>
+              <a:rPr lang="fr-FR" sz="1200" kern="1200" dirty="0" smtClean="0">
+                <a:solidFill>
+                  <a:schemeClr val="tx1"/>
+                </a:solidFill>
+                <a:latin typeface="+mn-lt"/>
+                <a:ea typeface="+mn-ea"/>
+                <a:cs typeface="+mn-cs"/>
+              </a:rPr>
+              <a:t> Security 3. Cela permet d'avoir une solution de 	maintenance de coûts flexibles et faibles pour la gestion de l'autorisation.</a:t>
+            </a:r>
+            <a:endParaRPr lang="en-US" sz="1200" kern="1200" dirty="0" smtClean="0">
+              <a:solidFill>
+                <a:schemeClr val="tx1"/>
+              </a:solidFill>
+              <a:latin typeface="+mn-lt"/>
+              <a:ea typeface="+mn-ea"/>
+              <a:cs typeface="+mn-cs"/>
+            </a:endParaRPr>
+          </a:p>
+          <a:p>
+            <a:pPr lvl="0"/>
+            <a:r>
+              <a:rPr lang="fr-FR" sz="1200" kern="1200" dirty="0" smtClean="0">
+                <a:solidFill>
+                  <a:schemeClr val="tx1"/>
+                </a:solidFill>
+                <a:latin typeface="+mn-lt"/>
+                <a:ea typeface="+mn-ea"/>
+                <a:cs typeface="+mn-cs"/>
+              </a:rPr>
+              <a:t>	Authentification : </a:t>
+            </a:r>
+            <a:r>
+              <a:rPr lang="fr-FR" sz="1200" kern="1200" dirty="0" err="1" smtClean="0">
+                <a:solidFill>
+                  <a:schemeClr val="tx1"/>
+                </a:solidFill>
+                <a:latin typeface="+mn-lt"/>
+                <a:ea typeface="+mn-ea"/>
+                <a:cs typeface="+mn-cs"/>
+              </a:rPr>
+              <a:t>Sesame</a:t>
+            </a:r>
+            <a:r>
+              <a:rPr lang="fr-FR" sz="1200" kern="1200" dirty="0" smtClean="0">
+                <a:solidFill>
+                  <a:schemeClr val="tx1"/>
+                </a:solidFill>
+                <a:latin typeface="+mn-lt"/>
+                <a:ea typeface="+mn-ea"/>
+                <a:cs typeface="+mn-cs"/>
+              </a:rPr>
+              <a:t> (outil interne à la Société Générale) est utilisé pour la couche d’authentification </a:t>
+            </a:r>
+            <a:endParaRPr lang="en-US" sz="1200" kern="1200" dirty="0" smtClean="0">
+              <a:solidFill>
+                <a:schemeClr val="tx1"/>
+              </a:solidFill>
+              <a:latin typeface="+mn-lt"/>
+              <a:ea typeface="+mn-ea"/>
+              <a:cs typeface="+mn-cs"/>
+            </a:endParaRPr>
+          </a:p>
+          <a:p>
+            <a:endParaRPr lang="en-US" dirty="0"/>
+          </a:p>
+        </p:txBody>
+      </p:sp>
+      <p:sp>
+        <p:nvSpPr>
+          <p:cNvPr id="4" name="Slide Number Placeholder 3"/>
+          <p:cNvSpPr>
+            <a:spLocks noGrp="1"/>
+          </p:cNvSpPr>
+          <p:nvPr>
+            <p:ph type="sldNum" sz="quarter" idx="10"/>
+          </p:nvPr>
+        </p:nvSpPr>
+        <p:spPr/>
+        <p:txBody>
+          <a:bodyPr/>
+          <a:lstStyle/>
+          <a:p>
+            <a:fld id="{CF597FD4-EEB4-40D7-A349-F18C1F1FFB9D}" type="slidenum">
+              <a:rPr lang="fr-FR" smtClean="0"/>
+              <a:pPr/>
+              <a:t>13</a:t>
+            </a:fld>
+            <a:endParaRPr lang="fr-FR"/>
+          </a:p>
+        </p:txBody>
+      </p:sp>
+    </p:spTree>
+  </p:cSld>
+  <p:clrMapOvr>
+    <a:masterClrMapping/>
+  </p:clrMapOvr>
+</p:notes>
+</file>
+
+<file path=ppt/notesSlides/notesSlide11.xml><?xml version="1.0" encoding="utf-8"?>
+<p:notes xmlns:a="http://schemas.openxmlformats.org/drawingml/2006/main" xmlns:r="http://schemas.openxmlformats.org/officeDocument/2006/relationships" xmlns:p="http://schemas.openxmlformats.org/presentationml/2006/main">
+  <p:cSld>
+    <p:spTree>
+      <p:nvGrpSpPr>
+        <p:cNvPr id="1" name=""/>
+        <p:cNvGrpSpPr/>
+        <p:nvPr/>
+      </p:nvGrpSpPr>
+      <p:grpSpPr>
+        <a:xfrm>
+          <a:off x="0" y="0"/>
+          <a:ext cx="0" cy="0"/>
+          <a:chOff x="0" y="0"/>
+          <a:chExt cx="0" cy="0"/>
+        </a:xfrm>
+      </p:grpSpPr>
+      <p:sp>
+        <p:nvSpPr>
+          <p:cNvPr id="2" name="Slide Image Placeholder 1"/>
+          <p:cNvSpPr>
+            <a:spLocks noGrp="1" noRot="1" noChangeAspect="1"/>
+          </p:cNvSpPr>
+          <p:nvPr>
+            <p:ph type="sldImg"/>
+          </p:nvPr>
+        </p:nvSpPr>
+        <p:spPr/>
+      </p:sp>
+      <p:sp>
+        <p:nvSpPr>
+          <p:cNvPr id="3" name="Notes Placeholder 2"/>
+          <p:cNvSpPr>
+            <a:spLocks noGrp="1"/>
+          </p:cNvSpPr>
+          <p:nvPr>
+            <p:ph type="body" idx="1"/>
+          </p:nvPr>
+        </p:nvSpPr>
+        <p:spPr/>
+        <p:txBody>
+          <a:bodyPr>
+            <a:normAutofit/>
+          </a:bodyPr>
+          <a:lstStyle/>
+          <a:p>
+            <a:r>
+              <a:rPr lang="fr-FR" sz="1200" kern="1200" dirty="0" smtClean="0">
+                <a:solidFill>
+                  <a:schemeClr val="tx1"/>
+                </a:solidFill>
+                <a:latin typeface="+mn-lt"/>
+                <a:ea typeface="+mn-ea"/>
+                <a:cs typeface="+mn-cs"/>
+              </a:rPr>
+              <a:t>nous avons l’architecture physique qui décrit l’ensemble des composants matériels.</a:t>
+            </a:r>
+          </a:p>
+          <a:p>
+            <a:r>
+              <a:rPr lang="fr-FR" sz="1200" kern="1200" dirty="0" smtClean="0">
+                <a:solidFill>
+                  <a:schemeClr val="tx1"/>
+                </a:solidFill>
+                <a:latin typeface="+mn-lt"/>
+                <a:ea typeface="+mn-ea"/>
+                <a:cs typeface="+mn-cs"/>
+              </a:rPr>
+              <a:t> Ce</a:t>
+            </a:r>
+            <a:r>
+              <a:rPr lang="fr-FR" sz="1200" kern="1200" baseline="0" dirty="0" smtClean="0">
+                <a:solidFill>
+                  <a:schemeClr val="tx1"/>
+                </a:solidFill>
+                <a:latin typeface="+mn-lt"/>
+                <a:ea typeface="+mn-ea"/>
+                <a:cs typeface="+mn-cs"/>
+              </a:rPr>
+              <a:t> </a:t>
+            </a:r>
+            <a:r>
+              <a:rPr lang="fr-FR" sz="1200" kern="1200" dirty="0" smtClean="0">
+                <a:solidFill>
+                  <a:schemeClr val="tx1"/>
+                </a:solidFill>
+                <a:latin typeface="+mn-lt"/>
+                <a:ea typeface="+mn-ea"/>
+                <a:cs typeface="+mn-cs"/>
+              </a:rPr>
+              <a:t>schéma représente les composants logiciels (base de données) déployés sur les composants matériels (machine virtuelle).</a:t>
+            </a:r>
+            <a:endParaRPr lang="en-US" sz="1200" kern="1200" dirty="0">
+              <a:solidFill>
+                <a:schemeClr val="tx1"/>
+              </a:solidFill>
+              <a:latin typeface="+mn-lt"/>
+              <a:ea typeface="+mn-ea"/>
+              <a:cs typeface="+mn-cs"/>
+            </a:endParaRPr>
+          </a:p>
+        </p:txBody>
+      </p:sp>
+      <p:sp>
+        <p:nvSpPr>
+          <p:cNvPr id="4" name="Slide Number Placeholder 3"/>
+          <p:cNvSpPr>
+            <a:spLocks noGrp="1"/>
+          </p:cNvSpPr>
+          <p:nvPr>
+            <p:ph type="sldNum" sz="quarter" idx="10"/>
+          </p:nvPr>
+        </p:nvSpPr>
+        <p:spPr/>
+        <p:txBody>
+          <a:bodyPr/>
+          <a:lstStyle/>
+          <a:p>
+            <a:fld id="{CF597FD4-EEB4-40D7-A349-F18C1F1FFB9D}" type="slidenum">
+              <a:rPr lang="fr-FR" smtClean="0"/>
+              <a:pPr/>
+              <a:t>14</a:t>
+            </a:fld>
+            <a:endParaRPr lang="fr-FR"/>
+          </a:p>
+        </p:txBody>
+      </p:sp>
+    </p:spTree>
+  </p:cSld>
+  <p:clrMapOvr>
+    <a:masterClrMapping/>
+  </p:clrMapOvr>
+</p:notes>
+</file>
+
+<file path=ppt/notesSlides/notesSlide12.xml><?xml version="1.0" encoding="utf-8"?>
+<p:notes xmlns:a="http://schemas.openxmlformats.org/drawingml/2006/main" xmlns:r="http://schemas.openxmlformats.org/officeDocument/2006/relationships" xmlns:p="http://schemas.openxmlformats.org/presentationml/2006/main">
+  <p:cSld>
+    <p:spTree>
+      <p:nvGrpSpPr>
+        <p:cNvPr id="1" name=""/>
+        <p:cNvGrpSpPr/>
+        <p:nvPr/>
+      </p:nvGrpSpPr>
+      <p:grpSpPr>
+        <a:xfrm>
+          <a:off x="0" y="0"/>
+          <a:ext cx="0" cy="0"/>
+          <a:chOff x="0" y="0"/>
+          <a:chExt cx="0" cy="0"/>
+        </a:xfrm>
+      </p:grpSpPr>
+      <p:sp>
+        <p:nvSpPr>
+          <p:cNvPr id="2" name="Slide Image Placeholder 1"/>
+          <p:cNvSpPr>
+            <a:spLocks noGrp="1" noRot="1" noChangeAspect="1"/>
+          </p:cNvSpPr>
+          <p:nvPr>
+            <p:ph type="sldImg"/>
+          </p:nvPr>
+        </p:nvSpPr>
+        <p:spPr/>
+      </p:sp>
+      <p:sp>
+        <p:nvSpPr>
+          <p:cNvPr id="3" name="Notes Placeholder 2"/>
+          <p:cNvSpPr>
+            <a:spLocks noGrp="1"/>
+          </p:cNvSpPr>
+          <p:nvPr>
+            <p:ph type="body" idx="1"/>
+          </p:nvPr>
+        </p:nvSpPr>
+        <p:spPr/>
+        <p:txBody>
+          <a:bodyPr>
+            <a:normAutofit/>
+          </a:bodyPr>
+          <a:lstStyle/>
+          <a:p>
+            <a:pPr marL="0" marR="0" lvl="1" indent="0" algn="l" defTabSz="914400" rtl="0" eaLnBrk="1" fontAlgn="auto" latinLnBrk="0" hangingPunct="1">
+              <a:lnSpc>
+                <a:spcPct val="100000"/>
+              </a:lnSpc>
+              <a:spcBef>
+                <a:spcPts val="0"/>
+              </a:spcBef>
+              <a:spcAft>
+                <a:spcPts val="0"/>
+              </a:spcAft>
+              <a:buClrTx/>
+              <a:buSzTx/>
+              <a:buFontTx/>
+              <a:buNone/>
+              <a:tabLst/>
+              <a:defRPr/>
+            </a:pPr>
+            <a:r>
+              <a:rPr lang="fr-FR" dirty="0" smtClean="0"/>
+              <a:t>Couche de présentation</a:t>
+            </a:r>
+            <a:r>
+              <a:rPr lang="en-US" baseline="0" dirty="0" smtClean="0"/>
+              <a:t> : </a:t>
+            </a:r>
+            <a:r>
+              <a:rPr lang="en-US" sz="1200" b="1" kern="1200" dirty="0" smtClean="0">
+                <a:solidFill>
+                  <a:schemeClr val="tx1"/>
+                </a:solidFill>
+                <a:latin typeface="+mn-lt"/>
+                <a:ea typeface="+mn-ea"/>
+                <a:cs typeface="+mn-cs"/>
+              </a:rPr>
+              <a:t>HTML views Excel views</a:t>
+            </a:r>
+          </a:p>
+          <a:p>
+            <a:pPr marL="0" marR="0" lvl="1" indent="0" algn="l" defTabSz="914400" rtl="0" eaLnBrk="1" fontAlgn="auto" latinLnBrk="0" hangingPunct="1">
+              <a:lnSpc>
+                <a:spcPct val="100000"/>
+              </a:lnSpc>
+              <a:spcBef>
+                <a:spcPts val="0"/>
+              </a:spcBef>
+              <a:spcAft>
+                <a:spcPts val="0"/>
+              </a:spcAft>
+              <a:buClrTx/>
+              <a:buSzTx/>
+              <a:buFontTx/>
+              <a:buNone/>
+              <a:tabLst/>
+              <a:defRPr/>
+            </a:pPr>
+            <a:r>
+              <a:rPr lang="en-US" sz="1200" kern="1200" dirty="0" smtClean="0">
+                <a:solidFill>
+                  <a:schemeClr val="tx1"/>
+                </a:solidFill>
+                <a:latin typeface="+mn-lt"/>
+                <a:ea typeface="+mn-ea"/>
+                <a:cs typeface="+mn-cs"/>
+              </a:rPr>
+              <a:t>Business layer :</a:t>
+            </a:r>
+            <a:r>
+              <a:rPr lang="en-US" sz="1200" kern="1200" baseline="0" dirty="0" smtClean="0">
+                <a:solidFill>
+                  <a:schemeClr val="tx1"/>
+                </a:solidFill>
+                <a:latin typeface="+mn-lt"/>
+                <a:ea typeface="+mn-ea"/>
+                <a:cs typeface="+mn-cs"/>
+              </a:rPr>
+              <a:t> </a:t>
+            </a:r>
+            <a:r>
+              <a:rPr lang="en-US" sz="1200" b="1" kern="1200" dirty="0" smtClean="0">
+                <a:solidFill>
+                  <a:schemeClr val="tx1"/>
+                </a:solidFill>
+                <a:latin typeface="+mn-lt"/>
+                <a:ea typeface="+mn-ea"/>
+                <a:cs typeface="+mn-cs"/>
+              </a:rPr>
+              <a:t>User Authorization Business Logic</a:t>
+            </a:r>
+            <a:endParaRPr lang="en-US" sz="1200" kern="1200" dirty="0" smtClean="0">
+              <a:solidFill>
+                <a:schemeClr val="tx1"/>
+              </a:solidFill>
+              <a:latin typeface="+mn-lt"/>
+              <a:ea typeface="+mn-ea"/>
+              <a:cs typeface="+mn-cs"/>
+            </a:endParaRPr>
+          </a:p>
+          <a:p>
+            <a:pPr marL="0" marR="0" lvl="1" indent="0" algn="l" defTabSz="914400" rtl="0" eaLnBrk="1" fontAlgn="auto" latinLnBrk="0" hangingPunct="1">
+              <a:lnSpc>
+                <a:spcPct val="100000"/>
+              </a:lnSpc>
+              <a:spcBef>
+                <a:spcPts val="0"/>
+              </a:spcBef>
+              <a:spcAft>
+                <a:spcPts val="0"/>
+              </a:spcAft>
+              <a:buClrTx/>
+              <a:buSzTx/>
+              <a:buFontTx/>
+              <a:buNone/>
+              <a:tabLst/>
+              <a:defRPr/>
+            </a:pPr>
+            <a:r>
+              <a:rPr lang="en-US" sz="1200" kern="1200" dirty="0" smtClean="0">
+                <a:solidFill>
+                  <a:schemeClr val="tx1"/>
+                </a:solidFill>
+                <a:latin typeface="+mn-lt"/>
+                <a:ea typeface="+mn-ea"/>
+                <a:cs typeface="+mn-cs"/>
+              </a:rPr>
+              <a:t>Persistence layer</a:t>
+            </a:r>
+            <a:r>
+              <a:rPr lang="en-US" sz="1200" kern="1200" baseline="0" dirty="0" smtClean="0">
+                <a:solidFill>
+                  <a:schemeClr val="tx1"/>
+                </a:solidFill>
+                <a:latin typeface="+mn-lt"/>
+                <a:ea typeface="+mn-ea"/>
+                <a:cs typeface="+mn-cs"/>
+              </a:rPr>
+              <a:t> : </a:t>
+            </a:r>
+            <a:r>
+              <a:rPr lang="en-US" sz="1200" b="1" kern="1200" dirty="0" smtClean="0">
+                <a:solidFill>
+                  <a:schemeClr val="tx1"/>
+                </a:solidFill>
+                <a:latin typeface="+mn-lt"/>
+                <a:ea typeface="+mn-ea"/>
+                <a:cs typeface="+mn-cs"/>
+              </a:rPr>
+              <a:t>Data Model Data Access</a:t>
+            </a:r>
+            <a:endParaRPr lang="en-US" sz="1200" kern="1200" dirty="0" smtClean="0">
+              <a:solidFill>
+                <a:schemeClr val="tx1"/>
+              </a:solidFill>
+              <a:latin typeface="+mn-lt"/>
+              <a:ea typeface="+mn-ea"/>
+              <a:cs typeface="+mn-cs"/>
+            </a:endParaRPr>
+          </a:p>
+          <a:p>
+            <a:pPr marL="0" marR="0" lvl="1" indent="0" algn="l" defTabSz="914400" rtl="0" eaLnBrk="1" fontAlgn="auto" latinLnBrk="0" hangingPunct="1">
+              <a:lnSpc>
+                <a:spcPct val="100000"/>
+              </a:lnSpc>
+              <a:spcBef>
+                <a:spcPts val="0"/>
+              </a:spcBef>
+              <a:spcAft>
+                <a:spcPts val="0"/>
+              </a:spcAft>
+              <a:buClrTx/>
+              <a:buSzTx/>
+              <a:buFontTx/>
+              <a:buNone/>
+              <a:tabLst/>
+              <a:defRPr/>
+            </a:pPr>
+            <a:r>
+              <a:rPr lang="fr-FR" sz="1200" kern="1200" dirty="0" smtClean="0">
+                <a:solidFill>
+                  <a:schemeClr val="tx1"/>
+                </a:solidFill>
+                <a:latin typeface="+mn-lt"/>
+                <a:ea typeface="+mn-ea"/>
+                <a:cs typeface="+mn-cs"/>
+              </a:rPr>
+              <a:t>	HIBERNATE</a:t>
+            </a:r>
+          </a:p>
+          <a:p>
+            <a:pPr marL="0" marR="0" lvl="1" indent="0" algn="l" defTabSz="914400" rtl="0" eaLnBrk="1" fontAlgn="auto" latinLnBrk="0" hangingPunct="1">
+              <a:lnSpc>
+                <a:spcPct val="100000"/>
+              </a:lnSpc>
+              <a:spcBef>
+                <a:spcPts val="0"/>
+              </a:spcBef>
+              <a:spcAft>
+                <a:spcPts val="0"/>
+              </a:spcAft>
+              <a:buClrTx/>
+              <a:buSzTx/>
+              <a:buFontTx/>
+              <a:buNone/>
+              <a:tabLst/>
+              <a:defRPr/>
+            </a:pPr>
+            <a:r>
+              <a:rPr lang="fr-FR" sz="1200" kern="1200" baseline="0" dirty="0" smtClean="0">
+                <a:solidFill>
+                  <a:schemeClr val="tx1"/>
+                </a:solidFill>
+                <a:latin typeface="+mn-lt"/>
+                <a:ea typeface="+mn-ea"/>
+                <a:cs typeface="+mn-cs"/>
+              </a:rPr>
+              <a:t>          Oracle </a:t>
+            </a:r>
+            <a:r>
+              <a:rPr lang="fr-FR" sz="1200" kern="1200" baseline="0" dirty="0" err="1" smtClean="0">
+                <a:solidFill>
+                  <a:schemeClr val="tx1"/>
+                </a:solidFill>
+                <a:latin typeface="+mn-lt"/>
+                <a:ea typeface="+mn-ea"/>
+                <a:cs typeface="+mn-cs"/>
+              </a:rPr>
+              <a:t>Database</a:t>
+            </a:r>
+            <a:r>
+              <a:rPr lang="fr-FR" sz="1200" kern="1200" baseline="0" dirty="0" smtClean="0">
+                <a:solidFill>
+                  <a:schemeClr val="tx1"/>
+                </a:solidFill>
+                <a:latin typeface="+mn-lt"/>
+                <a:ea typeface="+mn-ea"/>
+                <a:cs typeface="+mn-cs"/>
+              </a:rPr>
+              <a:t> </a:t>
+            </a:r>
+          </a:p>
+          <a:p>
+            <a:pPr marL="0" marR="0" lvl="1" indent="0" algn="l" defTabSz="914400" rtl="0" eaLnBrk="1" fontAlgn="auto" latinLnBrk="0" hangingPunct="1">
+              <a:lnSpc>
+                <a:spcPct val="100000"/>
+              </a:lnSpc>
+              <a:spcBef>
+                <a:spcPts val="0"/>
+              </a:spcBef>
+              <a:spcAft>
+                <a:spcPts val="0"/>
+              </a:spcAft>
+              <a:buClrTx/>
+              <a:buSzTx/>
+              <a:buFontTx/>
+              <a:buNone/>
+              <a:tabLst/>
+              <a:defRPr/>
+            </a:pPr>
+            <a:endParaRPr lang="en-US" sz="1200" kern="1200" dirty="0" smtClean="0">
+              <a:solidFill>
+                <a:schemeClr val="tx1"/>
+              </a:solidFill>
+              <a:latin typeface="+mn-lt"/>
+              <a:ea typeface="+mn-ea"/>
+              <a:cs typeface="+mn-cs"/>
+            </a:endParaRPr>
+          </a:p>
+          <a:p>
+            <a:r>
+              <a:rPr lang="fr-FR" sz="1200" kern="1200" dirty="0" smtClean="0">
+                <a:solidFill>
+                  <a:schemeClr val="tx1"/>
+                </a:solidFill>
+                <a:latin typeface="+mn-lt"/>
+                <a:ea typeface="+mn-ea"/>
+                <a:cs typeface="+mn-cs"/>
+              </a:rPr>
+              <a:t>L’assemblement des couches est basé sur POJO ( plain </a:t>
+            </a:r>
+            <a:r>
+              <a:rPr lang="fr-FR" sz="1200" kern="1200" dirty="0" err="1" smtClean="0">
+                <a:solidFill>
+                  <a:schemeClr val="tx1"/>
+                </a:solidFill>
+                <a:latin typeface="+mn-lt"/>
+                <a:ea typeface="+mn-ea"/>
+                <a:cs typeface="+mn-cs"/>
+              </a:rPr>
+              <a:t>old</a:t>
+            </a:r>
+            <a:r>
+              <a:rPr lang="fr-FR" sz="1200" kern="1200" dirty="0" smtClean="0">
+                <a:solidFill>
+                  <a:schemeClr val="tx1"/>
+                </a:solidFill>
+                <a:latin typeface="+mn-lt"/>
+                <a:ea typeface="+mn-ea"/>
+                <a:cs typeface="+mn-cs"/>
+              </a:rPr>
+              <a:t> java </a:t>
+            </a:r>
+            <a:r>
+              <a:rPr lang="fr-FR" sz="1200" kern="1200" dirty="0" err="1" smtClean="0">
+                <a:solidFill>
+                  <a:schemeClr val="tx1"/>
+                </a:solidFill>
+                <a:latin typeface="+mn-lt"/>
+                <a:ea typeface="+mn-ea"/>
+                <a:cs typeface="+mn-cs"/>
+              </a:rPr>
+              <a:t>object</a:t>
+            </a:r>
+            <a:r>
+              <a:rPr lang="fr-FR" sz="1200" kern="1200" dirty="0" smtClean="0">
+                <a:solidFill>
+                  <a:schemeClr val="tx1"/>
+                </a:solidFill>
+                <a:latin typeface="+mn-lt"/>
+                <a:ea typeface="+mn-ea"/>
+                <a:cs typeface="+mn-cs"/>
+              </a:rPr>
+              <a:t> = </a:t>
+            </a:r>
+            <a:r>
+              <a:rPr lang="en-US" sz="1200" b="0" i="0" kern="1200" dirty="0" smtClean="0">
+                <a:solidFill>
+                  <a:schemeClr val="tx1"/>
+                </a:solidFill>
+                <a:latin typeface="+mn-lt"/>
+                <a:ea typeface="+mn-ea"/>
+                <a:cs typeface="+mn-cs"/>
+              </a:rPr>
+              <a:t> bon </a:t>
+            </a:r>
+            <a:r>
+              <a:rPr lang="en-US" sz="1200" b="0" i="0" kern="1200" dirty="0" err="1" smtClean="0">
+                <a:solidFill>
+                  <a:schemeClr val="tx1"/>
+                </a:solidFill>
+                <a:latin typeface="+mn-lt"/>
+                <a:ea typeface="+mn-ea"/>
+                <a:cs typeface="+mn-cs"/>
+              </a:rPr>
+              <a:t>vieil</a:t>
+            </a:r>
+            <a:r>
+              <a:rPr lang="en-US" sz="1200" b="0" i="0" kern="1200" dirty="0" smtClean="0">
+                <a:solidFill>
+                  <a:schemeClr val="tx1"/>
+                </a:solidFill>
+                <a:latin typeface="+mn-lt"/>
+                <a:ea typeface="+mn-ea"/>
+                <a:cs typeface="+mn-cs"/>
+              </a:rPr>
+              <a:t> objet Java.</a:t>
+            </a:r>
+            <a:r>
+              <a:rPr lang="en-US" sz="1200" b="0" i="0" kern="1200" baseline="0" dirty="0" smtClean="0">
+                <a:solidFill>
+                  <a:schemeClr val="tx1"/>
+                </a:solidFill>
+                <a:latin typeface="+mn-lt"/>
+                <a:ea typeface="+mn-ea"/>
+                <a:cs typeface="+mn-cs"/>
+              </a:rPr>
+              <a:t> </a:t>
+            </a:r>
+            <a:r>
+              <a:rPr lang="fr-FR" sz="1200" b="0" i="0" kern="1200" dirty="0" smtClean="0">
+                <a:solidFill>
+                  <a:schemeClr val="tx1"/>
+                </a:solidFill>
+                <a:latin typeface="+mn-lt"/>
+                <a:ea typeface="+mn-ea"/>
+                <a:cs typeface="+mn-cs"/>
+              </a:rPr>
+              <a:t> Cet acronyme est principalement utilisé pour faire référence à la simplicité d'utilisation d'un objet Java </a:t>
+            </a:r>
+            <a:r>
+              <a:rPr lang="en-US" sz="1200" b="0" i="0" kern="1200" dirty="0" smtClean="0">
+                <a:solidFill>
+                  <a:schemeClr val="tx1"/>
+                </a:solidFill>
+                <a:latin typeface="+mn-lt"/>
+                <a:ea typeface="+mn-ea"/>
+                <a:cs typeface="+mn-cs"/>
+              </a:rPr>
+              <a:t>)</a:t>
+            </a:r>
+            <a:r>
+              <a:rPr lang="en-US" sz="1200" b="0" i="0" kern="1200" baseline="0" dirty="0" smtClean="0">
+                <a:solidFill>
+                  <a:schemeClr val="tx1"/>
+                </a:solidFill>
+                <a:latin typeface="+mn-lt"/>
+                <a:ea typeface="+mn-ea"/>
+                <a:cs typeface="+mn-cs"/>
+              </a:rPr>
+              <a:t> </a:t>
+            </a:r>
+            <a:r>
+              <a:rPr lang="fr-FR" sz="1200" kern="1200" dirty="0" smtClean="0">
+                <a:solidFill>
+                  <a:schemeClr val="tx1"/>
+                </a:solidFill>
+                <a:latin typeface="+mn-lt"/>
+                <a:ea typeface="+mn-ea"/>
+                <a:cs typeface="+mn-cs"/>
+              </a:rPr>
+              <a:t>et utilise le Framework </a:t>
+            </a:r>
+            <a:r>
+              <a:rPr lang="fr-FR" sz="1200" kern="1200" dirty="0" err="1" smtClean="0">
+                <a:solidFill>
+                  <a:schemeClr val="tx1"/>
+                </a:solidFill>
+                <a:latin typeface="+mn-lt"/>
+                <a:ea typeface="+mn-ea"/>
+                <a:cs typeface="+mn-cs"/>
+              </a:rPr>
+              <a:t>Spring</a:t>
+            </a:r>
+            <a:r>
+              <a:rPr lang="fr-FR" sz="1200" kern="1200" dirty="0" smtClean="0">
+                <a:solidFill>
+                  <a:schemeClr val="tx1"/>
+                </a:solidFill>
+                <a:latin typeface="+mn-lt"/>
+                <a:ea typeface="+mn-ea"/>
+                <a:cs typeface="+mn-cs"/>
+              </a:rPr>
+              <a:t>.</a:t>
+            </a:r>
+            <a:endParaRPr lang="en-US" sz="1200" kern="1200" dirty="0" smtClean="0">
+              <a:solidFill>
+                <a:schemeClr val="tx1"/>
+              </a:solidFill>
+              <a:latin typeface="+mn-lt"/>
+              <a:ea typeface="+mn-ea"/>
+              <a:cs typeface="+mn-cs"/>
+            </a:endParaRPr>
+          </a:p>
+          <a:p>
+            <a:r>
+              <a:rPr lang="fr-FR" sz="1200" kern="1200" dirty="0" smtClean="0">
+                <a:solidFill>
+                  <a:schemeClr val="tx1"/>
+                </a:solidFill>
+                <a:latin typeface="+mn-lt"/>
+                <a:ea typeface="+mn-ea"/>
+                <a:cs typeface="+mn-cs"/>
+              </a:rPr>
+              <a:t>Les </a:t>
+            </a:r>
+            <a:r>
+              <a:rPr lang="fr-FR" sz="1200" kern="1200" dirty="0" err="1" smtClean="0">
+                <a:solidFill>
+                  <a:schemeClr val="tx1"/>
+                </a:solidFill>
+                <a:latin typeface="+mn-lt"/>
+                <a:ea typeface="+mn-ea"/>
+                <a:cs typeface="+mn-cs"/>
+              </a:rPr>
+              <a:t>Frameworks</a:t>
+            </a:r>
+            <a:r>
+              <a:rPr lang="fr-FR" sz="1200" kern="1200" dirty="0" smtClean="0">
+                <a:solidFill>
+                  <a:schemeClr val="tx1"/>
+                </a:solidFill>
+                <a:latin typeface="+mn-lt"/>
+                <a:ea typeface="+mn-ea"/>
+                <a:cs typeface="+mn-cs"/>
+              </a:rPr>
+              <a:t> qui sont utilisés dans chaque couche sont :</a:t>
+            </a:r>
+            <a:endParaRPr lang="en-US" sz="1200" kern="1200" dirty="0" smtClean="0">
+              <a:solidFill>
+                <a:schemeClr val="tx1"/>
+              </a:solidFill>
+              <a:latin typeface="+mn-lt"/>
+              <a:ea typeface="+mn-ea"/>
+              <a:cs typeface="+mn-cs"/>
+            </a:endParaRPr>
+          </a:p>
+          <a:p>
+            <a:pPr lvl="0"/>
+            <a:r>
+              <a:rPr lang="fr-FR" sz="1200" kern="1200" dirty="0" smtClean="0">
+                <a:solidFill>
+                  <a:schemeClr val="tx1"/>
+                </a:solidFill>
+                <a:latin typeface="+mn-lt"/>
+                <a:ea typeface="+mn-ea"/>
+                <a:cs typeface="+mn-cs"/>
+              </a:rPr>
+              <a:t>JPA et </a:t>
+            </a:r>
+            <a:r>
+              <a:rPr lang="fr-FR" sz="1200" kern="1200" dirty="0" err="1" smtClean="0">
+                <a:solidFill>
+                  <a:schemeClr val="tx1"/>
+                </a:solidFill>
+                <a:latin typeface="+mn-lt"/>
+                <a:ea typeface="+mn-ea"/>
+                <a:cs typeface="+mn-cs"/>
+              </a:rPr>
+              <a:t>Hibernate</a:t>
+            </a:r>
+            <a:r>
+              <a:rPr lang="fr-FR" sz="1200" kern="1200" dirty="0" smtClean="0">
+                <a:solidFill>
+                  <a:schemeClr val="tx1"/>
+                </a:solidFill>
+                <a:latin typeface="+mn-lt"/>
+                <a:ea typeface="+mn-ea"/>
+                <a:cs typeface="+mn-cs"/>
+              </a:rPr>
+              <a:t> 3 pour la couche de persistance.</a:t>
+            </a:r>
+            <a:endParaRPr lang="en-US" sz="1200" kern="1200" dirty="0" smtClean="0">
+              <a:solidFill>
+                <a:schemeClr val="tx1"/>
+              </a:solidFill>
+              <a:latin typeface="+mn-lt"/>
+              <a:ea typeface="+mn-ea"/>
+              <a:cs typeface="+mn-cs"/>
+            </a:endParaRPr>
+          </a:p>
+          <a:p>
+            <a:pPr lvl="0"/>
+            <a:r>
+              <a:rPr lang="fr-FR" sz="1200" kern="1200" dirty="0" err="1" smtClean="0">
+                <a:solidFill>
+                  <a:schemeClr val="tx1"/>
+                </a:solidFill>
+                <a:latin typeface="+mn-lt"/>
+                <a:ea typeface="+mn-ea"/>
+                <a:cs typeface="+mn-cs"/>
+              </a:rPr>
+              <a:t>Spring</a:t>
+            </a:r>
+            <a:r>
+              <a:rPr lang="fr-FR" sz="1200" kern="1200" dirty="0" smtClean="0">
+                <a:solidFill>
+                  <a:schemeClr val="tx1"/>
+                </a:solidFill>
+                <a:latin typeface="+mn-lt"/>
+                <a:ea typeface="+mn-ea"/>
+                <a:cs typeface="+mn-cs"/>
+              </a:rPr>
+              <a:t>, </a:t>
+            </a:r>
+            <a:r>
+              <a:rPr lang="fr-FR" sz="1200" kern="1200" dirty="0" err="1" smtClean="0">
+                <a:solidFill>
+                  <a:schemeClr val="tx1"/>
+                </a:solidFill>
+                <a:latin typeface="+mn-lt"/>
+                <a:ea typeface="+mn-ea"/>
+                <a:cs typeface="+mn-cs"/>
+              </a:rPr>
+              <a:t>Spring</a:t>
+            </a:r>
+            <a:r>
+              <a:rPr lang="fr-FR" sz="1200" kern="1200" dirty="0" smtClean="0">
+                <a:solidFill>
+                  <a:schemeClr val="tx1"/>
+                </a:solidFill>
+                <a:latin typeface="+mn-lt"/>
+                <a:ea typeface="+mn-ea"/>
+                <a:cs typeface="+mn-cs"/>
+              </a:rPr>
+              <a:t> MVC, JSP, </a:t>
+            </a:r>
+            <a:r>
+              <a:rPr lang="fr-FR" sz="1200" kern="1200" dirty="0" err="1" smtClean="0">
+                <a:solidFill>
+                  <a:schemeClr val="tx1"/>
+                </a:solidFill>
+                <a:latin typeface="+mn-lt"/>
+                <a:ea typeface="+mn-ea"/>
+                <a:cs typeface="+mn-cs"/>
+              </a:rPr>
+              <a:t>Aspose</a:t>
+            </a:r>
+            <a:r>
+              <a:rPr lang="fr-FR" sz="1200" kern="1200" dirty="0" smtClean="0">
+                <a:solidFill>
+                  <a:schemeClr val="tx1"/>
+                </a:solidFill>
+                <a:latin typeface="+mn-lt"/>
+                <a:ea typeface="+mn-ea"/>
+                <a:cs typeface="+mn-cs"/>
+              </a:rPr>
+              <a:t> pour les deux couches : présentation et métier.</a:t>
+            </a:r>
+            <a:endParaRPr lang="en-US" sz="1200" kern="1200" dirty="0" smtClean="0">
+              <a:solidFill>
+                <a:schemeClr val="tx1"/>
+              </a:solidFill>
+              <a:latin typeface="+mn-lt"/>
+              <a:ea typeface="+mn-ea"/>
+              <a:cs typeface="+mn-cs"/>
+            </a:endParaRPr>
+          </a:p>
+          <a:p>
+            <a:pPr marL="0" marR="0" lvl="1" indent="0" algn="l" defTabSz="914400" rtl="0" eaLnBrk="1" fontAlgn="auto" latinLnBrk="0" hangingPunct="1">
+              <a:lnSpc>
+                <a:spcPct val="100000"/>
+              </a:lnSpc>
+              <a:spcBef>
+                <a:spcPts val="0"/>
+              </a:spcBef>
+              <a:spcAft>
+                <a:spcPts val="0"/>
+              </a:spcAft>
+              <a:buClrTx/>
+              <a:buSzTx/>
+              <a:buFontTx/>
+              <a:buNone/>
+              <a:tabLst/>
+              <a:defRPr/>
+            </a:pPr>
+            <a:endParaRPr lang="en-US" sz="1200" kern="1200" dirty="0" smtClean="0">
+              <a:solidFill>
+                <a:schemeClr val="tx1"/>
+              </a:solidFill>
+              <a:latin typeface="+mn-lt"/>
+              <a:ea typeface="+mn-ea"/>
+              <a:cs typeface="+mn-cs"/>
+            </a:endParaRPr>
+          </a:p>
+          <a:p>
+            <a:pPr marL="0" marR="0" lvl="1" indent="0" algn="l" defTabSz="914400" rtl="0" eaLnBrk="1" fontAlgn="auto" latinLnBrk="0" hangingPunct="1">
+              <a:lnSpc>
+                <a:spcPct val="100000"/>
+              </a:lnSpc>
+              <a:spcBef>
+                <a:spcPts val="0"/>
+              </a:spcBef>
+              <a:spcAft>
+                <a:spcPts val="0"/>
+              </a:spcAft>
+              <a:buClrTx/>
+              <a:buSzTx/>
+              <a:buFontTx/>
+              <a:buNone/>
+              <a:tabLst/>
+              <a:defRPr/>
+            </a:pPr>
+            <a:endParaRPr lang="en-US" sz="1200" kern="1200" dirty="0" smtClean="0">
+              <a:solidFill>
+                <a:schemeClr val="tx1"/>
+              </a:solidFill>
+              <a:latin typeface="+mn-lt"/>
+              <a:ea typeface="+mn-ea"/>
+              <a:cs typeface="+mn-cs"/>
+            </a:endParaRPr>
+          </a:p>
+          <a:p>
+            <a:pPr marL="0" marR="0" indent="0" algn="l" defTabSz="914400" rtl="0" eaLnBrk="1" fontAlgn="auto" latinLnBrk="0" hangingPunct="1">
+              <a:lnSpc>
+                <a:spcPct val="100000"/>
+              </a:lnSpc>
+              <a:spcBef>
+                <a:spcPts val="0"/>
+              </a:spcBef>
+              <a:spcAft>
+                <a:spcPts val="0"/>
+              </a:spcAft>
+              <a:buClrTx/>
+              <a:buSzTx/>
+              <a:buFontTx/>
+              <a:buNone/>
+              <a:tabLst/>
+              <a:defRPr/>
+            </a:pPr>
+            <a:endParaRPr lang="en-US" sz="1200" kern="1200" dirty="0" smtClean="0">
+              <a:solidFill>
+                <a:schemeClr val="tx1"/>
+              </a:solidFill>
+              <a:latin typeface="+mn-lt"/>
+              <a:ea typeface="+mn-ea"/>
+              <a:cs typeface="+mn-cs"/>
+            </a:endParaRPr>
+          </a:p>
+          <a:p>
+            <a:r>
+              <a:rPr lang="fr-FR" dirty="0" smtClean="0"/>
+              <a:t> </a:t>
+            </a:r>
+            <a:endParaRPr lang="en-US" dirty="0"/>
+          </a:p>
+        </p:txBody>
+      </p:sp>
+      <p:sp>
+        <p:nvSpPr>
+          <p:cNvPr id="4" name="Slide Number Placeholder 3"/>
+          <p:cNvSpPr>
+            <a:spLocks noGrp="1"/>
+          </p:cNvSpPr>
+          <p:nvPr>
+            <p:ph type="sldNum" sz="quarter" idx="10"/>
+          </p:nvPr>
+        </p:nvSpPr>
+        <p:spPr/>
+        <p:txBody>
+          <a:bodyPr/>
+          <a:lstStyle/>
+          <a:p>
+            <a:fld id="{CF597FD4-EEB4-40D7-A349-F18C1F1FFB9D}" type="slidenum">
+              <a:rPr lang="fr-FR" smtClean="0"/>
+              <a:pPr/>
+              <a:t>15</a:t>
+            </a:fld>
+            <a:endParaRPr lang="fr-FR"/>
+          </a:p>
+        </p:txBody>
+      </p:sp>
+    </p:spTree>
+  </p:cSld>
+  <p:clrMapOvr>
+    <a:masterClrMapping/>
+  </p:clrMapOvr>
+</p:notes>
+</file>
+
+<file path=ppt/notesSlides/notesSlide13.xml><?xml version="1.0" encoding="utf-8"?>
+<p:notes xmlns:a="http://schemas.openxmlformats.org/drawingml/2006/main" xmlns:r="http://schemas.openxmlformats.org/officeDocument/2006/relationships" xmlns:p="http://schemas.openxmlformats.org/presentationml/2006/main">
+  <p:cSld>
+    <p:spTree>
+      <p:nvGrpSpPr>
+        <p:cNvPr id="1" name=""/>
+        <p:cNvGrpSpPr/>
+        <p:nvPr/>
+      </p:nvGrpSpPr>
+      <p:grpSpPr>
+        <a:xfrm>
+          <a:off x="0" y="0"/>
+          <a:ext cx="0" cy="0"/>
+          <a:chOff x="0" y="0"/>
+          <a:chExt cx="0" cy="0"/>
+        </a:xfrm>
+      </p:grpSpPr>
+      <p:sp>
+        <p:nvSpPr>
+          <p:cNvPr id="2" name="Slide Image Placeholder 1"/>
+          <p:cNvSpPr>
+            <a:spLocks noGrp="1" noRot="1" noChangeAspect="1"/>
+          </p:cNvSpPr>
+          <p:nvPr>
+            <p:ph type="sldImg"/>
+          </p:nvPr>
+        </p:nvSpPr>
+        <p:spPr/>
+      </p:sp>
+      <p:sp>
+        <p:nvSpPr>
+          <p:cNvPr id="3" name="Notes Placeholder 2"/>
+          <p:cNvSpPr>
+            <a:spLocks noGrp="1"/>
+          </p:cNvSpPr>
+          <p:nvPr>
+            <p:ph type="body" idx="1"/>
+          </p:nvPr>
+        </p:nvSpPr>
+        <p:spPr/>
+        <p:txBody>
+          <a:bodyPr>
+            <a:normAutofit/>
+          </a:bodyPr>
+          <a:lstStyle/>
+          <a:p>
+            <a:endParaRPr lang="en-US" dirty="0"/>
+          </a:p>
+        </p:txBody>
+      </p:sp>
+      <p:sp>
+        <p:nvSpPr>
+          <p:cNvPr id="4" name="Slide Number Placeholder 3"/>
+          <p:cNvSpPr>
+            <a:spLocks noGrp="1"/>
+          </p:cNvSpPr>
+          <p:nvPr>
+            <p:ph type="sldNum" sz="quarter" idx="10"/>
+          </p:nvPr>
+        </p:nvSpPr>
+        <p:spPr/>
+        <p:txBody>
+          <a:bodyPr/>
+          <a:lstStyle/>
+          <a:p>
+            <a:fld id="{CF597FD4-EEB4-40D7-A349-F18C1F1FFB9D}" type="slidenum">
+              <a:rPr lang="fr-FR" smtClean="0"/>
+              <a:pPr/>
+              <a:t>16</a:t>
+            </a:fld>
+            <a:endParaRPr lang="fr-FR"/>
+          </a:p>
+        </p:txBody>
+      </p:sp>
+    </p:spTree>
+  </p:cSld>
+  <p:clrMapOvr>
+    <a:masterClrMapping/>
+  </p:clrMapOvr>
+</p:notes>
+</file>
+
+<file path=ppt/notesSlides/notesSlide14.xml><?xml version="1.0" encoding="utf-8"?>
+<p:notes xmlns:a="http://schemas.openxmlformats.org/drawingml/2006/main" xmlns:r="http://schemas.openxmlformats.org/officeDocument/2006/relationships" xmlns:p="http://schemas.openxmlformats.org/presentationml/2006/main">
+  <p:cSld>
+    <p:spTree>
+      <p:nvGrpSpPr>
+        <p:cNvPr id="1" name=""/>
+        <p:cNvGrpSpPr/>
+        <p:nvPr/>
+      </p:nvGrpSpPr>
+      <p:grpSpPr>
+        <a:xfrm>
+          <a:off x="0" y="0"/>
+          <a:ext cx="0" cy="0"/>
+          <a:chOff x="0" y="0"/>
+          <a:chExt cx="0" cy="0"/>
+        </a:xfrm>
+      </p:grpSpPr>
+      <p:sp>
+        <p:nvSpPr>
+          <p:cNvPr id="2" name="Slide Image Placeholder 1"/>
+          <p:cNvSpPr>
+            <a:spLocks noGrp="1" noRot="1" noChangeAspect="1"/>
+          </p:cNvSpPr>
+          <p:nvPr>
+            <p:ph type="sldImg"/>
+          </p:nvPr>
+        </p:nvSpPr>
+        <p:spPr/>
+      </p:sp>
+      <p:sp>
+        <p:nvSpPr>
+          <p:cNvPr id="3" name="Notes Placeholder 2"/>
+          <p:cNvSpPr>
+            <a:spLocks noGrp="1"/>
+          </p:cNvSpPr>
+          <p:nvPr>
+            <p:ph type="body" idx="1"/>
+          </p:nvPr>
+        </p:nvSpPr>
+        <p:spPr/>
+        <p:txBody>
+          <a:bodyPr>
+            <a:normAutofit/>
+          </a:bodyPr>
+          <a:lstStyle/>
+          <a:p>
+            <a:r>
+              <a:rPr lang="fr-FR" sz="1200" i="1" kern="1200" dirty="0" err="1" smtClean="0">
+                <a:solidFill>
+                  <a:schemeClr val="tx1"/>
+                </a:solidFill>
+                <a:latin typeface="+mn-lt"/>
+                <a:ea typeface="+mn-ea"/>
+                <a:cs typeface="+mn-cs"/>
+              </a:rPr>
+              <a:t>IntelliJ</a:t>
+            </a:r>
+            <a:r>
+              <a:rPr lang="fr-FR" sz="1200" i="1" kern="1200" dirty="0" smtClean="0">
+                <a:solidFill>
+                  <a:schemeClr val="tx1"/>
+                </a:solidFill>
+                <a:latin typeface="+mn-lt"/>
+                <a:ea typeface="+mn-ea"/>
+                <a:cs typeface="+mn-cs"/>
+              </a:rPr>
+              <a:t> : </a:t>
+            </a:r>
+            <a:r>
+              <a:rPr lang="fr-FR" sz="1200" kern="1200" dirty="0" smtClean="0">
+                <a:solidFill>
+                  <a:schemeClr val="tx1"/>
+                </a:solidFill>
+                <a:latin typeface="+mn-lt"/>
+                <a:ea typeface="+mn-ea"/>
+                <a:cs typeface="+mn-cs"/>
+              </a:rPr>
+              <a:t>. C’est un environnement de développement </a:t>
+            </a:r>
+          </a:p>
+          <a:p>
+            <a:r>
+              <a:rPr lang="en-US" sz="1200" kern="1200" dirty="0" smtClean="0">
+                <a:solidFill>
+                  <a:schemeClr val="tx1"/>
+                </a:solidFill>
+                <a:latin typeface="+mn-lt"/>
+                <a:ea typeface="+mn-ea"/>
+                <a:cs typeface="+mn-cs"/>
+              </a:rPr>
+              <a:t>Hibernate </a:t>
+            </a:r>
+            <a:r>
+              <a:rPr lang="en-US" sz="1200" kern="1200" dirty="0" err="1" smtClean="0">
+                <a:solidFill>
+                  <a:schemeClr val="tx1"/>
+                </a:solidFill>
+                <a:latin typeface="+mn-lt"/>
+                <a:ea typeface="+mn-ea"/>
+                <a:cs typeface="+mn-cs"/>
+              </a:rPr>
+              <a:t>est</a:t>
+            </a:r>
+            <a:r>
+              <a:rPr lang="en-US" sz="1200" kern="1200" dirty="0" smtClean="0">
+                <a:solidFill>
+                  <a:schemeClr val="tx1"/>
+                </a:solidFill>
+                <a:latin typeface="+mn-lt"/>
+                <a:ea typeface="+mn-ea"/>
+                <a:cs typeface="+mn-cs"/>
+              </a:rPr>
+              <a:t> </a:t>
+            </a:r>
+            <a:r>
+              <a:rPr lang="en-US" sz="1200" kern="1200" dirty="0" err="1" smtClean="0">
+                <a:solidFill>
+                  <a:schemeClr val="tx1"/>
+                </a:solidFill>
+                <a:latin typeface="+mn-lt"/>
+                <a:ea typeface="+mn-ea"/>
+                <a:cs typeface="+mn-cs"/>
+              </a:rPr>
+              <a:t>une</a:t>
+            </a:r>
+            <a:r>
+              <a:rPr lang="en-US" sz="1200" kern="1200" dirty="0" smtClean="0">
+                <a:solidFill>
+                  <a:schemeClr val="tx1"/>
+                </a:solidFill>
+                <a:latin typeface="+mn-lt"/>
+                <a:ea typeface="+mn-ea"/>
+                <a:cs typeface="+mn-cs"/>
+              </a:rPr>
+              <a:t> solution open source de type ORM (Object Relational Mapping) qui </a:t>
+            </a:r>
+            <a:r>
+              <a:rPr lang="en-US" sz="1200" kern="1200" dirty="0" err="1" smtClean="0">
+                <a:solidFill>
+                  <a:schemeClr val="tx1"/>
+                </a:solidFill>
+                <a:latin typeface="+mn-lt"/>
+                <a:ea typeface="+mn-ea"/>
+                <a:cs typeface="+mn-cs"/>
+              </a:rPr>
+              <a:t>permet</a:t>
+            </a:r>
+            <a:r>
+              <a:rPr lang="en-US" sz="1200" kern="1200" dirty="0" smtClean="0">
+                <a:solidFill>
+                  <a:schemeClr val="tx1"/>
+                </a:solidFill>
+                <a:latin typeface="+mn-lt"/>
+                <a:ea typeface="+mn-ea"/>
+                <a:cs typeface="+mn-cs"/>
+              </a:rPr>
+              <a:t> de </a:t>
+            </a:r>
+            <a:r>
+              <a:rPr lang="en-US" sz="1200" kern="1200" dirty="0" err="1" smtClean="0">
+                <a:solidFill>
+                  <a:schemeClr val="tx1"/>
+                </a:solidFill>
+                <a:latin typeface="+mn-lt"/>
+                <a:ea typeface="+mn-ea"/>
+                <a:cs typeface="+mn-cs"/>
+              </a:rPr>
+              <a:t>faciliter</a:t>
+            </a:r>
+            <a:r>
+              <a:rPr lang="en-US" sz="1200" kern="1200" dirty="0" smtClean="0">
+                <a:solidFill>
+                  <a:schemeClr val="tx1"/>
+                </a:solidFill>
+                <a:latin typeface="+mn-lt"/>
+                <a:ea typeface="+mn-ea"/>
+                <a:cs typeface="+mn-cs"/>
+              </a:rPr>
+              <a:t> le </a:t>
+            </a:r>
+            <a:r>
+              <a:rPr lang="en-US" sz="1200" kern="1200" dirty="0" err="1" smtClean="0">
+                <a:solidFill>
+                  <a:schemeClr val="tx1"/>
+                </a:solidFill>
+                <a:latin typeface="+mn-lt"/>
+                <a:ea typeface="+mn-ea"/>
+                <a:cs typeface="+mn-cs"/>
+              </a:rPr>
+              <a:t>développement</a:t>
+            </a:r>
+            <a:r>
+              <a:rPr lang="en-US" sz="1200" kern="1200" dirty="0" smtClean="0">
+                <a:solidFill>
+                  <a:schemeClr val="tx1"/>
+                </a:solidFill>
+                <a:latin typeface="+mn-lt"/>
+                <a:ea typeface="+mn-ea"/>
+                <a:cs typeface="+mn-cs"/>
+              </a:rPr>
+              <a:t> de la </a:t>
+            </a:r>
+            <a:r>
+              <a:rPr lang="en-US" sz="1200" kern="1200" dirty="0" err="1" smtClean="0">
+                <a:solidFill>
+                  <a:schemeClr val="tx1"/>
+                </a:solidFill>
+                <a:latin typeface="+mn-lt"/>
+                <a:ea typeface="+mn-ea"/>
+                <a:cs typeface="+mn-cs"/>
+              </a:rPr>
+              <a:t>couche</a:t>
+            </a:r>
+            <a:r>
+              <a:rPr lang="en-US" sz="1200" kern="1200" dirty="0" smtClean="0">
+                <a:solidFill>
+                  <a:schemeClr val="tx1"/>
+                </a:solidFill>
+                <a:latin typeface="+mn-lt"/>
+                <a:ea typeface="+mn-ea"/>
+                <a:cs typeface="+mn-cs"/>
+              </a:rPr>
+              <a:t> </a:t>
+            </a:r>
+            <a:r>
+              <a:rPr lang="en-US" sz="1200" kern="1200" dirty="0" err="1" smtClean="0">
+                <a:solidFill>
+                  <a:schemeClr val="tx1"/>
+                </a:solidFill>
+                <a:latin typeface="+mn-lt"/>
+                <a:ea typeface="+mn-ea"/>
+                <a:cs typeface="+mn-cs"/>
+              </a:rPr>
+              <a:t>persistance</a:t>
+            </a:r>
+            <a:r>
+              <a:rPr lang="en-US" sz="1200" kern="1200" dirty="0" smtClean="0">
+                <a:solidFill>
+                  <a:schemeClr val="tx1"/>
+                </a:solidFill>
+                <a:latin typeface="+mn-lt"/>
+                <a:ea typeface="+mn-ea"/>
+                <a:cs typeface="+mn-cs"/>
+              </a:rPr>
+              <a:t> </a:t>
+            </a:r>
+            <a:r>
+              <a:rPr lang="en-US" sz="1200" kern="1200" dirty="0" err="1" smtClean="0">
+                <a:solidFill>
+                  <a:schemeClr val="tx1"/>
+                </a:solidFill>
+                <a:latin typeface="+mn-lt"/>
+                <a:ea typeface="+mn-ea"/>
+                <a:cs typeface="+mn-cs"/>
+              </a:rPr>
+              <a:t>d’une</a:t>
+            </a:r>
+            <a:r>
+              <a:rPr lang="en-US" sz="1200" kern="1200" dirty="0" smtClean="0">
+                <a:solidFill>
+                  <a:schemeClr val="tx1"/>
+                </a:solidFill>
+                <a:latin typeface="+mn-lt"/>
+                <a:ea typeface="+mn-ea"/>
+                <a:cs typeface="+mn-cs"/>
+              </a:rPr>
+              <a:t> application</a:t>
+            </a:r>
+          </a:p>
+          <a:p>
+            <a:r>
+              <a:rPr lang="fr-FR" sz="1200" kern="1200" dirty="0" smtClean="0">
+                <a:solidFill>
+                  <a:schemeClr val="tx1"/>
+                </a:solidFill>
+                <a:latin typeface="+mn-lt"/>
+                <a:ea typeface="+mn-ea"/>
+                <a:cs typeface="+mn-cs"/>
+              </a:rPr>
+              <a:t>Apache  </a:t>
+            </a:r>
+            <a:r>
+              <a:rPr lang="fr-FR" sz="1200" kern="1200" dirty="0" err="1" smtClean="0">
+                <a:solidFill>
+                  <a:schemeClr val="tx1"/>
+                </a:solidFill>
+                <a:latin typeface="+mn-lt"/>
+                <a:ea typeface="+mn-ea"/>
+                <a:cs typeface="+mn-cs"/>
+              </a:rPr>
+              <a:t>Tomcat</a:t>
+            </a:r>
+            <a:r>
+              <a:rPr lang="fr-FR" sz="1200" kern="1200" dirty="0" smtClean="0">
+                <a:solidFill>
+                  <a:schemeClr val="tx1"/>
+                </a:solidFill>
+                <a:latin typeface="+mn-lt"/>
+                <a:ea typeface="+mn-ea"/>
+                <a:cs typeface="+mn-cs"/>
+              </a:rPr>
+              <a:t> est un serveur d’application</a:t>
+            </a:r>
+            <a:r>
+              <a:rPr lang="en-US" sz="1200" kern="1200" dirty="0" smtClean="0">
+                <a:solidFill>
+                  <a:schemeClr val="tx1"/>
+                </a:solidFill>
+                <a:latin typeface="+mn-lt"/>
+                <a:ea typeface="+mn-ea"/>
+                <a:cs typeface="+mn-cs"/>
+              </a:rPr>
+              <a:t> d</a:t>
+            </a:r>
+            <a:r>
+              <a:rPr lang="fr-FR" sz="1200" kern="1200" dirty="0" smtClean="0">
+                <a:solidFill>
+                  <a:schemeClr val="tx1"/>
+                </a:solidFill>
+                <a:latin typeface="+mn-lt"/>
+                <a:ea typeface="+mn-ea"/>
+                <a:cs typeface="+mn-cs"/>
+              </a:rPr>
+              <a:t>e </a:t>
+            </a:r>
+            <a:r>
+              <a:rPr lang="fr-FR" sz="1200" u="none" strike="noStrike" kern="1200" dirty="0" err="1" smtClean="0">
+                <a:solidFill>
+                  <a:schemeClr val="tx1"/>
+                </a:solidFill>
+                <a:latin typeface="+mn-lt"/>
+                <a:ea typeface="+mn-ea"/>
+                <a:cs typeface="+mn-cs"/>
+                <a:hlinkClick r:id="rId3" tooltip="Servlet"/>
+              </a:rPr>
+              <a:t>servlets</a:t>
+            </a:r>
+            <a:r>
+              <a:rPr lang="fr-FR" sz="1200" kern="1200" dirty="0" smtClean="0">
+                <a:solidFill>
+                  <a:schemeClr val="tx1"/>
+                </a:solidFill>
+                <a:latin typeface="+mn-lt"/>
+                <a:ea typeface="+mn-ea"/>
+                <a:cs typeface="+mn-cs"/>
+              </a:rPr>
+              <a:t> et </a:t>
+            </a:r>
+            <a:r>
+              <a:rPr lang="fr-FR" sz="1200" u="none" strike="noStrike" kern="1200" dirty="0" smtClean="0">
+                <a:solidFill>
+                  <a:schemeClr val="tx1"/>
+                </a:solidFill>
+                <a:latin typeface="+mn-lt"/>
+                <a:ea typeface="+mn-ea"/>
+                <a:cs typeface="+mn-cs"/>
+                <a:hlinkClick r:id="rId4" tooltip="JavaServer Pages"/>
+              </a:rPr>
+              <a:t>JSP</a:t>
+            </a:r>
+            <a:r>
+              <a:rPr lang="fr-FR" sz="1200" kern="1200" dirty="0" smtClean="0">
+                <a:solidFill>
+                  <a:schemeClr val="tx1"/>
+                </a:solidFill>
+                <a:latin typeface="+mn-lt"/>
+                <a:ea typeface="+mn-ea"/>
+                <a:cs typeface="+mn-cs"/>
+              </a:rPr>
+              <a:t> </a:t>
+            </a:r>
+            <a:r>
+              <a:rPr lang="fr-FR" sz="1200" u="none" strike="noStrike" kern="1200" dirty="0" smtClean="0">
+                <a:solidFill>
+                  <a:schemeClr val="tx1"/>
+                </a:solidFill>
+                <a:latin typeface="+mn-lt"/>
+                <a:ea typeface="+mn-ea"/>
+                <a:cs typeface="+mn-cs"/>
+                <a:hlinkClick r:id="rId5" tooltip="Java EE"/>
+              </a:rPr>
+              <a:t>Java EE</a:t>
+            </a:r>
+            <a:endParaRPr lang="fr-FR" sz="1200" u="none" strike="noStrike" kern="1200" dirty="0" smtClean="0">
+              <a:solidFill>
+                <a:schemeClr val="tx1"/>
+              </a:solidFill>
+              <a:latin typeface="+mn-lt"/>
+              <a:ea typeface="+mn-ea"/>
+              <a:cs typeface="+mn-cs"/>
+            </a:endParaRPr>
+          </a:p>
+          <a:p>
+            <a:r>
+              <a:rPr lang="fr-FR" sz="1200" kern="1200" dirty="0" err="1" smtClean="0">
+                <a:solidFill>
+                  <a:schemeClr val="tx1"/>
+                </a:solidFill>
+                <a:latin typeface="+mn-lt"/>
+                <a:ea typeface="+mn-ea"/>
+                <a:cs typeface="+mn-cs"/>
+              </a:rPr>
+              <a:t>Maven</a:t>
+            </a:r>
+            <a:r>
+              <a:rPr lang="fr-FR" sz="1200" kern="1200" dirty="0" smtClean="0">
+                <a:solidFill>
+                  <a:schemeClr val="tx1"/>
+                </a:solidFill>
+                <a:latin typeface="+mn-lt"/>
+                <a:ea typeface="+mn-ea"/>
+                <a:cs typeface="+mn-cs"/>
+              </a:rPr>
+              <a:t> est un outil pour la gestion et l’automatisation de production des projets logiciels Java en général et Java EE </a:t>
+            </a:r>
+          </a:p>
+          <a:p>
+            <a:r>
+              <a:rPr lang="fr-FR" sz="1200" kern="1200" dirty="0" err="1" smtClean="0">
+                <a:solidFill>
+                  <a:schemeClr val="tx1"/>
+                </a:solidFill>
+                <a:latin typeface="+mn-lt"/>
+                <a:ea typeface="+mn-ea"/>
+                <a:cs typeface="+mn-cs"/>
+              </a:rPr>
+              <a:t>JUnit</a:t>
+            </a:r>
+            <a:r>
+              <a:rPr lang="fr-FR" sz="1200" kern="1200" dirty="0" smtClean="0">
+                <a:solidFill>
+                  <a:schemeClr val="tx1"/>
+                </a:solidFill>
+                <a:latin typeface="+mn-lt"/>
+                <a:ea typeface="+mn-ea"/>
+                <a:cs typeface="+mn-cs"/>
+              </a:rPr>
+              <a:t> est un </a:t>
+            </a:r>
+            <a:r>
+              <a:rPr lang="fr-FR" sz="1200" u="none" strike="noStrike" kern="1200" dirty="0" err="1" smtClean="0">
+                <a:solidFill>
+                  <a:schemeClr val="tx1"/>
+                </a:solidFill>
+                <a:latin typeface="+mn-lt"/>
+                <a:ea typeface="+mn-ea"/>
+                <a:cs typeface="+mn-cs"/>
+                <a:hlinkClick r:id="rId6" tooltip="Framework"/>
+              </a:rPr>
+              <a:t>framework</a:t>
+            </a:r>
+            <a:r>
+              <a:rPr lang="fr-FR" sz="1200" kern="1200" dirty="0" smtClean="0">
+                <a:solidFill>
+                  <a:schemeClr val="tx1"/>
+                </a:solidFill>
+                <a:latin typeface="+mn-lt"/>
+                <a:ea typeface="+mn-ea"/>
+                <a:cs typeface="+mn-cs"/>
+              </a:rPr>
+              <a:t> de </a:t>
+            </a:r>
+            <a:r>
+              <a:rPr lang="fr-FR" sz="1200" u="none" strike="noStrike" kern="1200" dirty="0" smtClean="0">
+                <a:solidFill>
+                  <a:schemeClr val="tx1"/>
+                </a:solidFill>
+                <a:latin typeface="+mn-lt"/>
+                <a:ea typeface="+mn-ea"/>
+                <a:cs typeface="+mn-cs"/>
+                <a:hlinkClick r:id="rId7" tooltip="Test unitaire"/>
+              </a:rPr>
+              <a:t>test unitaire</a:t>
+            </a:r>
+            <a:r>
+              <a:rPr lang="fr-FR" sz="1200" kern="1200" dirty="0" smtClean="0">
+                <a:solidFill>
+                  <a:schemeClr val="tx1"/>
+                </a:solidFill>
+                <a:latin typeface="+mn-lt"/>
+                <a:ea typeface="+mn-ea"/>
+                <a:cs typeface="+mn-cs"/>
+              </a:rPr>
+              <a:t> pour le langage de programmation </a:t>
+            </a:r>
+            <a:r>
+              <a:rPr lang="fr-FR" sz="1200" u="none" strike="noStrike" kern="1200" dirty="0" smtClean="0">
+                <a:solidFill>
+                  <a:schemeClr val="tx1"/>
+                </a:solidFill>
+                <a:latin typeface="+mn-lt"/>
+                <a:ea typeface="+mn-ea"/>
+                <a:cs typeface="+mn-cs"/>
+                <a:hlinkClick r:id="rId8" tooltip="Java (langage)"/>
+              </a:rPr>
+              <a:t>Java</a:t>
+            </a:r>
+            <a:endParaRPr lang="fr-FR" sz="1200" u="none" strike="noStrike" kern="1200" dirty="0" smtClean="0">
+              <a:solidFill>
+                <a:schemeClr val="tx1"/>
+              </a:solidFill>
+              <a:latin typeface="+mn-lt"/>
+              <a:ea typeface="+mn-ea"/>
+              <a:cs typeface="+mn-cs"/>
+            </a:endParaRPr>
+          </a:p>
+          <a:p>
+            <a:r>
+              <a:rPr lang="fr-FR" sz="1200" kern="1200" dirty="0" smtClean="0">
+                <a:solidFill>
+                  <a:schemeClr val="tx1"/>
+                </a:solidFill>
+                <a:latin typeface="+mn-lt"/>
+                <a:ea typeface="+mn-ea"/>
+                <a:cs typeface="+mn-cs"/>
+              </a:rPr>
+              <a:t>Le </a:t>
+            </a:r>
+            <a:r>
+              <a:rPr lang="fr-FR" sz="1200" kern="1200" dirty="0" err="1" smtClean="0">
+                <a:solidFill>
+                  <a:schemeClr val="tx1"/>
+                </a:solidFill>
+                <a:latin typeface="+mn-lt"/>
+                <a:ea typeface="+mn-ea"/>
+                <a:cs typeface="+mn-cs"/>
+              </a:rPr>
+              <a:t>JavaServer</a:t>
+            </a:r>
+            <a:r>
+              <a:rPr lang="fr-FR" sz="1200" kern="1200" dirty="0" smtClean="0">
+                <a:solidFill>
+                  <a:schemeClr val="tx1"/>
+                </a:solidFill>
+                <a:latin typeface="+mn-lt"/>
+                <a:ea typeface="+mn-ea"/>
+                <a:cs typeface="+mn-cs"/>
+              </a:rPr>
+              <a:t> Pages ou JSP est une technique basée sur Java qui permet aux </a:t>
+            </a:r>
+            <a:r>
+              <a:rPr lang="fr-FR" sz="1200" u="none" strike="noStrike" kern="1200" dirty="0" smtClean="0">
+                <a:solidFill>
+                  <a:schemeClr val="tx1"/>
+                </a:solidFill>
+                <a:latin typeface="+mn-lt"/>
+                <a:ea typeface="+mn-ea"/>
+                <a:cs typeface="+mn-cs"/>
+                <a:hlinkClick r:id="rId9" tooltip="Développeurs"/>
+              </a:rPr>
+              <a:t>développeurs</a:t>
+            </a:r>
+            <a:r>
+              <a:rPr lang="fr-FR" sz="1200" kern="1200" dirty="0" smtClean="0">
+                <a:solidFill>
+                  <a:schemeClr val="tx1"/>
+                </a:solidFill>
+                <a:latin typeface="+mn-lt"/>
+                <a:ea typeface="+mn-ea"/>
+                <a:cs typeface="+mn-cs"/>
+              </a:rPr>
+              <a:t> de créer dynamiquement du code </a:t>
+            </a:r>
+            <a:r>
+              <a:rPr lang="fr-FR" sz="1200" u="none" strike="noStrike" kern="1200" dirty="0" smtClean="0">
+                <a:solidFill>
+                  <a:schemeClr val="tx1"/>
+                </a:solidFill>
+                <a:latin typeface="+mn-lt"/>
+                <a:ea typeface="+mn-ea"/>
+                <a:cs typeface="+mn-cs"/>
+                <a:hlinkClick r:id="rId10" tooltip="Hypertext markup language"/>
+              </a:rPr>
+              <a:t>HTML</a:t>
+            </a:r>
+            <a:r>
+              <a:rPr lang="fr-FR" sz="1200" kern="1200" dirty="0" smtClean="0">
+                <a:solidFill>
+                  <a:schemeClr val="tx1"/>
+                </a:solidFill>
+                <a:latin typeface="+mn-lt"/>
+                <a:ea typeface="+mn-ea"/>
+                <a:cs typeface="+mn-cs"/>
+              </a:rPr>
+              <a:t>, </a:t>
+            </a:r>
+            <a:r>
+              <a:rPr lang="fr-FR" sz="1200" u="none" strike="noStrike" kern="1200" dirty="0" smtClean="0">
+                <a:solidFill>
+                  <a:schemeClr val="tx1"/>
+                </a:solidFill>
+                <a:latin typeface="+mn-lt"/>
+                <a:ea typeface="+mn-ea"/>
+                <a:cs typeface="+mn-cs"/>
+                <a:hlinkClick r:id="rId11" tooltip="Extensible markup language"/>
+              </a:rPr>
+              <a:t>XML</a:t>
+            </a:r>
+            <a:r>
+              <a:rPr lang="fr-FR" sz="1200" kern="1200" dirty="0" smtClean="0">
+                <a:solidFill>
+                  <a:schemeClr val="tx1"/>
+                </a:solidFill>
+                <a:latin typeface="+mn-lt"/>
+                <a:ea typeface="+mn-ea"/>
+                <a:cs typeface="+mn-cs"/>
+              </a:rPr>
+              <a:t> ou tout autre type de </a:t>
+            </a:r>
+            <a:r>
+              <a:rPr lang="fr-FR" sz="1200" u="none" strike="noStrike" kern="1200" dirty="0" smtClean="0">
+                <a:solidFill>
+                  <a:schemeClr val="tx1"/>
+                </a:solidFill>
+                <a:latin typeface="+mn-lt"/>
+                <a:ea typeface="+mn-ea"/>
+                <a:cs typeface="+mn-cs"/>
+                <a:hlinkClick r:id="rId12" tooltip="Page web"/>
+              </a:rPr>
+              <a:t>page web</a:t>
+            </a:r>
+            <a:endParaRPr lang="fr-FR" sz="1200" u="none" strike="noStrike" kern="1200" dirty="0" smtClean="0">
+              <a:solidFill>
+                <a:schemeClr val="tx1"/>
+              </a:solidFill>
+              <a:latin typeface="+mn-lt"/>
+              <a:ea typeface="+mn-ea"/>
+              <a:cs typeface="+mn-cs"/>
+            </a:endParaRPr>
+          </a:p>
+          <a:p>
+            <a:pPr marL="0" marR="0" indent="0" algn="l" defTabSz="914400" rtl="0" eaLnBrk="1" fontAlgn="auto" latinLnBrk="0" hangingPunct="1">
+              <a:lnSpc>
+                <a:spcPct val="100000"/>
+              </a:lnSpc>
+              <a:spcBef>
+                <a:spcPts val="0"/>
+              </a:spcBef>
+              <a:spcAft>
+                <a:spcPts val="0"/>
+              </a:spcAft>
+              <a:buClrTx/>
+              <a:buSzTx/>
+              <a:buFontTx/>
+              <a:buNone/>
+              <a:tabLst/>
+              <a:defRPr/>
+            </a:pPr>
+            <a:r>
+              <a:rPr lang="fr-FR" sz="1200" kern="1200" dirty="0" smtClean="0">
+                <a:solidFill>
+                  <a:schemeClr val="tx1"/>
+                </a:solidFill>
+                <a:latin typeface="+mn-lt"/>
+                <a:ea typeface="+mn-ea"/>
+                <a:cs typeface="+mn-cs"/>
+              </a:rPr>
+              <a:t>L’outil JIRA est une application web permettant à tous les membres de l’équipe de suivre pas à pas, l’avancement, les réalisations, et les erreurs à corriger, tout au long du projet. Il a été développé par </a:t>
+            </a:r>
+            <a:r>
+              <a:rPr lang="fr-FR" sz="1200" kern="1200" dirty="0" err="1" smtClean="0">
+                <a:solidFill>
+                  <a:schemeClr val="tx1"/>
+                </a:solidFill>
+                <a:latin typeface="+mn-lt"/>
+                <a:ea typeface="+mn-ea"/>
+                <a:cs typeface="+mn-cs"/>
+              </a:rPr>
+              <a:t>Atlassian</a:t>
+            </a:r>
+            <a:r>
+              <a:rPr lang="fr-FR" sz="1200" kern="1200" dirty="0" smtClean="0">
+                <a:solidFill>
+                  <a:schemeClr val="tx1"/>
+                </a:solidFill>
+                <a:latin typeface="+mn-lt"/>
+                <a:ea typeface="+mn-ea"/>
+                <a:cs typeface="+mn-cs"/>
+              </a:rPr>
+              <a:t>.</a:t>
+            </a:r>
+            <a:endParaRPr lang="en-US" sz="1200" kern="1200" dirty="0" smtClean="0">
+              <a:solidFill>
+                <a:schemeClr val="tx1"/>
+              </a:solidFill>
+              <a:latin typeface="+mn-lt"/>
+              <a:ea typeface="+mn-ea"/>
+              <a:cs typeface="+mn-cs"/>
+            </a:endParaRPr>
+          </a:p>
+          <a:p>
+            <a:r>
+              <a:rPr lang="fr-FR" sz="1200" kern="1200" dirty="0" smtClean="0">
+                <a:solidFill>
+                  <a:schemeClr val="tx1"/>
+                </a:solidFill>
+                <a:latin typeface="+mn-lt"/>
+                <a:ea typeface="+mn-ea"/>
+                <a:cs typeface="+mn-cs"/>
+              </a:rPr>
+              <a:t>Deploy It est un outil qui permet d'automatiser les déploiements des packages</a:t>
+            </a:r>
+          </a:p>
+          <a:p>
+            <a:pPr marL="0" marR="0" indent="0" algn="l" defTabSz="914400" rtl="0" eaLnBrk="1" fontAlgn="auto" latinLnBrk="0" hangingPunct="1">
+              <a:lnSpc>
+                <a:spcPct val="100000"/>
+              </a:lnSpc>
+              <a:spcBef>
+                <a:spcPts val="0"/>
+              </a:spcBef>
+              <a:spcAft>
+                <a:spcPts val="0"/>
+              </a:spcAft>
+              <a:buClrTx/>
+              <a:buSzTx/>
+              <a:buFontTx/>
+              <a:buNone/>
+              <a:tabLst/>
+              <a:defRPr/>
+            </a:pPr>
+            <a:r>
+              <a:rPr lang="fr-FR" sz="1200" kern="1200" dirty="0" err="1" smtClean="0">
+                <a:solidFill>
+                  <a:schemeClr val="tx1"/>
+                </a:solidFill>
+                <a:latin typeface="+mn-lt"/>
+                <a:ea typeface="+mn-ea"/>
+                <a:cs typeface="+mn-cs"/>
+              </a:rPr>
+              <a:t>SonarQube</a:t>
+            </a:r>
+            <a:r>
+              <a:rPr lang="fr-FR" sz="1200" kern="1200" dirty="0" smtClean="0">
+                <a:solidFill>
+                  <a:schemeClr val="tx1"/>
+                </a:solidFill>
+                <a:latin typeface="+mn-lt"/>
+                <a:ea typeface="+mn-ea"/>
+                <a:cs typeface="+mn-cs"/>
+              </a:rPr>
+              <a:t> est un logiciel libre permettant de mesurer la qualité du code source.</a:t>
+            </a:r>
+          </a:p>
+          <a:p>
+            <a:pPr marL="0" marR="0" indent="0" algn="l" defTabSz="914400" rtl="0" eaLnBrk="1" fontAlgn="auto" latinLnBrk="0" hangingPunct="1">
+              <a:lnSpc>
+                <a:spcPct val="100000"/>
+              </a:lnSpc>
+              <a:spcBef>
+                <a:spcPts val="0"/>
+              </a:spcBef>
+              <a:spcAft>
+                <a:spcPts val="0"/>
+              </a:spcAft>
+              <a:buClrTx/>
+              <a:buSzTx/>
+              <a:buFontTx/>
+              <a:buNone/>
+              <a:tabLst/>
+              <a:defRPr/>
+            </a:pPr>
+            <a:r>
+              <a:rPr lang="fr-FR" sz="1200" kern="1200" dirty="0" smtClean="0">
+                <a:solidFill>
+                  <a:schemeClr val="tx1"/>
+                </a:solidFill>
+                <a:latin typeface="+mn-lt"/>
+                <a:ea typeface="+mn-ea"/>
+                <a:cs typeface="+mn-cs"/>
+              </a:rPr>
+              <a:t>Oracle SQL </a:t>
+            </a:r>
+            <a:r>
+              <a:rPr lang="fr-FR" sz="1200" kern="1200" dirty="0" err="1" smtClean="0">
+                <a:solidFill>
+                  <a:schemeClr val="tx1"/>
+                </a:solidFill>
+                <a:latin typeface="+mn-lt"/>
+                <a:ea typeface="+mn-ea"/>
+                <a:cs typeface="+mn-cs"/>
+              </a:rPr>
+              <a:t>Developer</a:t>
+            </a:r>
+            <a:r>
+              <a:rPr lang="fr-FR" sz="1200" kern="1200" dirty="0" smtClean="0">
+                <a:solidFill>
+                  <a:schemeClr val="tx1"/>
+                </a:solidFill>
+                <a:latin typeface="+mn-lt"/>
+                <a:ea typeface="+mn-ea"/>
+                <a:cs typeface="+mn-cs"/>
+              </a:rPr>
+              <a:t> un outil permettant d'interroger des bases de données Oracle à l'aide du langage SQL.</a:t>
+            </a:r>
+            <a:endParaRPr lang="en-US" sz="1200" kern="1200" dirty="0" smtClean="0">
+              <a:solidFill>
+                <a:schemeClr val="tx1"/>
+              </a:solidFill>
+              <a:latin typeface="+mn-lt"/>
+              <a:ea typeface="+mn-ea"/>
+              <a:cs typeface="+mn-cs"/>
+            </a:endParaRPr>
+          </a:p>
+          <a:p>
+            <a:pPr marL="0" marR="0" indent="0" algn="l" defTabSz="914400" rtl="0" eaLnBrk="1" fontAlgn="auto" latinLnBrk="0" hangingPunct="1">
+              <a:lnSpc>
+                <a:spcPct val="100000"/>
+              </a:lnSpc>
+              <a:spcBef>
+                <a:spcPts val="0"/>
+              </a:spcBef>
+              <a:spcAft>
+                <a:spcPts val="0"/>
+              </a:spcAft>
+              <a:buClrTx/>
+              <a:buSzTx/>
+              <a:buFontTx/>
+              <a:buNone/>
+              <a:tabLst/>
+              <a:defRPr/>
+            </a:pPr>
+            <a:endParaRPr lang="en-US" sz="1200" kern="1200" dirty="0" smtClean="0">
+              <a:solidFill>
+                <a:schemeClr val="tx1"/>
+              </a:solidFill>
+              <a:latin typeface="+mn-lt"/>
+              <a:ea typeface="+mn-ea"/>
+              <a:cs typeface="+mn-cs"/>
+            </a:endParaRPr>
+          </a:p>
+          <a:p>
+            <a:endParaRPr lang="fr-FR" sz="1200" kern="1200" dirty="0" smtClean="0">
+              <a:solidFill>
+                <a:schemeClr val="tx1"/>
+              </a:solidFill>
+              <a:latin typeface="+mn-lt"/>
+              <a:ea typeface="+mn-ea"/>
+              <a:cs typeface="+mn-cs"/>
+            </a:endParaRPr>
+          </a:p>
+          <a:p>
+            <a:endParaRPr lang="en-US" dirty="0"/>
+          </a:p>
+        </p:txBody>
+      </p:sp>
+      <p:sp>
+        <p:nvSpPr>
+          <p:cNvPr id="4" name="Slide Number Placeholder 3"/>
+          <p:cNvSpPr>
+            <a:spLocks noGrp="1"/>
+          </p:cNvSpPr>
+          <p:nvPr>
+            <p:ph type="sldNum" sz="quarter" idx="10"/>
+          </p:nvPr>
+        </p:nvSpPr>
+        <p:spPr/>
+        <p:txBody>
+          <a:bodyPr/>
+          <a:lstStyle/>
+          <a:p>
+            <a:fld id="{CF597FD4-EEB4-40D7-A349-F18C1F1FFB9D}" type="slidenum">
+              <a:rPr lang="fr-FR" smtClean="0"/>
+              <a:pPr/>
+              <a:t>17</a:t>
+            </a:fld>
+            <a:endParaRPr lang="fr-FR"/>
+          </a:p>
+        </p:txBody>
+      </p:sp>
+    </p:spTree>
+  </p:cSld>
+  <p:clrMapOvr>
+    <a:masterClrMapping/>
+  </p:clrMapOvr>
+</p:notes>
+</file>
+
+<file path=ppt/notesSlides/notesSlide15.xml><?xml version="1.0" encoding="utf-8"?>
+<p:notes xmlns:a="http://schemas.openxmlformats.org/drawingml/2006/main" xmlns:r="http://schemas.openxmlformats.org/officeDocument/2006/relationships" xmlns:p="http://schemas.openxmlformats.org/presentationml/2006/main">
+  <p:cSld>
+    <p:spTree>
+      <p:nvGrpSpPr>
+        <p:cNvPr id="1" name=""/>
+        <p:cNvGrpSpPr/>
+        <p:nvPr/>
+      </p:nvGrpSpPr>
+      <p:grpSpPr>
+        <a:xfrm>
+          <a:off x="0" y="0"/>
+          <a:ext cx="0" cy="0"/>
+          <a:chOff x="0" y="0"/>
+          <a:chExt cx="0" cy="0"/>
+        </a:xfrm>
+      </p:grpSpPr>
+      <p:sp>
+        <p:nvSpPr>
+          <p:cNvPr id="2" name="Slide Image Placeholder 1"/>
+          <p:cNvSpPr>
+            <a:spLocks noGrp="1" noRot="1" noChangeAspect="1"/>
+          </p:cNvSpPr>
+          <p:nvPr>
+            <p:ph type="sldImg"/>
+          </p:nvPr>
+        </p:nvSpPr>
+        <p:spPr/>
+      </p:sp>
+      <p:sp>
+        <p:nvSpPr>
+          <p:cNvPr id="3" name="Notes Placeholder 2"/>
+          <p:cNvSpPr>
+            <a:spLocks noGrp="1"/>
+          </p:cNvSpPr>
+          <p:nvPr>
+            <p:ph type="body" idx="1"/>
+          </p:nvPr>
+        </p:nvSpPr>
+        <p:spPr/>
+        <p:txBody>
+          <a:bodyPr>
+            <a:normAutofit/>
+          </a:bodyPr>
+          <a:lstStyle/>
+          <a:p>
+            <a:pPr marL="0" marR="0" indent="0" algn="l" defTabSz="914400" rtl="0" eaLnBrk="1" fontAlgn="auto" latinLnBrk="0" hangingPunct="1">
+              <a:lnSpc>
+                <a:spcPct val="100000"/>
+              </a:lnSpc>
+              <a:spcBef>
+                <a:spcPts val="0"/>
+              </a:spcBef>
+              <a:spcAft>
+                <a:spcPts val="0"/>
+              </a:spcAft>
+              <a:buClrTx/>
+              <a:buSzTx/>
+              <a:buFontTx/>
+              <a:buNone/>
+              <a:tabLst/>
+              <a:defRPr/>
+            </a:pPr>
+            <a:r>
+              <a:rPr lang="fr-FR" sz="1200" kern="1200" dirty="0" smtClean="0">
+                <a:solidFill>
+                  <a:schemeClr val="tx1"/>
+                </a:solidFill>
+                <a:latin typeface="+mn-lt"/>
+                <a:ea typeface="+mn-ea"/>
+                <a:cs typeface="+mn-cs"/>
+              </a:rPr>
+              <a:t>Au sein d’ITEC, l’entité FCC/OSD/SCM gère les projets d’évolution ainsi que la maintenance de toutes les applications (TDA, CBS, B3S, SLA Web, ANTALIS) couvrant ces secteurs.</a:t>
+            </a:r>
+            <a:endParaRPr lang="en-US" sz="1200" kern="1200" dirty="0" smtClean="0">
+              <a:solidFill>
+                <a:schemeClr val="tx1"/>
+              </a:solidFill>
+              <a:latin typeface="+mn-lt"/>
+              <a:ea typeface="+mn-ea"/>
+              <a:cs typeface="+mn-cs"/>
+            </a:endParaRPr>
+          </a:p>
+          <a:p>
+            <a:r>
+              <a:rPr lang="fr-FR" sz="1200" kern="1200" dirty="0" smtClean="0">
+                <a:solidFill>
+                  <a:schemeClr val="tx1"/>
+                </a:solidFill>
+                <a:latin typeface="+mn-lt"/>
+                <a:ea typeface="+mn-ea"/>
+                <a:cs typeface="+mn-cs"/>
+              </a:rPr>
+              <a:t>L’intégration continue est un ensemble de bonnes pratiques utilisé dans l’entité FCC/OSD/SCM afin d’améliorer la qualité du code et le produit final. En effet, à chaque modification du code source, on vérifie que le résultat des modifications ne produit pas de régression dans les applications. Le but principal est de détecter les problèmes d’intégration lors du développement</a:t>
+            </a:r>
+          </a:p>
+          <a:p>
+            <a:r>
+              <a:rPr lang="fr-FR" sz="1200" kern="1200" dirty="0" smtClean="0">
+                <a:solidFill>
+                  <a:schemeClr val="tx1"/>
+                </a:solidFill>
+                <a:latin typeface="+mn-lt"/>
+                <a:ea typeface="+mn-ea"/>
+                <a:cs typeface="+mn-cs"/>
+              </a:rPr>
+              <a:t>Cette intégration repose sur la mise en place d’une brique logicielle, qui permet par exemple , le lancement des tests unitaires et fonctionnels, qualité du code et rafraichissement des bases de donné</a:t>
+            </a:r>
+          </a:p>
+          <a:p>
+            <a:r>
+              <a:rPr lang="fr-FR" sz="1200" kern="1200" dirty="0" smtClean="0">
+                <a:solidFill>
+                  <a:schemeClr val="tx1"/>
+                </a:solidFill>
+                <a:latin typeface="+mn-lt"/>
+                <a:ea typeface="+mn-ea"/>
+                <a:cs typeface="+mn-cs"/>
+              </a:rPr>
+              <a:t>Trois serveurs linux ont été créés. Un serveur pour l’environnement de développement pour CBS, un serveur pour l’environnement UAT, ainsi que sur l’environnement HOM pour TDA. </a:t>
+            </a:r>
+            <a:endParaRPr lang="en-US" sz="1200" kern="1200" dirty="0" smtClean="0">
+              <a:solidFill>
+                <a:schemeClr val="tx1"/>
+              </a:solidFill>
+              <a:latin typeface="+mn-lt"/>
+              <a:ea typeface="+mn-ea"/>
+              <a:cs typeface="+mn-cs"/>
+            </a:endParaRPr>
+          </a:p>
+          <a:p>
+            <a:r>
+              <a:rPr lang="fr-FR" sz="1200" kern="1200" dirty="0" smtClean="0">
+                <a:solidFill>
+                  <a:schemeClr val="tx1"/>
+                </a:solidFill>
+                <a:latin typeface="+mn-lt"/>
+                <a:ea typeface="+mn-ea"/>
+                <a:cs typeface="+mn-cs"/>
+              </a:rPr>
+              <a:t>Moi je me suis occupée de la création des serveurs</a:t>
+            </a:r>
+            <a:r>
+              <a:rPr lang="en-US" sz="1200" kern="1200" dirty="0" smtClean="0">
+                <a:solidFill>
+                  <a:schemeClr val="tx1"/>
+                </a:solidFill>
+                <a:latin typeface="+mn-lt"/>
+                <a:ea typeface="+mn-ea"/>
+                <a:cs typeface="+mn-cs"/>
+              </a:rPr>
+              <a:t> p</a:t>
+            </a:r>
+            <a:r>
+              <a:rPr lang="fr-FR" sz="1200" kern="1200" dirty="0" err="1" smtClean="0">
+                <a:solidFill>
+                  <a:schemeClr val="tx1"/>
+                </a:solidFill>
+                <a:latin typeface="+mn-lt"/>
+                <a:ea typeface="+mn-ea"/>
+                <a:cs typeface="+mn-cs"/>
+              </a:rPr>
+              <a:t>our</a:t>
+            </a:r>
+            <a:r>
+              <a:rPr lang="fr-FR" sz="1200" kern="1200" dirty="0" smtClean="0">
+                <a:solidFill>
+                  <a:schemeClr val="tx1"/>
+                </a:solidFill>
+                <a:latin typeface="+mn-lt"/>
+                <a:ea typeface="+mn-ea"/>
+                <a:cs typeface="+mn-cs"/>
+              </a:rPr>
+              <a:t> l’application TDA, ainsi que la  configuration des jobs Jenkins pour CBS.</a:t>
+            </a:r>
+            <a:endParaRPr lang="en-US" sz="1200" kern="1200" dirty="0" smtClean="0">
+              <a:solidFill>
+                <a:schemeClr val="tx1"/>
+              </a:solidFill>
+              <a:latin typeface="+mn-lt"/>
+              <a:ea typeface="+mn-ea"/>
+              <a:cs typeface="+mn-cs"/>
+            </a:endParaRPr>
+          </a:p>
+          <a:p>
+            <a:r>
+              <a:rPr lang="fr-FR" sz="1200" kern="1200" dirty="0" smtClean="0">
+                <a:solidFill>
+                  <a:schemeClr val="tx1"/>
+                </a:solidFill>
+                <a:latin typeface="+mn-lt"/>
+                <a:ea typeface="+mn-ea"/>
+                <a:cs typeface="+mn-cs"/>
+              </a:rPr>
+              <a:t>es (DB </a:t>
+            </a:r>
+            <a:r>
+              <a:rPr lang="fr-FR" sz="1200" kern="1200" dirty="0" err="1" smtClean="0">
+                <a:solidFill>
+                  <a:schemeClr val="tx1"/>
+                </a:solidFill>
+                <a:latin typeface="+mn-lt"/>
+                <a:ea typeface="+mn-ea"/>
+                <a:cs typeface="+mn-cs"/>
+              </a:rPr>
+              <a:t>refresh</a:t>
+            </a:r>
+            <a:r>
+              <a:rPr lang="fr-FR" sz="1200" kern="1200" dirty="0" smtClean="0">
+                <a:solidFill>
+                  <a:schemeClr val="tx1"/>
+                </a:solidFill>
+                <a:latin typeface="+mn-lt"/>
+                <a:ea typeface="+mn-ea"/>
+                <a:cs typeface="+mn-cs"/>
+              </a:rPr>
+              <a:t>). </a:t>
+            </a:r>
+            <a:endParaRPr lang="en-US" dirty="0"/>
+          </a:p>
+        </p:txBody>
+      </p:sp>
+      <p:sp>
+        <p:nvSpPr>
+          <p:cNvPr id="4" name="Slide Number Placeholder 3"/>
+          <p:cNvSpPr>
+            <a:spLocks noGrp="1"/>
+          </p:cNvSpPr>
+          <p:nvPr>
+            <p:ph type="sldNum" sz="quarter" idx="10"/>
+          </p:nvPr>
+        </p:nvSpPr>
+        <p:spPr/>
+        <p:txBody>
+          <a:bodyPr/>
+          <a:lstStyle/>
+          <a:p>
+            <a:fld id="{CF597FD4-EEB4-40D7-A349-F18C1F1FFB9D}" type="slidenum">
+              <a:rPr lang="fr-FR" smtClean="0"/>
+              <a:pPr/>
+              <a:t>19</a:t>
+            </a:fld>
+            <a:endParaRPr lang="fr-FR"/>
+          </a:p>
+        </p:txBody>
+      </p:sp>
+    </p:spTree>
+  </p:cSld>
+  <p:clrMapOvr>
+    <a:masterClrMapping/>
+  </p:clrMapOvr>
+</p:notes>
+</file>
+
+<file path=ppt/notesSlides/notesSlide16.xml><?xml version="1.0" encoding="utf-8"?>
+<p:notes xmlns:a="http://schemas.openxmlformats.org/drawingml/2006/main" xmlns:r="http://schemas.openxmlformats.org/officeDocument/2006/relationships" xmlns:p="http://schemas.openxmlformats.org/presentationml/2006/main">
+  <p:cSld>
+    <p:spTree>
+      <p:nvGrpSpPr>
+        <p:cNvPr id="1" name=""/>
+        <p:cNvGrpSpPr/>
+        <p:nvPr/>
+      </p:nvGrpSpPr>
+      <p:grpSpPr>
+        <a:xfrm>
+          <a:off x="0" y="0"/>
+          <a:ext cx="0" cy="0"/>
+          <a:chOff x="0" y="0"/>
+          <a:chExt cx="0" cy="0"/>
+        </a:xfrm>
+      </p:grpSpPr>
+      <p:sp>
+        <p:nvSpPr>
+          <p:cNvPr id="2" name="Slide Image Placeholder 1"/>
+          <p:cNvSpPr>
+            <a:spLocks noGrp="1" noRot="1" noChangeAspect="1"/>
+          </p:cNvSpPr>
+          <p:nvPr>
+            <p:ph type="sldImg"/>
+          </p:nvPr>
+        </p:nvSpPr>
+        <p:spPr/>
+      </p:sp>
+      <p:sp>
+        <p:nvSpPr>
+          <p:cNvPr id="3" name="Notes Placeholder 2"/>
+          <p:cNvSpPr>
+            <a:spLocks noGrp="1"/>
+          </p:cNvSpPr>
+          <p:nvPr>
+            <p:ph type="body" idx="1"/>
+          </p:nvPr>
+        </p:nvSpPr>
+        <p:spPr/>
+        <p:txBody>
+          <a:bodyPr>
+            <a:normAutofit/>
+          </a:bodyPr>
+          <a:lstStyle/>
+          <a:p>
+            <a:endParaRPr lang="en-US"/>
+          </a:p>
+        </p:txBody>
+      </p:sp>
+      <p:sp>
+        <p:nvSpPr>
+          <p:cNvPr id="4" name="Slide Number Placeholder 3"/>
+          <p:cNvSpPr>
+            <a:spLocks noGrp="1"/>
+          </p:cNvSpPr>
+          <p:nvPr>
+            <p:ph type="sldNum" sz="quarter" idx="10"/>
+          </p:nvPr>
+        </p:nvSpPr>
+        <p:spPr/>
+        <p:txBody>
+          <a:bodyPr/>
+          <a:lstStyle/>
+          <a:p>
+            <a:fld id="{CF597FD4-EEB4-40D7-A349-F18C1F1FFB9D}" type="slidenum">
+              <a:rPr lang="fr-FR" smtClean="0"/>
+              <a:pPr/>
+              <a:t>21</a:t>
+            </a:fld>
+            <a:endParaRPr lang="fr-FR"/>
+          </a:p>
+        </p:txBody>
+      </p:sp>
+    </p:spTree>
   </p:cSld>
   <p:clrMapOvr>
     <a:masterClrMapping/>
@@ -3447,145 +5918,6 @@
           </a:bodyPr>
           <a:lstStyle/>
           <a:p>
-            <a:r>
-              <a:rPr lang="fr-FR" sz="1200" kern="1200" dirty="0" smtClean="0">
-                <a:solidFill>
-                  <a:schemeClr val="tx1"/>
-                </a:solidFill>
-                <a:latin typeface="+mn-lt"/>
-                <a:ea typeface="+mn-ea"/>
-                <a:cs typeface="+mn-cs"/>
-              </a:rPr>
-              <a:t>L’équipe OSD (</a:t>
-            </a:r>
-            <a:r>
-              <a:rPr lang="fr-FR" sz="1200" kern="1200" dirty="0" err="1" smtClean="0">
-                <a:solidFill>
-                  <a:schemeClr val="tx1"/>
-                </a:solidFill>
-                <a:latin typeface="+mn-lt"/>
-                <a:ea typeface="+mn-ea"/>
-                <a:cs typeface="+mn-cs"/>
-              </a:rPr>
-              <a:t>Origination</a:t>
-            </a:r>
-            <a:r>
-              <a:rPr lang="fr-FR" sz="1200" kern="1200" dirty="0" smtClean="0">
-                <a:solidFill>
-                  <a:schemeClr val="tx1"/>
-                </a:solidFill>
-                <a:latin typeface="+mn-lt"/>
-                <a:ea typeface="+mn-ea"/>
-                <a:cs typeface="+mn-cs"/>
-              </a:rPr>
-              <a:t>, </a:t>
-            </a:r>
-            <a:r>
-              <a:rPr lang="fr-FR" sz="1200" kern="1200" dirty="0" err="1" smtClean="0">
-                <a:solidFill>
-                  <a:schemeClr val="tx1"/>
-                </a:solidFill>
-                <a:latin typeface="+mn-lt"/>
-                <a:ea typeface="+mn-ea"/>
-                <a:cs typeface="+mn-cs"/>
-              </a:rPr>
-              <a:t>Structuring</a:t>
-            </a:r>
-            <a:r>
-              <a:rPr lang="fr-FR" sz="1200" kern="1200" dirty="0" smtClean="0">
-                <a:solidFill>
-                  <a:schemeClr val="tx1"/>
-                </a:solidFill>
-                <a:latin typeface="+mn-lt"/>
-                <a:ea typeface="+mn-ea"/>
-                <a:cs typeface="+mn-cs"/>
-              </a:rPr>
-              <a:t> and Distribution) gère donc le support fonctionnel pour les applications de FCC/OSD</a:t>
-            </a:r>
-          </a:p>
-          <a:p>
-            <a:pPr marL="0" marR="0" lvl="0" indent="0" algn="l" defTabSz="914400" rtl="0" eaLnBrk="1" fontAlgn="auto" latinLnBrk="0" hangingPunct="1">
-              <a:lnSpc>
-                <a:spcPct val="100000"/>
-              </a:lnSpc>
-              <a:spcBef>
-                <a:spcPts val="0"/>
-              </a:spcBef>
-              <a:spcAft>
-                <a:spcPts val="0"/>
-              </a:spcAft>
-              <a:buClrTx/>
-              <a:buSzTx/>
-              <a:buFontTx/>
-              <a:buNone/>
-              <a:tabLst/>
-              <a:defRPr/>
-            </a:pPr>
-            <a:r>
-              <a:rPr lang="fr-FR" sz="1200" kern="1200" dirty="0" smtClean="0">
-                <a:solidFill>
-                  <a:schemeClr val="tx1"/>
-                </a:solidFill>
-                <a:latin typeface="+mn-lt"/>
-                <a:ea typeface="+mn-ea"/>
-                <a:cs typeface="+mn-cs"/>
-              </a:rPr>
-              <a:t>SCM (</a:t>
-            </a:r>
-            <a:r>
-              <a:rPr lang="fr-FR" sz="1200" kern="1200" dirty="0" err="1" smtClean="0">
-                <a:solidFill>
-                  <a:schemeClr val="tx1"/>
-                </a:solidFill>
-                <a:latin typeface="+mn-lt"/>
-                <a:ea typeface="+mn-ea"/>
-                <a:cs typeface="+mn-cs"/>
-              </a:rPr>
-              <a:t>Syndicated</a:t>
-            </a:r>
-            <a:r>
-              <a:rPr lang="fr-FR" sz="1200" kern="1200" dirty="0" smtClean="0">
-                <a:solidFill>
-                  <a:schemeClr val="tx1"/>
-                </a:solidFill>
-                <a:latin typeface="+mn-lt"/>
-                <a:ea typeface="+mn-ea"/>
-                <a:cs typeface="+mn-cs"/>
-              </a:rPr>
-              <a:t> Capital </a:t>
-            </a:r>
-            <a:r>
-              <a:rPr lang="fr-FR" sz="1200" kern="1200" dirty="0" err="1" smtClean="0">
-                <a:solidFill>
-                  <a:schemeClr val="tx1"/>
-                </a:solidFill>
-                <a:latin typeface="+mn-lt"/>
-                <a:ea typeface="+mn-ea"/>
-                <a:cs typeface="+mn-cs"/>
-              </a:rPr>
-              <a:t>Market</a:t>
-            </a:r>
-            <a:r>
-              <a:rPr lang="fr-FR" sz="1200" kern="1200" dirty="0" smtClean="0">
-                <a:solidFill>
-                  <a:schemeClr val="tx1"/>
-                </a:solidFill>
-                <a:latin typeface="+mn-lt"/>
-                <a:ea typeface="+mn-ea"/>
-                <a:cs typeface="+mn-cs"/>
-              </a:rPr>
-              <a:t>) tout ce qui concerne la titrisation et la syndication</a:t>
-            </a:r>
-            <a:endParaRPr lang="en-US" sz="1200" kern="1200" dirty="0" smtClean="0">
-              <a:solidFill>
-                <a:schemeClr val="tx1"/>
-              </a:solidFill>
-              <a:latin typeface="+mn-lt"/>
-              <a:ea typeface="+mn-ea"/>
-              <a:cs typeface="+mn-cs"/>
-            </a:endParaRPr>
-          </a:p>
-          <a:p>
             <a:endParaRPr lang="en-US" dirty="0"/>
           </a:p>
         </p:txBody>
@@ -3608,7 +5940,7 @@
             <a:fld id="{CF597FD4-EEB4-40D7-A349-F18C1F1FFB9D}" type="slidenum">
               <a:rPr lang="fr-FR" smtClean="0"/>
               <a:pPr/>
-              <a:t>6</a:t>
+              <a:t>2</a:t>
             </a:fld>
             <a:endParaRPr lang="fr-FR"/>
           </a:p>
@@ -3668,9 +6000,8 @@
           </a:bodyPr>
           <a:lstStyle/>
           <a:p>
-            <a:pPr lvl="2"/>
-            <a:r>
-              <a:rPr lang="fr-FR" sz="1200" u="sng" kern="1200" dirty="0" smtClean="0">
+            <a:r>
+              <a:rPr lang="fr-FR" sz="1100" kern="1200" dirty="0" smtClean="0">
                 <a:solidFill>
                   <a:schemeClr val="tx1"/>
                 </a:solidFill>
@@ -3678,16 +6009,8 @@
                 <a:ea typeface="+mn-ea"/>
                 <a:cs typeface="+mn-cs"/>
               </a:rPr>
-              <a:t>Besoins non-fonctionnels :</a:t>
-            </a:r>
-            <a:endParaRPr lang="en-US" sz="1100" kern="1200" dirty="0" smtClean="0">
-              <a:solidFill>
-                <a:schemeClr val="tx1"/>
-              </a:solidFill>
-              <a:latin typeface="+mn-lt"/>
-              <a:ea typeface="+mn-ea"/>
-              <a:cs typeface="+mn-cs"/>
-            </a:endParaRPr>
+              <a:t>2/ La Société Générale est l’une des principales banques françaises et l’une des plus anciennes.</a:t>
+            </a:r>
           </a:p>
           <a:p>
             <a:r>
@@ -3699,7 +6022,119 @@
                 <a:ea typeface="+mn-ea"/>
                 <a:cs typeface="+mn-cs"/>
               </a:rPr>
-              <a:t>Ces besoins permettent un bon fonctionnement de l’application. Nous avons :</a:t>
+              <a:t>4/La banque est organisée en trois piliers </a:t>
+            </a:r>
+          </a:p>
+          <a:p>
+            <a:r>
+              <a:rPr lang="en-US" sz="1200" kern="1200" dirty="0" smtClean="0">
+                <a:solidFill>
+                  <a:schemeClr val="tx1"/>
+                </a:solidFill>
+                <a:latin typeface="+mn-lt"/>
+                <a:ea typeface="+mn-ea"/>
+                <a:cs typeface="+mn-cs"/>
+              </a:rPr>
+              <a:t>5/Les </a:t>
+            </a:r>
+            <a:r>
+              <a:rPr lang="en-US" sz="1200" kern="1200" dirty="0" err="1" smtClean="0">
+                <a:solidFill>
+                  <a:schemeClr val="tx1"/>
+                </a:solidFill>
+                <a:latin typeface="+mn-lt"/>
+                <a:ea typeface="+mn-ea"/>
+                <a:cs typeface="+mn-cs"/>
+              </a:rPr>
+              <a:t>valeurs</a:t>
+            </a:r>
+            <a:r>
+              <a:rPr lang="en-US" sz="1200" kern="1200" dirty="0" smtClean="0">
+                <a:solidFill>
+                  <a:schemeClr val="tx1"/>
+                </a:solidFill>
+                <a:latin typeface="+mn-lt"/>
+                <a:ea typeface="+mn-ea"/>
+                <a:cs typeface="+mn-cs"/>
+              </a:rPr>
+              <a:t> qui </a:t>
+            </a:r>
+            <a:r>
+              <a:rPr lang="en-US" sz="1200" kern="1200" dirty="0" err="1" smtClean="0">
+                <a:solidFill>
+                  <a:schemeClr val="tx1"/>
+                </a:solidFill>
+                <a:latin typeface="+mn-lt"/>
+                <a:ea typeface="+mn-ea"/>
+                <a:cs typeface="+mn-cs"/>
+              </a:rPr>
+              <a:t>sont</a:t>
+            </a:r>
+            <a:r>
+              <a:rPr lang="en-US" sz="1200" kern="1200" dirty="0" smtClean="0">
+                <a:solidFill>
+                  <a:schemeClr val="tx1"/>
+                </a:solidFill>
+                <a:latin typeface="+mn-lt"/>
+                <a:ea typeface="+mn-ea"/>
+                <a:cs typeface="+mn-cs"/>
+              </a:rPr>
+              <a:t> </a:t>
+            </a:r>
+            <a:r>
+              <a:rPr lang="en-US" sz="1200" kern="1200" dirty="0" err="1" smtClean="0">
+                <a:solidFill>
+                  <a:schemeClr val="tx1"/>
+                </a:solidFill>
+                <a:latin typeface="+mn-lt"/>
+                <a:ea typeface="+mn-ea"/>
+                <a:cs typeface="+mn-cs"/>
+              </a:rPr>
+              <a:t>défendues</a:t>
+            </a:r>
+            <a:r>
+              <a:rPr lang="en-US" sz="1200" kern="1200" dirty="0" smtClean="0">
+                <a:solidFill>
+                  <a:schemeClr val="tx1"/>
+                </a:solidFill>
+                <a:latin typeface="+mn-lt"/>
+                <a:ea typeface="+mn-ea"/>
+                <a:cs typeface="+mn-cs"/>
+              </a:rPr>
+              <a:t> par la </a:t>
+            </a:r>
+            <a:r>
+              <a:rPr lang="en-US" sz="1200" kern="1200" dirty="0" err="1" smtClean="0">
+                <a:solidFill>
+                  <a:schemeClr val="tx1"/>
+                </a:solidFill>
+                <a:latin typeface="+mn-lt"/>
+                <a:ea typeface="+mn-ea"/>
+                <a:cs typeface="+mn-cs"/>
+              </a:rPr>
+              <a:t>Société</a:t>
+            </a:r>
+            <a:r>
+              <a:rPr lang="en-US" sz="1200" kern="1200" dirty="0" smtClean="0">
+                <a:solidFill>
+                  <a:schemeClr val="tx1"/>
+                </a:solidFill>
+                <a:latin typeface="+mn-lt"/>
+                <a:ea typeface="+mn-ea"/>
+                <a:cs typeface="+mn-cs"/>
+              </a:rPr>
+              <a:t> </a:t>
+            </a:r>
+            <a:r>
+              <a:rPr lang="en-US" sz="1200" kern="1200" dirty="0" err="1" smtClean="0">
+                <a:solidFill>
+                  <a:schemeClr val="tx1"/>
+                </a:solidFill>
+                <a:latin typeface="+mn-lt"/>
+                <a:ea typeface="+mn-ea"/>
+                <a:cs typeface="+mn-cs"/>
+              </a:rPr>
+              <a:t>Générale</a:t>
             </a:r>
             <a:endParaRPr lang="en-US" sz="1200" kern="1200" dirty="0" smtClean="0">
               <a:solidFill>
@@ -3711,9 +6146,8 @@
             </a:endParaRPr>
           </a:p>
           <a:p>
-            <a:pPr lvl="0"/>
-            <a:r>
-              <a:rPr lang="fr-FR" sz="1200" kern="1200" dirty="0" smtClean="0">
+            <a:r>
+              <a:rPr lang="en-US" sz="1200" kern="1200" dirty="0" smtClean="0">
                 <a:solidFill>
                   <a:schemeClr val="tx1"/>
                 </a:solidFill>
@@ -3721,21 +6155,10 @@
                 <a:ea typeface="+mn-ea"/>
                 <a:cs typeface="+mn-cs"/>
               </a:rPr>
-              <a:t>La sécurité </a:t>
-            </a:r>
-            <a:endParaRPr lang="en-US" sz="1200" kern="1200" dirty="0" smtClean="0">
-              <a:solidFill>
-                <a:schemeClr val="tx1"/>
-              </a:solidFill>
-              <a:latin typeface="+mn-lt"/>
-              <a:ea typeface="+mn-ea"/>
-              <a:cs typeface="+mn-cs"/>
-            </a:endParaRPr>
-          </a:p>
-          <a:p>
-            <a:pPr lvl="0"/>
-            <a:r>
-              <a:rPr lang="fr-FR" sz="1200" kern="1200" dirty="0" smtClean="0">
+              <a:t>Au </a:t>
+            </a:r>
+            <a:r>
+              <a:rPr lang="en-US" sz="1200" kern="1200" dirty="0" err="1" smtClean="0">
                 <a:solidFill>
                   <a:schemeClr val="tx1"/>
                 </a:solidFill>
@@ -3743,21 +6166,10 @@
                 <a:ea typeface="+mn-ea"/>
                 <a:cs typeface="+mn-cs"/>
               </a:rPr>
-              <a:t>Etablissement de la connexion selon les règles d’autorisation</a:t>
-            </a:r>
-            <a:endParaRPr lang="en-US" sz="1200" kern="1200" dirty="0" smtClean="0">
-              <a:solidFill>
-                <a:schemeClr val="tx1"/>
-              </a:solidFill>
-              <a:latin typeface="+mn-lt"/>
-              <a:ea typeface="+mn-ea"/>
-              <a:cs typeface="+mn-cs"/>
-            </a:endParaRPr>
-          </a:p>
-          <a:p>
-            <a:pPr lvl="0"/>
-            <a:r>
-              <a:rPr lang="fr-FR" sz="1200" kern="1200" dirty="0" smtClean="0">
+              <a:t>cours</a:t>
+            </a:r>
+            <a:r>
+              <a:rPr lang="en-US" sz="1200" kern="1200" dirty="0" smtClean="0">
                 <a:solidFill>
                   <a:schemeClr val="tx1"/>
                 </a:solidFill>
@@ -3765,21 +6177,10 @@
                 <a:ea typeface="+mn-ea"/>
                 <a:cs typeface="+mn-cs"/>
               </a:rPr>
-              <a:t>Demande de mot de passe et d’identifiant avant chaque connexion</a:t>
-            </a:r>
-            <a:endParaRPr lang="en-US" sz="1200" kern="1200" dirty="0" smtClean="0">
-              <a:solidFill>
-                <a:schemeClr val="tx1"/>
-              </a:solidFill>
-              <a:latin typeface="+mn-lt"/>
-              <a:ea typeface="+mn-ea"/>
-              <a:cs typeface="+mn-cs"/>
-            </a:endParaRPr>
-          </a:p>
-          <a:p>
-            <a:pPr lvl="0"/>
-            <a:r>
-              <a:rPr lang="fr-FR" sz="1200" kern="1200" dirty="0" smtClean="0">
+              <a:t> de </a:t>
+            </a:r>
+            <a:r>
+              <a:rPr lang="en-US" sz="1200" kern="1200" dirty="0" err="1" smtClean="0">
                 <a:solidFill>
                   <a:schemeClr val="tx1"/>
                 </a:solidFill>
@@ -3787,21 +6188,10 @@
                 <a:ea typeface="+mn-ea"/>
                 <a:cs typeface="+mn-cs"/>
               </a:rPr>
-              <a:t>Performance </a:t>
-            </a:r>
-            <a:endParaRPr lang="en-US" sz="1200" kern="1200" dirty="0" smtClean="0">
-              <a:solidFill>
-                <a:schemeClr val="tx1"/>
-              </a:solidFill>
-              <a:latin typeface="+mn-lt"/>
-              <a:ea typeface="+mn-ea"/>
-              <a:cs typeface="+mn-cs"/>
-            </a:endParaRPr>
-          </a:p>
-          <a:p>
-            <a:pPr lvl="0"/>
-            <a:r>
-              <a:rPr lang="fr-FR" sz="1200" kern="1200" dirty="0" smtClean="0">
+              <a:t>mon</a:t>
+            </a:r>
+            <a:r>
+              <a:rPr lang="en-US" sz="1200" kern="1200" dirty="0" smtClean="0">
                 <a:solidFill>
                   <a:schemeClr val="tx1"/>
                 </a:solidFill>
@@ -3809,10 +6199,10 @@
                 <a:ea typeface="+mn-ea"/>
                 <a:cs typeface="+mn-cs"/>
               </a:rPr>
-              <a:t>Respect du temps de réponse </a:t>
-            </a:r>
-            <a:r>
-              <a:rPr lang="en-US" sz="1200" kern="1200" dirty="0" smtClean="0">
+              <a:t> stage </a:t>
+            </a:r>
+            <a:r>
+              <a:rPr lang="en-US" sz="1200" kern="1200" dirty="0" err="1" smtClean="0">
                 <a:solidFill>
                   <a:schemeClr val="tx1"/>
                 </a:solidFill>
@@ -3820,10 +6210,10 @@
                 <a:ea typeface="+mn-ea"/>
                 <a:cs typeface="+mn-cs"/>
               </a:rPr>
-              <a:t>: </a:t>
-            </a:r>
-            <a:r>
-              <a:rPr lang="fr-FR" sz="1200" kern="1200" dirty="0" smtClean="0">
+              <a:t>j’ai</a:t>
+            </a:r>
+            <a:r>
+              <a:rPr lang="en-US" sz="1200" kern="1200" dirty="0" smtClean="0">
                 <a:solidFill>
                   <a:schemeClr val="tx1"/>
                 </a:solidFill>
@@ -3831,21 +6221,10 @@
                 <a:ea typeface="+mn-ea"/>
                 <a:cs typeface="+mn-cs"/>
               </a:rPr>
-              <a:t>ouverture d’écrans et de délais de rafraîchissement</a:t>
-            </a:r>
-            <a:endParaRPr lang="en-US" sz="1200" kern="1200" dirty="0" smtClean="0">
-              <a:solidFill>
-                <a:schemeClr val="tx1"/>
-              </a:solidFill>
-              <a:latin typeface="+mn-lt"/>
-              <a:ea typeface="+mn-ea"/>
-              <a:cs typeface="+mn-cs"/>
-            </a:endParaRPr>
-          </a:p>
-          <a:p>
-            <a:pPr lvl="0"/>
-            <a:r>
-              <a:rPr lang="fr-FR" sz="1200" kern="1200" dirty="0" smtClean="0">
+              <a:t> </a:t>
+            </a:r>
+            <a:r>
+              <a:rPr lang="en-US" sz="1200" kern="1200" dirty="0" err="1" smtClean="0">
                 <a:solidFill>
                   <a:schemeClr val="tx1"/>
                 </a:solidFill>
@@ -3853,32 +6232,10 @@
                 <a:ea typeface="+mn-ea"/>
                 <a:cs typeface="+mn-cs"/>
               </a:rPr>
-              <a:t>Performance en temps de traitements (fonctions, calculs, importations/exportation de données…</a:t>
-            </a:r>
-            <a:endParaRPr lang="en-US" sz="1200" kern="1200" dirty="0" smtClean="0">
-              <a:solidFill>
-                <a:schemeClr val="tx1"/>
-              </a:solidFill>
-              <a:latin typeface="+mn-lt"/>
-              <a:ea typeface="+mn-ea"/>
-              <a:cs typeface="+mn-cs"/>
-            </a:endParaRPr>
-          </a:p>
-          <a:p>
-            <a:pPr lvl="0"/>
-            <a:endParaRPr lang="fr-FR" sz="1200" kern="1200" dirty="0" smtClean="0">
-              <a:solidFill>
-                <a:schemeClr val="tx1"/>
-              </a:solidFill>
-              <a:latin typeface="+mn-lt"/>
-              <a:ea typeface="+mn-ea"/>
-              <a:cs typeface="+mn-cs"/>
-            </a:endParaRPr>
-          </a:p>
-          <a:p>
-            <a:pPr lvl="0"/>
-            <a:r>
-              <a:rPr lang="fr-FR" sz="1200" kern="1200" dirty="0" smtClean="0">
+              <a:t>pu</a:t>
+            </a:r>
+            <a:r>
+              <a:rPr lang="en-US" sz="1200" kern="1200" dirty="0" smtClean="0">
                 <a:solidFill>
                   <a:schemeClr val="tx1"/>
                 </a:solidFill>
@@ -3886,21 +6243,10 @@
                 <a:ea typeface="+mn-ea"/>
                 <a:cs typeface="+mn-cs"/>
               </a:rPr>
-              <a:t>Structure : permet la gestion/suivie de l’ensemble des instruments (prêts, obligation)</a:t>
-            </a:r>
-            <a:endParaRPr lang="en-US" sz="1200" kern="1200" dirty="0" smtClean="0">
-              <a:solidFill>
-                <a:schemeClr val="tx1"/>
-              </a:solidFill>
-              <a:latin typeface="+mn-lt"/>
-              <a:ea typeface="+mn-ea"/>
-              <a:cs typeface="+mn-cs"/>
-            </a:endParaRPr>
-          </a:p>
-          <a:p>
-            <a:pPr lvl="0"/>
-            <a:r>
-              <a:rPr lang="fr-FR" sz="1200" kern="1200" dirty="0" smtClean="0">
+              <a:t> observer </a:t>
+            </a:r>
+            <a:r>
+              <a:rPr lang="en-US" sz="1200" kern="1200" dirty="0" err="1" smtClean="0">
                 <a:solidFill>
                   <a:schemeClr val="tx1"/>
                 </a:solidFill>
@@ -3908,7 +6254,7 @@
                 <a:ea typeface="+mn-ea"/>
                 <a:cs typeface="+mn-cs"/>
               </a:rPr>
-              <a:t>Pilotage and </a:t>
+              <a:t>que</a:t>
             </a:r>
             <a:r>
               <a:rPr lang="en-US" sz="1200" kern="1200" dirty="0" smtClean="0">
@@ -3919,10 +6265,10 @@
                 <a:ea typeface="+mn-ea"/>
                 <a:cs typeface="+mn-cs"/>
               </a:rPr>
-              <a:t>Reporting</a:t>
-            </a:r>
-            <a:r>
-              <a:rPr lang="fr-FR" sz="1200" kern="1200" dirty="0" smtClean="0">
+              <a:t> </a:t>
+            </a:r>
+            <a:r>
+              <a:rPr lang="en-US" sz="1200" kern="1200" dirty="0" err="1" smtClean="0">
                 <a:solidFill>
                   <a:schemeClr val="tx1"/>
                 </a:solidFill>
@@ -3930,21 +6276,10 @@
                 <a:ea typeface="+mn-ea"/>
                 <a:cs typeface="+mn-cs"/>
               </a:rPr>
-              <a:t> : permet à l’utilisateur de générer tous les rapports réglementaires dans l’application </a:t>
-            </a:r>
-            <a:endParaRPr lang="en-US" sz="1200" kern="1200" dirty="0" smtClean="0">
-              <a:solidFill>
-                <a:schemeClr val="tx1"/>
-              </a:solidFill>
-              <a:latin typeface="+mn-lt"/>
-              <a:ea typeface="+mn-ea"/>
-              <a:cs typeface="+mn-cs"/>
-            </a:endParaRPr>
-          </a:p>
-          <a:p>
-            <a:pPr lvl="0"/>
-            <a:r>
-              <a:rPr lang="fr-FR" sz="1200" kern="1200" dirty="0" err="1" smtClean="0">
+              <a:t>ces</a:t>
+            </a:r>
+            <a:r>
+              <a:rPr lang="en-US" sz="1200" kern="1200" dirty="0" smtClean="0">
                 <a:solidFill>
                   <a:schemeClr val="tx1"/>
                 </a:solidFill>
@@ -3952,10 +6287,10 @@
                 <a:ea typeface="+mn-ea"/>
                 <a:cs typeface="+mn-cs"/>
               </a:rPr>
-              <a:t>Referentials</a:t>
-            </a:r>
-            <a:r>
-              <a:rPr lang="fr-FR" sz="1200" kern="1200" dirty="0" smtClean="0">
+              <a:t> </a:t>
+            </a:r>
+            <a:r>
+              <a:rPr lang="en-US" sz="1200" kern="1200" dirty="0" err="1" smtClean="0">
                 <a:solidFill>
                   <a:schemeClr val="tx1"/>
                 </a:solidFill>
@@ -3963,21 +6298,10 @@
                 <a:ea typeface="+mn-ea"/>
                 <a:cs typeface="+mn-cs"/>
               </a:rPr>
-              <a:t> : gère les référentiels tiers et privatifs</a:t>
-            </a:r>
-            <a:endParaRPr lang="en-US" sz="1200" kern="1200" dirty="0" smtClean="0">
-              <a:solidFill>
-                <a:schemeClr val="tx1"/>
-              </a:solidFill>
-              <a:latin typeface="+mn-lt"/>
-              <a:ea typeface="+mn-ea"/>
-              <a:cs typeface="+mn-cs"/>
-            </a:endParaRPr>
-          </a:p>
-          <a:p>
-            <a:pPr lvl="0"/>
-            <a:r>
-              <a:rPr lang="fr-FR" sz="1200" kern="1200" dirty="0" smtClean="0">
+              <a:t>trois</a:t>
+            </a:r>
+            <a:r>
+              <a:rPr lang="en-US" sz="1200" kern="1200" dirty="0" smtClean="0">
                 <a:solidFill>
                   <a:schemeClr val="tx1"/>
                 </a:solidFill>
@@ -3985,19 +6309,383 @@
                 <a:ea typeface="+mn-ea"/>
                 <a:cs typeface="+mn-cs"/>
               </a:rPr>
-              <a:t>Administration : gère les droits d’utilisateurs </a:t>
-            </a:r>
-            <a:endParaRPr lang="en-US" sz="1200" kern="1200" dirty="0" smtClean="0">
-              <a:solidFill>
-                <a:schemeClr val="tx1"/>
-              </a:solidFill>
-              <a:latin typeface="+mn-lt"/>
-              <a:ea typeface="+mn-ea"/>
-              <a:cs typeface="+mn-cs"/>
-            </a:endParaRPr>
-          </a:p>
-          <a:p>
-            <a:endParaRPr lang="en-US" dirty="0"/>
+              <a:t> </a:t>
+            </a:r>
+            <a:r>
+              <a:rPr lang="en-US" sz="1200" kern="1200" dirty="0" err="1" smtClean="0">
+                <a:solidFill>
+                  <a:schemeClr val="tx1"/>
+                </a:solidFill>
+                <a:latin typeface="+mn-lt"/>
+                <a:ea typeface="+mn-ea"/>
+                <a:cs typeface="+mn-cs"/>
+              </a:rPr>
+              <a:t>principes</a:t>
+            </a:r>
+            <a:r>
+              <a:rPr lang="en-US" sz="1200" kern="1200" dirty="0" smtClean="0">
+                <a:solidFill>
+                  <a:schemeClr val="tx1"/>
+                </a:solidFill>
+                <a:latin typeface="+mn-lt"/>
+                <a:ea typeface="+mn-ea"/>
+                <a:cs typeface="+mn-cs"/>
+              </a:rPr>
+              <a:t> </a:t>
+            </a:r>
+            <a:r>
+              <a:rPr lang="en-US" sz="1200" kern="1200" dirty="0" err="1" smtClean="0">
+                <a:solidFill>
+                  <a:schemeClr val="tx1"/>
+                </a:solidFill>
+                <a:latin typeface="+mn-lt"/>
+                <a:ea typeface="+mn-ea"/>
+                <a:cs typeface="+mn-cs"/>
+              </a:rPr>
+              <a:t>étaient</a:t>
+            </a:r>
+            <a:r>
+              <a:rPr lang="en-US" sz="1200" kern="1200" dirty="0" smtClean="0">
+                <a:solidFill>
+                  <a:schemeClr val="tx1"/>
+                </a:solidFill>
+                <a:latin typeface="+mn-lt"/>
+                <a:ea typeface="+mn-ea"/>
+                <a:cs typeface="+mn-cs"/>
+              </a:rPr>
+              <a:t> </a:t>
+            </a:r>
+            <a:r>
+              <a:rPr lang="en-US" sz="1200" kern="1200" dirty="0" err="1" smtClean="0">
+                <a:solidFill>
+                  <a:schemeClr val="tx1"/>
+                </a:solidFill>
+                <a:latin typeface="+mn-lt"/>
+                <a:ea typeface="+mn-ea"/>
+                <a:cs typeface="+mn-cs"/>
+              </a:rPr>
+              <a:t>effectivement</a:t>
+            </a:r>
+            <a:r>
+              <a:rPr lang="en-US" sz="1200" kern="1200" dirty="0" smtClean="0">
+                <a:solidFill>
+                  <a:schemeClr val="tx1"/>
+                </a:solidFill>
+                <a:latin typeface="+mn-lt"/>
+                <a:ea typeface="+mn-ea"/>
+                <a:cs typeface="+mn-cs"/>
+              </a:rPr>
+              <a:t> </a:t>
+            </a:r>
+            <a:r>
+              <a:rPr lang="en-US" sz="1200" kern="1200" dirty="0" err="1" smtClean="0">
+                <a:solidFill>
+                  <a:schemeClr val="tx1"/>
+                </a:solidFill>
+                <a:latin typeface="+mn-lt"/>
+                <a:ea typeface="+mn-ea"/>
+                <a:cs typeface="+mn-cs"/>
+              </a:rPr>
+              <a:t>mis</a:t>
+            </a:r>
+            <a:r>
+              <a:rPr lang="en-US" sz="1200" kern="1200" dirty="0" smtClean="0">
+                <a:solidFill>
+                  <a:schemeClr val="tx1"/>
+                </a:solidFill>
+                <a:latin typeface="+mn-lt"/>
+                <a:ea typeface="+mn-ea"/>
+                <a:cs typeface="+mn-cs"/>
+              </a:rPr>
+              <a:t> en </a:t>
+            </a:r>
+            <a:r>
+              <a:rPr lang="en-US" sz="1200" kern="1200" dirty="0" err="1" smtClean="0">
+                <a:solidFill>
+                  <a:schemeClr val="tx1"/>
+                </a:solidFill>
+                <a:latin typeface="+mn-lt"/>
+                <a:ea typeface="+mn-ea"/>
+                <a:cs typeface="+mn-cs"/>
+              </a:rPr>
+              <a:t>œuvre</a:t>
+            </a:r>
+            <a:r>
+              <a:rPr lang="en-US" sz="1200" kern="1200" dirty="0" smtClean="0">
+                <a:solidFill>
+                  <a:schemeClr val="tx1"/>
+                </a:solidFill>
+                <a:latin typeface="+mn-lt"/>
+                <a:ea typeface="+mn-ea"/>
+                <a:cs typeface="+mn-cs"/>
+              </a:rPr>
+              <a:t>. Plus </a:t>
+            </a:r>
+            <a:r>
+              <a:rPr lang="en-US" sz="1200" kern="1200" dirty="0" err="1" smtClean="0">
+                <a:solidFill>
+                  <a:schemeClr val="tx1"/>
+                </a:solidFill>
+                <a:latin typeface="+mn-lt"/>
+                <a:ea typeface="+mn-ea"/>
+                <a:cs typeface="+mn-cs"/>
+              </a:rPr>
+              <a:t>particulièrement</a:t>
+            </a:r>
+            <a:r>
+              <a:rPr lang="en-US" sz="1200" kern="1200" dirty="0" smtClean="0">
+                <a:solidFill>
+                  <a:schemeClr val="tx1"/>
+                </a:solidFill>
+                <a:latin typeface="+mn-lt"/>
+                <a:ea typeface="+mn-ea"/>
+                <a:cs typeface="+mn-cs"/>
+              </a:rPr>
+              <a:t> le travail </a:t>
+            </a:r>
+            <a:r>
+              <a:rPr lang="en-US" sz="1200" kern="1200" dirty="0" err="1" smtClean="0">
+                <a:solidFill>
+                  <a:schemeClr val="tx1"/>
+                </a:solidFill>
+                <a:latin typeface="+mn-lt"/>
+                <a:ea typeface="+mn-ea"/>
+                <a:cs typeface="+mn-cs"/>
+              </a:rPr>
+              <a:t>d’équipe</a:t>
+            </a:r>
+            <a:r>
+              <a:rPr lang="en-US" sz="1200" kern="1200" dirty="0" smtClean="0">
+                <a:solidFill>
+                  <a:schemeClr val="tx1"/>
+                </a:solidFill>
+                <a:latin typeface="+mn-lt"/>
+                <a:ea typeface="+mn-ea"/>
+                <a:cs typeface="+mn-cs"/>
+              </a:rPr>
+              <a:t> qui a </a:t>
+            </a:r>
+            <a:r>
+              <a:rPr lang="en-US" sz="1200" kern="1200" dirty="0" err="1" smtClean="0">
+                <a:solidFill>
+                  <a:schemeClr val="tx1"/>
+                </a:solidFill>
+                <a:latin typeface="+mn-lt"/>
+                <a:ea typeface="+mn-ea"/>
+                <a:cs typeface="+mn-cs"/>
+              </a:rPr>
+              <a:t>été</a:t>
+            </a:r>
+            <a:r>
+              <a:rPr lang="en-US" sz="1200" kern="1200" dirty="0" smtClean="0">
+                <a:solidFill>
+                  <a:schemeClr val="tx1"/>
+                </a:solidFill>
+                <a:latin typeface="+mn-lt"/>
+                <a:ea typeface="+mn-ea"/>
+                <a:cs typeface="+mn-cs"/>
+              </a:rPr>
+              <a:t> </a:t>
+            </a:r>
+            <a:r>
+              <a:rPr lang="en-US" sz="1200" kern="1200" dirty="0" err="1" smtClean="0">
+                <a:solidFill>
+                  <a:schemeClr val="tx1"/>
+                </a:solidFill>
+                <a:latin typeface="+mn-lt"/>
+                <a:ea typeface="+mn-ea"/>
+                <a:cs typeface="+mn-cs"/>
+              </a:rPr>
+              <a:t>déterminant</a:t>
+            </a:r>
+            <a:r>
+              <a:rPr lang="en-US" sz="1200" kern="1200" dirty="0" smtClean="0">
+                <a:solidFill>
+                  <a:schemeClr val="tx1"/>
+                </a:solidFill>
+                <a:latin typeface="+mn-lt"/>
+                <a:ea typeface="+mn-ea"/>
+                <a:cs typeface="+mn-cs"/>
+              </a:rPr>
+              <a:t> et </a:t>
+            </a:r>
+            <a:r>
+              <a:rPr lang="en-US" sz="1200" kern="1200" dirty="0" err="1" smtClean="0">
+                <a:solidFill>
+                  <a:schemeClr val="tx1"/>
+                </a:solidFill>
+                <a:latin typeface="+mn-lt"/>
+                <a:ea typeface="+mn-ea"/>
+                <a:cs typeface="+mn-cs"/>
+              </a:rPr>
+              <a:t>toujours</a:t>
+            </a:r>
+            <a:r>
+              <a:rPr lang="en-US" sz="1200" kern="1200" dirty="0" smtClean="0">
+                <a:solidFill>
+                  <a:schemeClr val="tx1"/>
+                </a:solidFill>
+                <a:latin typeface="+mn-lt"/>
+                <a:ea typeface="+mn-ea"/>
+                <a:cs typeface="+mn-cs"/>
+              </a:rPr>
+              <a:t> </a:t>
+            </a:r>
+            <a:r>
+              <a:rPr lang="en-US" sz="1200" kern="1200" dirty="0" err="1" smtClean="0">
+                <a:solidFill>
+                  <a:schemeClr val="tx1"/>
+                </a:solidFill>
+                <a:latin typeface="+mn-lt"/>
+                <a:ea typeface="+mn-ea"/>
+                <a:cs typeface="+mn-cs"/>
+              </a:rPr>
+              <a:t>très</a:t>
+            </a:r>
+            <a:r>
+              <a:rPr lang="en-US" sz="1200" kern="1200" dirty="0" smtClean="0">
+                <a:solidFill>
+                  <a:schemeClr val="tx1"/>
+                </a:solidFill>
+                <a:latin typeface="+mn-lt"/>
+                <a:ea typeface="+mn-ea"/>
+                <a:cs typeface="+mn-cs"/>
+              </a:rPr>
+              <a:t> </a:t>
+            </a:r>
+            <a:r>
+              <a:rPr lang="en-US" sz="1200" kern="1200" dirty="0" err="1" smtClean="0">
+                <a:solidFill>
+                  <a:schemeClr val="tx1"/>
+                </a:solidFill>
+                <a:latin typeface="+mn-lt"/>
+                <a:ea typeface="+mn-ea"/>
+                <a:cs typeface="+mn-cs"/>
+              </a:rPr>
+              <a:t>encouragé</a:t>
+            </a:r>
+            <a:r>
+              <a:rPr lang="en-US" sz="1200" kern="1200" dirty="0" smtClean="0">
+                <a:solidFill>
+                  <a:schemeClr val="tx1"/>
+                </a:solidFill>
+                <a:latin typeface="+mn-lt"/>
+                <a:ea typeface="+mn-ea"/>
+                <a:cs typeface="+mn-cs"/>
+              </a:rPr>
+              <a:t> tout au long de </a:t>
+            </a:r>
+            <a:r>
+              <a:rPr lang="en-US" sz="1200" kern="1200" dirty="0" err="1" smtClean="0">
+                <a:solidFill>
+                  <a:schemeClr val="tx1"/>
+                </a:solidFill>
+                <a:latin typeface="+mn-lt"/>
+                <a:ea typeface="+mn-ea"/>
+                <a:cs typeface="+mn-cs"/>
+              </a:rPr>
+              <a:t>mon</a:t>
+            </a:r>
+            <a:r>
+              <a:rPr lang="en-US" sz="1200" kern="1200" dirty="0" smtClean="0">
+                <a:solidFill>
+                  <a:schemeClr val="tx1"/>
+                </a:solidFill>
+                <a:latin typeface="+mn-lt"/>
+                <a:ea typeface="+mn-ea"/>
+                <a:cs typeface="+mn-cs"/>
+              </a:rPr>
+              <a:t> </a:t>
+            </a:r>
+            <a:r>
+              <a:rPr lang="en-US" sz="1200" kern="1200" dirty="0" err="1" smtClean="0">
+                <a:solidFill>
+                  <a:schemeClr val="tx1"/>
+                </a:solidFill>
+                <a:latin typeface="+mn-lt"/>
+                <a:ea typeface="+mn-ea"/>
+                <a:cs typeface="+mn-cs"/>
+              </a:rPr>
+              <a:t>expérience</a:t>
+            </a:r>
+            <a:r>
+              <a:rPr lang="en-US" sz="1200" kern="1200" dirty="0" smtClean="0">
+                <a:solidFill>
+                  <a:schemeClr val="tx1"/>
+                </a:solidFill>
+                <a:latin typeface="+mn-lt"/>
+                <a:ea typeface="+mn-ea"/>
+                <a:cs typeface="+mn-cs"/>
+              </a:rPr>
+              <a:t> </a:t>
+            </a:r>
+            <a:r>
+              <a:rPr lang="en-US" sz="1200" kern="1200" dirty="0" err="1" smtClean="0">
+                <a:solidFill>
+                  <a:schemeClr val="tx1"/>
+                </a:solidFill>
+                <a:latin typeface="+mn-lt"/>
+                <a:ea typeface="+mn-ea"/>
+                <a:cs typeface="+mn-cs"/>
+              </a:rPr>
+              <a:t>dans</a:t>
+            </a:r>
+            <a:r>
+              <a:rPr lang="en-US" sz="1200" kern="1200" dirty="0" smtClean="0">
+                <a:solidFill>
+                  <a:schemeClr val="tx1"/>
+                </a:solidFill>
+                <a:latin typeface="+mn-lt"/>
+                <a:ea typeface="+mn-ea"/>
+                <a:cs typeface="+mn-cs"/>
+              </a:rPr>
+              <a:t> </a:t>
+            </a:r>
+            <a:r>
+              <a:rPr lang="en-US" sz="1200" kern="1200" dirty="0" err="1" smtClean="0">
+                <a:solidFill>
+                  <a:schemeClr val="tx1"/>
+                </a:solidFill>
+                <a:latin typeface="+mn-lt"/>
+                <a:ea typeface="+mn-ea"/>
+                <a:cs typeface="+mn-cs"/>
+              </a:rPr>
+              <a:t>cette</a:t>
+            </a:r>
+            <a:r>
+              <a:rPr lang="en-US" sz="1200" kern="1200" dirty="0" smtClean="0">
+                <a:solidFill>
+                  <a:schemeClr val="tx1"/>
+                </a:solidFill>
+                <a:latin typeface="+mn-lt"/>
+                <a:ea typeface="+mn-ea"/>
+                <a:cs typeface="+mn-cs"/>
+              </a:rPr>
+              <a:t> </a:t>
+            </a:r>
+            <a:r>
+              <a:rPr lang="en-US" sz="1200" kern="1200" dirty="0" err="1" smtClean="0">
+                <a:solidFill>
+                  <a:schemeClr val="tx1"/>
+                </a:solidFill>
+                <a:latin typeface="+mn-lt"/>
+                <a:ea typeface="+mn-ea"/>
+                <a:cs typeface="+mn-cs"/>
+              </a:rPr>
+              <a:t>entreprise</a:t>
+            </a:r>
+            <a:r>
+              <a:rPr lang="en-US" sz="1200" kern="1200" dirty="0" smtClean="0">
+                <a:solidFill>
+                  <a:schemeClr val="tx1"/>
+                </a:solidFill>
+                <a:latin typeface="+mn-lt"/>
+                <a:ea typeface="+mn-ea"/>
+                <a:cs typeface="+mn-cs"/>
+              </a:rPr>
+              <a:t>.</a:t>
+            </a:r>
+            <a:endParaRPr lang="en-US" sz="1100" dirty="0"/>
           </a:p>
         </p:txBody>
       </p:sp>
@@ -4019,7 +6707,7 @@
             <a:fld id="{CF597FD4-EEB4-40D7-A349-F18C1F1FFB9D}" type="slidenum">
               <a:rPr lang="fr-FR" smtClean="0"/>
               <a:pPr/>
-              <a:t>11</a:t>
+              <a:t>4</a:t>
             </a:fld>
             <a:endParaRPr lang="fr-FR"/>
           </a:p>
@@ -4079,9 +6767,24 @@
           </a:bodyPr>
           <a:lstStyle/>
           <a:p>
-            <a:pPr lvl="0"/>
-            <a:r>
-              <a:rPr lang="fr-FR" sz="1200" kern="1200" dirty="0" smtClean="0">
+            <a:r>
+              <a:rPr lang="fr-FR" dirty="0" smtClean="0"/>
+              <a:t>La Global</a:t>
+            </a:r>
+            <a:r>
+              <a:rPr lang="fr-FR" baseline="0" dirty="0" smtClean="0"/>
+              <a:t> </a:t>
+            </a:r>
+            <a:r>
+              <a:rPr lang="fr-FR" baseline="0" dirty="0" err="1" smtClean="0"/>
+              <a:t>banking</a:t>
+            </a:r>
+            <a:r>
+              <a:rPr lang="fr-FR" baseline="0" dirty="0" smtClean="0"/>
+              <a:t> </a:t>
+            </a:r>
+            <a:r>
+              <a:rPr lang="fr-FR" sz="1200" kern="1200" dirty="0" err="1" smtClean="0">
                 <a:solidFill>
                   <a:schemeClr val="tx1"/>
                 </a:solidFill>
@@ -4089,19 +6792,8 @@
                 <a:ea typeface="+mn-ea"/>
                 <a:cs typeface="+mn-cs"/>
               </a:rPr>
-              <a:t>Les utilisateurs 	</a:t>
-            </a:r>
-            <a:endParaRPr lang="en-US" sz="1200" kern="1200" dirty="0" smtClean="0">
-              <a:solidFill>
-                <a:schemeClr val="tx1"/>
-              </a:solidFill>
-              <a:latin typeface="+mn-lt"/>
-              <a:ea typeface="+mn-ea"/>
-              <a:cs typeface="+mn-cs"/>
-            </a:endParaRPr>
-          </a:p>
-          <a:p>
-            <a:pPr lvl="0"/>
+              <a:t>Investment</a:t>
+            </a:r>
             <a:r>
               <a:rPr lang="fr-FR" sz="1200" kern="1200" dirty="0" smtClean="0">
                 <a:solidFill>
@@ -4111,19 +6803,10 @@
                 <a:ea typeface="+mn-ea"/>
                 <a:cs typeface="+mn-cs"/>
               </a:rPr>
-              <a:t>Membres de la Société Générale</a:t>
-            </a:r>
-            <a:endParaRPr lang="en-US" sz="1200" kern="1200" dirty="0" smtClean="0">
-              <a:solidFill>
-                <a:schemeClr val="tx1"/>
-              </a:solidFill>
-              <a:latin typeface="+mn-lt"/>
-              <a:ea typeface="+mn-ea"/>
-              <a:cs typeface="+mn-cs"/>
-            </a:endParaRPr>
-          </a:p>
-          <a:p>
-            <a:pPr lvl="0"/>
+              <a:t> Solutions est né suite à la volonté de l’entreprise d’harmoniser ses solutions d’investissements. </a:t>
+            </a:r>
+          </a:p>
+          <a:p>
             <a:r>
               <a:rPr lang="fr-FR" sz="1200" kern="1200" dirty="0" smtClean="0">
                 <a:solidFill>
@@ -4133,19 +6816,10 @@
                 <a:ea typeface="+mn-ea"/>
                 <a:cs typeface="+mn-cs"/>
               </a:rPr>
-              <a:t>Nombre par emplacement et par entité : 20 maximums à Paris</a:t>
-            </a:r>
-            <a:endParaRPr lang="en-US" sz="1200" kern="1200" dirty="0" smtClean="0">
-              <a:solidFill>
-                <a:schemeClr val="tx1"/>
-              </a:solidFill>
-              <a:latin typeface="+mn-lt"/>
-              <a:ea typeface="+mn-ea"/>
-              <a:cs typeface="+mn-cs"/>
-            </a:endParaRPr>
-          </a:p>
-          <a:p>
-            <a:pPr lvl="0"/>
+              <a:t>Il regroupe toutes les activités de banque d’investissement, banque privée, gestion d’actifs et de services aux investisseurs</a:t>
+            </a:r>
+          </a:p>
+          <a:p>
             <a:r>
               <a:rPr lang="fr-FR" sz="1200" kern="1200" dirty="0" smtClean="0">
                 <a:solidFill>
@@ -4155,19 +6829,10 @@
                 <a:ea typeface="+mn-ea"/>
                 <a:cs typeface="+mn-cs"/>
               </a:rPr>
-              <a:t>Pas d’utilisateurs international ni externe à la SG (le projet n’est pas ouvert sur internet)</a:t>
-            </a:r>
-            <a:endParaRPr lang="en-US" sz="1200" kern="1200" dirty="0" smtClean="0">
-              <a:solidFill>
-                <a:schemeClr val="tx1"/>
-              </a:solidFill>
-              <a:latin typeface="+mn-lt"/>
-              <a:ea typeface="+mn-ea"/>
-              <a:cs typeface="+mn-cs"/>
-            </a:endParaRPr>
-          </a:p>
-          <a:p>
-            <a:pPr lvl="0"/>
+              <a:t>GBIS est un des pôles les plus importants de la Société Générale, et lance plusieurs travaux de transformation digitale</a:t>
+            </a:r>
+          </a:p>
+          <a:p>
             <a:r>
               <a:rPr lang="fr-FR" sz="1200" kern="1200" dirty="0" smtClean="0">
                 <a:solidFill>
@@ -4177,21 +6842,10 @@
                 <a:ea typeface="+mn-ea"/>
                 <a:cs typeface="+mn-cs"/>
               </a:rPr>
-              <a:t>Possèdent les droits de lecture et/ou d’écriture. </a:t>
-            </a:r>
-            <a:endParaRPr lang="en-US" sz="1200" kern="1200" dirty="0" smtClean="0">
-              <a:solidFill>
-                <a:schemeClr val="tx1"/>
-              </a:solidFill>
-              <a:latin typeface="+mn-lt"/>
-              <a:ea typeface="+mn-ea"/>
-              <a:cs typeface="+mn-cs"/>
-            </a:endParaRPr>
-          </a:p>
-          <a:p>
-            <a:pPr lvl="0"/>
-            <a:r>
-              <a:rPr lang="fr-FR" sz="1200" kern="1200" dirty="0" smtClean="0">
+              <a:t>Parmi ceux-ci, le principal est le déploiement continu (</a:t>
+            </a:r>
+            <a:r>
+              <a:rPr lang="fr-FR" sz="1200" kern="1200" dirty="0" err="1" smtClean="0">
                 <a:solidFill>
                   <a:schemeClr val="tx1"/>
                 </a:solidFill>
@@ -4199,19 +6853,8 @@
                 <a:ea typeface="+mn-ea"/>
                 <a:cs typeface="+mn-cs"/>
               </a:rPr>
-              <a:t>Administrateurs : avec un double accès à l’application, ils gèrent les utilisateurs et possèdent les droits d’écriture et de lecture des données de l’application  </a:t>
-            </a:r>
-            <a:endParaRPr lang="en-US" sz="1200" kern="1200" dirty="0" smtClean="0">
-              <a:solidFill>
-                <a:schemeClr val="tx1"/>
-              </a:solidFill>
-              <a:latin typeface="+mn-lt"/>
-              <a:ea typeface="+mn-ea"/>
-              <a:cs typeface="+mn-cs"/>
-            </a:endParaRPr>
-          </a:p>
-          <a:p>
-            <a:pPr lvl="0"/>
+              <a:t>Continuous</a:t>
+            </a:r>
             <a:r>
               <a:rPr lang="fr-FR" sz="1200" kern="1200" dirty="0" smtClean="0">
                 <a:solidFill>
@@ -4221,19 +6864,33 @@
                 <a:ea typeface="+mn-ea"/>
                 <a:cs typeface="+mn-cs"/>
               </a:rPr>
-              <a:t>L’équipe Support : qui assure le suivi des données de production</a:t>
-            </a:r>
-            <a:endParaRPr lang="en-US" sz="1200" kern="1200" dirty="0" smtClean="0">
-              <a:solidFill>
-                <a:schemeClr val="tx1"/>
-              </a:solidFill>
-              <a:latin typeface="+mn-lt"/>
-              <a:ea typeface="+mn-ea"/>
-              <a:cs typeface="+mn-cs"/>
-            </a:endParaRPr>
-          </a:p>
-          <a:p>
-            <a:endParaRPr lang="en-US" dirty="0"/>
+              <a:t> </a:t>
+            </a:r>
+            <a:r>
+              <a:rPr lang="fr-FR" sz="1200" kern="1200" dirty="0" err="1" smtClean="0">
+                <a:solidFill>
+                  <a:schemeClr val="tx1"/>
+                </a:solidFill>
+                <a:latin typeface="+mn-lt"/>
+                <a:ea typeface="+mn-ea"/>
+                <a:cs typeface="+mn-cs"/>
+              </a:rPr>
+              <a:t>Delivery</a:t>
+            </a:r>
+            <a:r>
+              <a:rPr lang="fr-FR" sz="1200" kern="1200" dirty="0" smtClean="0">
+                <a:solidFill>
+                  <a:schemeClr val="tx1"/>
+                </a:solidFill>
+                <a:latin typeface="+mn-lt"/>
+                <a:ea typeface="+mn-ea"/>
+                <a:cs typeface="+mn-cs"/>
+              </a:rPr>
+              <a:t>) qui est appliqué à l’heure actuelle à une trentaine d’applications; </a:t>
+            </a:r>
+          </a:p>
+          <a:p>
+            <a:endParaRPr lang="fr-FR" dirty="0" smtClean="0"/>
           </a:p>
         </p:txBody>
       </p:sp>
@@ -4255,7 +6912,7 @@
             <a:fld id="{CF597FD4-EEB4-40D7-A349-F18C1F1FFB9D}" type="slidenum">
               <a:rPr lang="fr-FR" smtClean="0"/>
               <a:pPr/>
-              <a:t>12</a:t>
+              <a:t>5</a:t>
             </a:fld>
             <a:endParaRPr lang="fr-FR"/>
           </a:p>
@@ -4315,7 +6972,6 @@
           </a:bodyPr>
           <a:lstStyle/>
           <a:p>
-            <a:pPr lvl="0"/>
             <a:r>
               <a:rPr lang="fr-FR" sz="1200" kern="1200" dirty="0" smtClean="0">
                 <a:solidFill>
@@ -4325,7 +6981,225 @@
                 <a:ea typeface="+mn-ea"/>
                 <a:cs typeface="+mn-cs"/>
               </a:rPr>
-              <a:t>Respect des normes d’ITEC/FCC : architecture basée sur la technologie J2EE.</a:t>
+              <a:t>Ensuite</a:t>
+            </a:r>
+            <a:r>
+              <a:rPr lang="fr-FR" sz="1200" kern="1200" baseline="0" dirty="0" smtClean="0">
+                <a:solidFill>
+                  <a:schemeClr val="tx1"/>
+                </a:solidFill>
+                <a:latin typeface="+mn-lt"/>
+                <a:ea typeface="+mn-ea"/>
+                <a:cs typeface="+mn-cs"/>
+              </a:rPr>
+              <a:t> </a:t>
+            </a:r>
+            <a:r>
+              <a:rPr lang="fr-FR" sz="1200" kern="1200" dirty="0" smtClean="0">
+                <a:solidFill>
+                  <a:schemeClr val="tx1"/>
+                </a:solidFill>
+                <a:latin typeface="+mn-lt"/>
+                <a:ea typeface="+mn-ea"/>
+                <a:cs typeface="+mn-cs"/>
+              </a:rPr>
+              <a:t>je vais rapidement présenter les départements avec lesquels j’ai plus particulièrement travaillé. ITEC/FCC, la structure à laquelle j’ai été intégrée, gère tout l’applicatif pour les activités de financement et de couverture clients. Il assure tous les services informatiques au sein de GBIS.</a:t>
+            </a:r>
+          </a:p>
+          <a:p>
+            <a:endParaRPr lang="fr-FR" sz="1200" kern="1200" dirty="0" smtClean="0">
+              <a:solidFill>
+                <a:schemeClr val="tx1"/>
+              </a:solidFill>
+              <a:latin typeface="+mn-lt"/>
+              <a:ea typeface="+mn-ea"/>
+              <a:cs typeface="+mn-cs"/>
+            </a:endParaRPr>
+          </a:p>
+          <a:p>
+            <a:r>
+              <a:rPr lang="fr-FR" sz="1200" kern="1200" dirty="0" smtClean="0">
+                <a:solidFill>
+                  <a:schemeClr val="tx1"/>
+                </a:solidFill>
+                <a:latin typeface="+mn-lt"/>
+                <a:ea typeface="+mn-ea"/>
+                <a:cs typeface="+mn-cs"/>
+              </a:rPr>
+              <a:t>L’équipe OSD (</a:t>
+            </a:r>
+            <a:r>
+              <a:rPr lang="fr-FR" sz="1200" kern="1200" dirty="0" err="1" smtClean="0">
+                <a:solidFill>
+                  <a:schemeClr val="tx1"/>
+                </a:solidFill>
+                <a:latin typeface="+mn-lt"/>
+                <a:ea typeface="+mn-ea"/>
+                <a:cs typeface="+mn-cs"/>
+              </a:rPr>
+              <a:t>Origination</a:t>
+            </a:r>
+            <a:r>
+              <a:rPr lang="fr-FR" sz="1200" kern="1200" dirty="0" smtClean="0">
+                <a:solidFill>
+                  <a:schemeClr val="tx1"/>
+                </a:solidFill>
+                <a:latin typeface="+mn-lt"/>
+                <a:ea typeface="+mn-ea"/>
+                <a:cs typeface="+mn-cs"/>
+              </a:rPr>
+              <a:t>, </a:t>
+            </a:r>
+            <a:r>
+              <a:rPr lang="fr-FR" sz="1200" kern="1200" dirty="0" err="1" smtClean="0">
+                <a:solidFill>
+                  <a:schemeClr val="tx1"/>
+                </a:solidFill>
+                <a:latin typeface="+mn-lt"/>
+                <a:ea typeface="+mn-ea"/>
+                <a:cs typeface="+mn-cs"/>
+              </a:rPr>
+              <a:t>Structuring</a:t>
+            </a:r>
+            <a:r>
+              <a:rPr lang="fr-FR" sz="1200" kern="1200" dirty="0" smtClean="0">
+                <a:solidFill>
+                  <a:schemeClr val="tx1"/>
+                </a:solidFill>
+                <a:latin typeface="+mn-lt"/>
+                <a:ea typeface="+mn-ea"/>
+                <a:cs typeface="+mn-cs"/>
+              </a:rPr>
+              <a:t> and Distribution) gère le support fonctionnel pour les applications de FCC/OSD</a:t>
+            </a:r>
+          </a:p>
+          <a:p>
+            <a:pPr marL="0" marR="0" lvl="0" indent="0" algn="l" defTabSz="914400" rtl="0" eaLnBrk="1" fontAlgn="auto" latinLnBrk="0" hangingPunct="1">
+              <a:lnSpc>
+                <a:spcPct val="100000"/>
+              </a:lnSpc>
+              <a:spcBef>
+                <a:spcPts val="0"/>
+              </a:spcBef>
+              <a:spcAft>
+                <a:spcPts val="0"/>
+              </a:spcAft>
+              <a:buClrTx/>
+              <a:buSzTx/>
+              <a:buFontTx/>
+              <a:buNone/>
+              <a:tabLst/>
+              <a:defRPr/>
+            </a:pPr>
+            <a:r>
+              <a:rPr lang="fr-FR" sz="1200" kern="1200" dirty="0" smtClean="0">
+                <a:solidFill>
+                  <a:schemeClr val="tx1"/>
+                </a:solidFill>
+                <a:latin typeface="+mn-lt"/>
+                <a:ea typeface="+mn-ea"/>
+                <a:cs typeface="+mn-cs"/>
+              </a:rPr>
+              <a:t>CBS appartien</a:t>
+            </a:r>
+            <a:r>
+              <a:rPr lang="fr-FR" sz="1200" kern="1200" baseline="0" dirty="0" smtClean="0">
+                <a:solidFill>
+                  <a:schemeClr val="tx1"/>
+                </a:solidFill>
+                <a:latin typeface="+mn-lt"/>
+                <a:ea typeface="+mn-ea"/>
+                <a:cs typeface="+mn-cs"/>
+              </a:rPr>
+              <a:t>t à </a:t>
+            </a:r>
+            <a:r>
+              <a:rPr lang="fr-FR" sz="1200" kern="1200" dirty="0" smtClean="0">
+                <a:solidFill>
+                  <a:schemeClr val="tx1"/>
+                </a:solidFill>
+                <a:latin typeface="+mn-lt"/>
+                <a:ea typeface="+mn-ea"/>
+                <a:cs typeface="+mn-cs"/>
+              </a:rPr>
+              <a:t>SCM (</a:t>
+            </a:r>
+            <a:r>
+              <a:rPr lang="fr-FR" sz="1200" kern="1200" dirty="0" err="1" smtClean="0">
+                <a:solidFill>
+                  <a:schemeClr val="tx1"/>
+                </a:solidFill>
+                <a:latin typeface="+mn-lt"/>
+                <a:ea typeface="+mn-ea"/>
+                <a:cs typeface="+mn-cs"/>
+              </a:rPr>
+              <a:t>Syndicated</a:t>
+            </a:r>
+            <a:r>
+              <a:rPr lang="fr-FR" sz="1200" kern="1200" dirty="0" smtClean="0">
+                <a:solidFill>
+                  <a:schemeClr val="tx1"/>
+                </a:solidFill>
+                <a:latin typeface="+mn-lt"/>
+                <a:ea typeface="+mn-ea"/>
+                <a:cs typeface="+mn-cs"/>
+              </a:rPr>
+              <a:t> Capital </a:t>
+            </a:r>
+            <a:r>
+              <a:rPr lang="fr-FR" sz="1200" kern="1200" dirty="0" err="1" smtClean="0">
+                <a:solidFill>
+                  <a:schemeClr val="tx1"/>
+                </a:solidFill>
+                <a:latin typeface="+mn-lt"/>
+                <a:ea typeface="+mn-ea"/>
+                <a:cs typeface="+mn-cs"/>
+              </a:rPr>
+              <a:t>Market</a:t>
+            </a:r>
+            <a:r>
+              <a:rPr lang="fr-FR" sz="1200" kern="1200" dirty="0" smtClean="0">
+                <a:solidFill>
+                  <a:schemeClr val="tx1"/>
+                </a:solidFill>
+                <a:latin typeface="+mn-lt"/>
+                <a:ea typeface="+mn-ea"/>
+                <a:cs typeface="+mn-cs"/>
+              </a:rPr>
+              <a:t>) tout ce qui concerne la titrisation et la syndication, sauf que CBS n’a rien</a:t>
+            </a:r>
+            <a:r>
+              <a:rPr lang="fr-FR" sz="1200" kern="1200" baseline="0" dirty="0" smtClean="0">
+                <a:solidFill>
+                  <a:schemeClr val="tx1"/>
+                </a:solidFill>
+                <a:latin typeface="+mn-lt"/>
+                <a:ea typeface="+mn-ea"/>
+                <a:cs typeface="+mn-cs"/>
+              </a:rPr>
+              <a:t> avoir avec la </a:t>
+            </a:r>
+            <a:r>
+              <a:rPr lang="fr-FR" sz="1200" kern="1200" baseline="0" dirty="0" err="1" smtClean="0">
+                <a:solidFill>
+                  <a:schemeClr val="tx1"/>
+                </a:solidFill>
+                <a:latin typeface="+mn-lt"/>
+                <a:ea typeface="+mn-ea"/>
+                <a:cs typeface="+mn-cs"/>
+              </a:rPr>
+              <a:t>tetrisation</a:t>
+            </a:r>
+            <a:r>
+              <a:rPr lang="fr-FR" sz="1200" kern="1200" baseline="0" dirty="0" smtClean="0">
+                <a:solidFill>
+                  <a:schemeClr val="tx1"/>
+                </a:solidFill>
+                <a:latin typeface="+mn-lt"/>
+                <a:ea typeface="+mn-ea"/>
+                <a:cs typeface="+mn-cs"/>
+              </a:rPr>
+              <a:t> ni la syndication</a:t>
             </a:r>
             <a:endParaRPr lang="en-US" sz="1200" kern="1200" dirty="0" smtClean="0">
               <a:solidFill>
@@ -4337,9 +7211,25 @@
             </a:endParaRPr>
           </a:p>
           <a:p>
-            <a:pPr lvl="0"/>
-            <a:r>
-              <a:rPr lang="fr-FR" sz="1200" kern="1200" dirty="0" smtClean="0">
+            <a:pPr marL="0" marR="0" lvl="0" indent="0" algn="l" defTabSz="914400" rtl="0" eaLnBrk="1" fontAlgn="auto" latinLnBrk="0" hangingPunct="1">
+              <a:lnSpc>
+                <a:spcPct val="100000"/>
+              </a:lnSpc>
+              <a:spcBef>
+                <a:spcPts val="0"/>
+              </a:spcBef>
+              <a:spcAft>
+                <a:spcPts val="0"/>
+              </a:spcAft>
+              <a:buClrTx/>
+              <a:buSzTx/>
+              <a:buFontTx/>
+              <a:buNone/>
+              <a:tabLst/>
+              <a:defRPr/>
+            </a:pPr>
+            <a:r>
+              <a:rPr lang="fr-FR" sz="1200" kern="1200" dirty="0" err="1" smtClean="0">
                 <a:solidFill>
                   <a:schemeClr val="tx1"/>
                 </a:solidFill>
@@ -4347,19 +7237,8 @@
                 <a:ea typeface="+mn-ea"/>
                 <a:cs typeface="+mn-cs"/>
               </a:rPr>
-              <a:t>Accès facile et sécurisé : utilisation de l’architecture client léger (HTTPS) </a:t>
-            </a:r>
-            <a:endParaRPr lang="en-US" sz="1200" kern="1200" dirty="0" smtClean="0">
-              <a:solidFill>
-                <a:schemeClr val="tx1"/>
-              </a:solidFill>
-              <a:latin typeface="+mn-lt"/>
-              <a:ea typeface="+mn-ea"/>
-              <a:cs typeface="+mn-cs"/>
-            </a:endParaRPr>
-          </a:p>
-          <a:p>
-            <a:pPr lvl="0"/>
+              <a:t>Preclosing</a:t>
+            </a:r>
             <a:r>
               <a:rPr lang="fr-FR" sz="1200" kern="1200" dirty="0" smtClean="0">
                 <a:solidFill>
@@ -4369,73 +7248,7 @@
                 <a:ea typeface="+mn-ea"/>
                 <a:cs typeface="+mn-cs"/>
               </a:rPr>
-              <a:t>Confidentialité et accès des données : Les autorisations seront gérées par </a:t>
-            </a:r>
-            <a:r>
-              <a:rPr lang="fr-FR" sz="1200" kern="1200" dirty="0" err="1" smtClean="0">
-                <a:solidFill>
-                  <a:schemeClr val="tx1"/>
-                </a:solidFill>
-                <a:latin typeface="+mn-lt"/>
-                <a:ea typeface="+mn-ea"/>
-                <a:cs typeface="+mn-cs"/>
-              </a:rPr>
-              <a:t>Spring</a:t>
-            </a:r>
-            <a:r>
-              <a:rPr lang="fr-FR" sz="1200" kern="1200" dirty="0" smtClean="0">
-                <a:solidFill>
-                  <a:schemeClr val="tx1"/>
-                </a:solidFill>
-                <a:latin typeface="+mn-lt"/>
-                <a:ea typeface="+mn-ea"/>
-                <a:cs typeface="+mn-cs"/>
-              </a:rPr>
-              <a:t> Security 3. Cela permet d'avoir une solution de maintenance de coûts flexibles et faibles pour la gestion de l'autorisation.</a:t>
-            </a:r>
-            <a:endParaRPr lang="en-US" sz="1200" kern="1200" dirty="0" smtClean="0">
-              <a:solidFill>
-                <a:schemeClr val="tx1"/>
-              </a:solidFill>
-              <a:latin typeface="+mn-lt"/>
-              <a:ea typeface="+mn-ea"/>
-              <a:cs typeface="+mn-cs"/>
-            </a:endParaRPr>
-          </a:p>
-          <a:p>
-            <a:pPr lvl="0"/>
-            <a:r>
-              <a:rPr lang="fr-FR" sz="1200" kern="1200" dirty="0" smtClean="0">
-                <a:solidFill>
-                  <a:schemeClr val="tx1"/>
-                </a:solidFill>
-                <a:latin typeface="+mn-lt"/>
-                <a:ea typeface="+mn-ea"/>
-                <a:cs typeface="+mn-cs"/>
-              </a:rPr>
-              <a:t>Authentification : </a:t>
-            </a:r>
-            <a:r>
-              <a:rPr lang="fr-FR" sz="1200" kern="1200" dirty="0" err="1" smtClean="0">
-                <a:solidFill>
-                  <a:schemeClr val="tx1"/>
-                </a:solidFill>
-                <a:latin typeface="+mn-lt"/>
-                <a:ea typeface="+mn-ea"/>
-                <a:cs typeface="+mn-cs"/>
-              </a:rPr>
-              <a:t>Sesame</a:t>
-            </a:r>
-            <a:r>
-              <a:rPr lang="fr-FR" sz="1200" kern="1200" dirty="0" smtClean="0">
-                <a:solidFill>
-                  <a:schemeClr val="tx1"/>
-                </a:solidFill>
-                <a:latin typeface="+mn-lt"/>
-                <a:ea typeface="+mn-ea"/>
-                <a:cs typeface="+mn-cs"/>
-              </a:rPr>
-              <a:t> (outil interne à la Société Générale) est utilisé pour la couche d’authentification </a:t>
+              <a:t> (PCL) Tout ce qui concerne l’avant signature des deals avec les clients</a:t>
             </a:r>
             <a:endParaRPr lang="en-US" sz="1200" kern="1200" dirty="0" smtClean="0">
               <a:solidFill>
@@ -4469,7 +7282,7 @@
             <a:fld id="{CF597FD4-EEB4-40D7-A349-F18C1F1FFB9D}" type="slidenum">
               <a:rPr lang="fr-FR" smtClean="0"/>
               <a:pPr/>
-              <a:t>13</a:t>
+              <a:t>6</a:t>
             </a:fld>
             <a:endParaRPr lang="fr-FR"/>
           </a:p>
@@ -4538,7 +7351,7 @@
                 <a:ea typeface="+mn-ea"/>
                 <a:cs typeface="+mn-cs"/>
               </a:rPr>
-              <a:t>nous avons l’architecture physique qui décrit l’ensemble des composants matériels.</a:t>
+              <a:t>ITEC a fait des méthodes Agiles l’un des points les plus importants de son développement à partir de 2011</a:t>
             </a:r>
           </a:p>
           <a:p>
@@ -4551,10 +7364,29 @@
                 <a:ea typeface="+mn-ea"/>
                 <a:cs typeface="+mn-cs"/>
               </a:rPr>
-              <a:t> Ce</a:t>
-            </a:r>
-            <a:r>
-              <a:rPr lang="fr-FR" sz="1200" kern="1200" baseline="0" dirty="0" smtClean="0">
+              <a:t>Le but est d’assurer rapidement un service adapté aux besoins de l’utilisateur et de bonne qualité.</a:t>
+            </a:r>
+          </a:p>
+          <a:p>
+            <a:pPr marL="0" marR="0" indent="0" algn="l" defTabSz="914400" rtl="0" eaLnBrk="1" fontAlgn="auto" latinLnBrk="0" hangingPunct="1">
+              <a:lnSpc>
+                <a:spcPct val="100000"/>
+              </a:lnSpc>
+              <a:spcBef>
+                <a:spcPts val="0"/>
+              </a:spcBef>
+              <a:spcAft>
+                <a:spcPts val="0"/>
+              </a:spcAft>
+              <a:buClrTx/>
+              <a:buSzTx/>
+              <a:buFontTx/>
+              <a:buNone/>
+              <a:tabLst/>
+              <a:defRPr/>
+            </a:pPr>
+            <a:r>
+              <a:rPr lang="fr-FR" sz="1200" kern="1200" dirty="0" smtClean="0">
                 <a:solidFill>
                   <a:schemeClr val="tx1"/>
                 </a:solidFill>
@@ -4562,10 +7394,10 @@
                 <a:ea typeface="+mn-ea"/>
                 <a:cs typeface="+mn-cs"/>
               </a:rPr>
-              <a:t> </a:t>
-            </a:r>
-            <a:r>
-              <a:rPr lang="fr-FR" sz="1200" kern="1200" dirty="0" smtClean="0">
+              <a:t>Le centre Agile chez ITEC a défini plusieurs étapes pour passer du cycle en V au </a:t>
+            </a:r>
+            <a:r>
+              <a:rPr lang="fr-FR" sz="1200" kern="1200" dirty="0" err="1" smtClean="0">
                 <a:solidFill>
                   <a:schemeClr val="tx1"/>
                 </a:solidFill>
@@ -4573,9 +7405,42 @@
                 <a:ea typeface="+mn-ea"/>
                 <a:cs typeface="+mn-cs"/>
               </a:rPr>
-              <a:t>schéma représente les composants logiciels (base de données) déployés sur les composants matériels (machine virtuelle).</a:t>
-            </a:r>
-            <a:endParaRPr lang="en-US" sz="1200" kern="1200" dirty="0">
+              <a:t>Continuous</a:t>
+            </a:r>
+            <a:r>
+              <a:rPr lang="fr-FR" sz="1200" kern="1200" dirty="0" smtClean="0">
+                <a:solidFill>
+                  <a:schemeClr val="tx1"/>
+                </a:solidFill>
+                <a:latin typeface="+mn-lt"/>
+                <a:ea typeface="+mn-ea"/>
+                <a:cs typeface="+mn-cs"/>
+              </a:rPr>
+              <a:t> </a:t>
+            </a:r>
+            <a:r>
+              <a:rPr lang="fr-FR" sz="1200" kern="1200" dirty="0" err="1" smtClean="0">
+                <a:solidFill>
+                  <a:schemeClr val="tx1"/>
+                </a:solidFill>
+                <a:latin typeface="+mn-lt"/>
+                <a:ea typeface="+mn-ea"/>
+                <a:cs typeface="+mn-cs"/>
+              </a:rPr>
+              <a:t>Delivery</a:t>
+            </a:r>
+            <a:r>
+              <a:rPr lang="fr-FR" sz="1200" kern="1200" dirty="0" smtClean="0">
+                <a:solidFill>
+                  <a:schemeClr val="tx1"/>
+                </a:solidFill>
+                <a:latin typeface="+mn-lt"/>
+                <a:ea typeface="+mn-ea"/>
+                <a:cs typeface="+mn-cs"/>
+              </a:rPr>
+              <a:t> qui consiste à pouvoir livrer en continu sans action de l’utilisateur et sans diminuer la qualité.</a:t>
+            </a:r>
+            <a:endParaRPr lang="en-US" sz="1200" kern="1200" dirty="0" smtClean="0">
               <a:solidFill>
                 <a:schemeClr val="tx1"/>
               </a:solidFill>
@@ -4583,6 +7448,184 @@
               <a:ea typeface="+mn-ea"/>
               <a:cs typeface="+mn-cs"/>
             </a:endParaRPr>
+          </a:p>
+          <a:p>
+            <a:pPr marL="0" marR="0" indent="0" algn="l" defTabSz="914400" rtl="0" eaLnBrk="1" fontAlgn="auto" latinLnBrk="0" hangingPunct="1">
+              <a:lnSpc>
+                <a:spcPct val="100000"/>
+              </a:lnSpc>
+              <a:spcBef>
+                <a:spcPts val="0"/>
+              </a:spcBef>
+              <a:spcAft>
+                <a:spcPts val="0"/>
+              </a:spcAft>
+              <a:buClrTx/>
+              <a:buSzTx/>
+              <a:buFontTx/>
+              <a:buNone/>
+              <a:tabLst/>
+              <a:defRPr/>
+            </a:pPr>
+            <a:r>
+              <a:rPr lang="fr-FR" sz="1200" kern="1200" dirty="0" err="1" smtClean="0">
+                <a:solidFill>
+                  <a:schemeClr val="tx1"/>
+                </a:solidFill>
+                <a:latin typeface="+mn-lt"/>
+                <a:ea typeface="+mn-ea"/>
+                <a:cs typeface="+mn-cs"/>
+              </a:rPr>
+              <a:t>Kanban</a:t>
+            </a:r>
+            <a:r>
+              <a:rPr lang="fr-FR" sz="1200" kern="1200" dirty="0" smtClean="0">
+                <a:solidFill>
+                  <a:schemeClr val="tx1"/>
+                </a:solidFill>
+                <a:latin typeface="+mn-lt"/>
+                <a:ea typeface="+mn-ea"/>
+                <a:cs typeface="+mn-cs"/>
+              </a:rPr>
+              <a:t> est une méthode de gestion des connaissances, qui met l’accent sur une organisation de type Juste-à-temps en fournissant l'information ponctuellement aux membres de l'équipe pour ne pas les surcharger. </a:t>
+            </a:r>
+          </a:p>
+          <a:p>
+            <a:pPr marL="0" marR="0" indent="0" algn="l" defTabSz="914400" rtl="0" eaLnBrk="1" fontAlgn="auto" latinLnBrk="0" hangingPunct="1">
+              <a:lnSpc>
+                <a:spcPct val="100000"/>
+              </a:lnSpc>
+              <a:spcBef>
+                <a:spcPts val="0"/>
+              </a:spcBef>
+              <a:spcAft>
+                <a:spcPts val="0"/>
+              </a:spcAft>
+              <a:buClrTx/>
+              <a:buSzTx/>
+              <a:buFontTx/>
+              <a:buNone/>
+              <a:tabLst/>
+              <a:defRPr/>
+            </a:pPr>
+            <a:r>
+              <a:rPr lang="fr-FR" sz="1200" kern="1200" dirty="0" smtClean="0">
+                <a:solidFill>
+                  <a:schemeClr val="tx1"/>
+                </a:solidFill>
+                <a:latin typeface="+mn-lt"/>
+                <a:ea typeface="+mn-ea"/>
+                <a:cs typeface="+mn-cs"/>
+              </a:rPr>
+              <a:t>le processus complet de l'analyse des tâches jusqu’à leur livraison au client est consultable par tous les participants</a:t>
+            </a:r>
+            <a:r>
+              <a:rPr lang="fr-FR" sz="1200" kern="1200" baseline="0" dirty="0" smtClean="0">
+                <a:solidFill>
+                  <a:schemeClr val="tx1"/>
+                </a:solidFill>
+                <a:latin typeface="+mn-lt"/>
+                <a:ea typeface="+mn-ea"/>
+                <a:cs typeface="+mn-cs"/>
+              </a:rPr>
+              <a:t> ,avec </a:t>
+            </a:r>
+            <a:r>
+              <a:rPr lang="fr-FR" sz="1200" kern="1200" dirty="0" smtClean="0">
+                <a:solidFill>
+                  <a:schemeClr val="tx1"/>
+                </a:solidFill>
+                <a:latin typeface="+mn-lt"/>
+                <a:ea typeface="+mn-ea"/>
+                <a:cs typeface="+mn-cs"/>
+              </a:rPr>
+              <a:t>l’outil JIRA , chacun prenant ses tâches depuis une file d'attente.</a:t>
+            </a:r>
+          </a:p>
+          <a:p>
+            <a:pPr marL="0" marR="0" indent="0" algn="l" defTabSz="914400" rtl="0" eaLnBrk="1" fontAlgn="auto" latinLnBrk="0" hangingPunct="1">
+              <a:lnSpc>
+                <a:spcPct val="100000"/>
+              </a:lnSpc>
+              <a:spcBef>
+                <a:spcPts val="0"/>
+              </a:spcBef>
+              <a:spcAft>
+                <a:spcPts val="0"/>
+              </a:spcAft>
+              <a:buClrTx/>
+              <a:buSzTx/>
+              <a:buFontTx/>
+              <a:buNone/>
+              <a:tabLst/>
+              <a:defRPr/>
+            </a:pPr>
+            <a:r>
+              <a:rPr lang="fr-FR" sz="1200" kern="1200" dirty="0" smtClean="0">
+                <a:solidFill>
+                  <a:schemeClr val="tx1"/>
+                </a:solidFill>
+                <a:latin typeface="+mn-lt"/>
+                <a:ea typeface="+mn-ea"/>
+                <a:cs typeface="+mn-cs"/>
+              </a:rPr>
+              <a:t>L’application CBS s’appuie essentiellement sur l’approche </a:t>
+            </a:r>
+            <a:r>
+              <a:rPr lang="fr-FR" sz="1200" kern="1200" dirty="0" err="1" smtClean="0">
+                <a:solidFill>
+                  <a:schemeClr val="tx1"/>
+                </a:solidFill>
+                <a:latin typeface="+mn-lt"/>
+                <a:ea typeface="+mn-ea"/>
+                <a:cs typeface="+mn-cs"/>
+              </a:rPr>
+              <a:t>Kanban</a:t>
+            </a:r>
+            <a:r>
+              <a:rPr lang="fr-FR" sz="1200" kern="1200" dirty="0" smtClean="0">
+                <a:solidFill>
+                  <a:schemeClr val="tx1"/>
+                </a:solidFill>
+                <a:latin typeface="+mn-lt"/>
+                <a:ea typeface="+mn-ea"/>
+                <a:cs typeface="+mn-cs"/>
+              </a:rPr>
+              <a:t> qui consiste globalement à visualiser le </a:t>
+            </a:r>
+            <a:r>
+              <a:rPr lang="fr-FR" sz="1200" kern="1200" dirty="0" err="1" smtClean="0">
+                <a:solidFill>
+                  <a:schemeClr val="tx1"/>
+                </a:solidFill>
+                <a:latin typeface="+mn-lt"/>
+                <a:ea typeface="+mn-ea"/>
+                <a:cs typeface="+mn-cs"/>
+              </a:rPr>
+              <a:t>Workflow</a:t>
+            </a:r>
+            <a:r>
+              <a:rPr lang="fr-FR" sz="1200" kern="1200" dirty="0" smtClean="0">
+                <a:solidFill>
+                  <a:schemeClr val="tx1"/>
+                </a:solidFill>
+                <a:latin typeface="+mn-lt"/>
+                <a:ea typeface="+mn-ea"/>
+                <a:cs typeface="+mn-cs"/>
+              </a:rPr>
+              <a:t> (Le processus de traitement d’une  tâche de bout en bout).</a:t>
+            </a:r>
+            <a:endParaRPr lang="en-US" sz="1200" kern="1200" dirty="0" smtClean="0">
+              <a:solidFill>
+                <a:schemeClr val="tx1"/>
+              </a:solidFill>
+              <a:latin typeface="+mn-lt"/>
+              <a:ea typeface="+mn-ea"/>
+              <a:cs typeface="+mn-cs"/>
+            </a:endParaRPr>
+          </a:p>
+          <a:p>
+            <a:endParaRPr lang="en-US" dirty="0"/>
           </a:p>
         </p:txBody>
       </p:sp>
@@ -4604,7 +7647,7 @@
             <a:fld id="{CF597FD4-EEB4-40D7-A349-F18C1F1FFB9D}" type="slidenum">
               <a:rPr lang="fr-FR" smtClean="0"/>
               <a:pPr/>
-              <a:t>14</a:t>
+              <a:t>7</a:t>
             </a:fld>
             <a:endParaRPr lang="fr-FR"/>
           </a:p>
@@ -4664,33 +7707,8 @@
           </a:bodyPr>
           <a:lstStyle/>
           <a:p>
-            <a:pPr marL="0" marR="0" lvl="1" indent="0" algn="l" defTabSz="914400" rtl="0" eaLnBrk="1" fontAlgn="auto" latinLnBrk="0" hangingPunct="1">
-              <a:lnSpc>
-                <a:spcPct val="100000"/>
-              </a:lnSpc>
-              <a:spcBef>
-                <a:spcPts val="0"/>
-              </a:spcBef>
-              <a:spcAft>
-                <a:spcPts val="0"/>
-              </a:spcAft>
-              <a:buClrTx/>
-              <a:buSzTx/>
-              <a:buFontTx/>
-              <a:buNone/>
-              <a:tabLst/>
-              <a:defRPr/>
-            </a:pPr>
-            <a:r>
-              <a:rPr lang="fr-FR" dirty="0" smtClean="0"/>
-              <a:t>Couche de présentation</a:t>
-            </a:r>
-            <a:r>
-              <a:rPr lang="en-US" baseline="0" dirty="0" smtClean="0"/>
-              <a:t> : </a:t>
-            </a:r>
-            <a:r>
-              <a:rPr lang="en-US" sz="1200" b="1" kern="1200" dirty="0" smtClean="0">
+            <a:r>
+              <a:rPr lang="fr-FR" sz="1200" kern="1200" dirty="0" smtClean="0">
                 <a:solidFill>
                   <a:schemeClr val="tx1"/>
                 </a:solidFill>
@@ -4698,29 +7716,10 @@
                 <a:ea typeface="+mn-ea"/>
                 <a:cs typeface="+mn-cs"/>
               </a:rPr>
-              <a:t>HTML views Excel views</a:t>
-            </a:r>
-          </a:p>
-          <a:p>
-            <a:pPr marL="0" marR="0" lvl="1" indent="0" algn="l" defTabSz="914400" rtl="0" eaLnBrk="1" fontAlgn="auto" latinLnBrk="0" hangingPunct="1">
-              <a:lnSpc>
-                <a:spcPct val="100000"/>
-              </a:lnSpc>
-              <a:spcBef>
-                <a:spcPts val="0"/>
-              </a:spcBef>
-              <a:spcAft>
-                <a:spcPts val="0"/>
-              </a:spcAft>
-              <a:buClrTx/>
-              <a:buSzTx/>
-              <a:buFontTx/>
-              <a:buNone/>
-              <a:tabLst/>
-              <a:defRPr/>
-            </a:pPr>
-            <a:r>
-              <a:rPr lang="en-US" sz="1200" kern="1200" dirty="0" smtClean="0">
+              <a:t>CBS (Covered Bonds System) s’occupe du suivie et de la génération de rapports règlementaires  (monitoring et </a:t>
+            </a:r>
+            <a:r>
+              <a:rPr lang="fr-FR" sz="1200" kern="1200" dirty="0" err="1" smtClean="0">
                 <a:solidFill>
                   <a:schemeClr val="tx1"/>
                 </a:solidFill>
@@ -4728,10 +7727,10 @@
                 <a:ea typeface="+mn-ea"/>
                 <a:cs typeface="+mn-cs"/>
               </a:rPr>
-              <a:t>Business layer :</a:t>
-            </a:r>
-            <a:r>
-              <a:rPr lang="en-US" sz="1200" kern="1200" baseline="0" dirty="0" smtClean="0">
+              <a:t>reporting</a:t>
+            </a:r>
+            <a:r>
+              <a:rPr lang="fr-FR" sz="1200" kern="1200" dirty="0" smtClean="0">
                 <a:solidFill>
                   <a:schemeClr val="tx1"/>
                 </a:solidFill>
@@ -4739,589 +7738,8 @@
                 <a:ea typeface="+mn-ea"/>
                 <a:cs typeface="+mn-cs"/>
               </a:rPr>
-              <a:t> </a:t>
-            </a:r>
-            <a:r>
-              <a:rPr lang="en-US" sz="1200" b="1" kern="1200" dirty="0" smtClean="0">
-                <a:solidFill>
-                  <a:schemeClr val="tx1"/>
-                </a:solidFill>
-                <a:latin typeface="+mn-lt"/>
-                <a:ea typeface="+mn-ea"/>
-                <a:cs typeface="+mn-cs"/>
-              </a:rPr>
-              <a:t>User Authorization Business Logic</a:t>
-            </a:r>
-            <a:endParaRPr lang="en-US" sz="1200" kern="1200" dirty="0" smtClean="0">
-              <a:solidFill>
-                <a:schemeClr val="tx1"/>
-              </a:solidFill>
-              <a:latin typeface="+mn-lt"/>
-              <a:ea typeface="+mn-ea"/>
-              <a:cs typeface="+mn-cs"/>
-            </a:endParaRPr>
-          </a:p>
-          <a:p>
-            <a:pPr marL="0" marR="0" lvl="1" indent="0" algn="l" defTabSz="914400" rtl="0" eaLnBrk="1" fontAlgn="auto" latinLnBrk="0" hangingPunct="1">
-              <a:lnSpc>
-                <a:spcPct val="100000"/>
-              </a:lnSpc>
-              <a:spcBef>
-                <a:spcPts val="0"/>
-              </a:spcBef>
-              <a:spcAft>
-                <a:spcPts val="0"/>
-              </a:spcAft>
-              <a:buClrTx/>
-              <a:buSzTx/>
-              <a:buFontTx/>
-              <a:buNone/>
-              <a:tabLst/>
-              <a:defRPr/>
-            </a:pPr>
-            <a:r>
-              <a:rPr lang="en-US" sz="1200" kern="1200" dirty="0" smtClean="0">
-                <a:solidFill>
-                  <a:schemeClr val="tx1"/>
-                </a:solidFill>
-                <a:latin typeface="+mn-lt"/>
-                <a:ea typeface="+mn-ea"/>
-                <a:cs typeface="+mn-cs"/>
-              </a:rPr>
-              <a:t>Persistence layer</a:t>
-            </a:r>
-            <a:r>
-              <a:rPr lang="en-US" sz="1200" kern="1200" baseline="0" dirty="0" smtClean="0">
-                <a:solidFill>
-                  <a:schemeClr val="tx1"/>
-                </a:solidFill>
-                <a:latin typeface="+mn-lt"/>
-                <a:ea typeface="+mn-ea"/>
-                <a:cs typeface="+mn-cs"/>
-              </a:rPr>
-              <a:t> : </a:t>
-            </a:r>
-            <a:r>
-              <a:rPr lang="en-US" sz="1200" b="1" kern="1200" dirty="0" smtClean="0">
-                <a:solidFill>
-                  <a:schemeClr val="tx1"/>
-                </a:solidFill>
-                <a:latin typeface="+mn-lt"/>
-                <a:ea typeface="+mn-ea"/>
-                <a:cs typeface="+mn-cs"/>
-              </a:rPr>
-              <a:t>Data Model Data Access</a:t>
-            </a:r>
-            <a:endParaRPr lang="en-US" sz="1200" kern="1200" dirty="0" smtClean="0">
-              <a:solidFill>
-                <a:schemeClr val="tx1"/>
-              </a:solidFill>
-              <a:latin typeface="+mn-lt"/>
-              <a:ea typeface="+mn-ea"/>
-              <a:cs typeface="+mn-cs"/>
-            </a:endParaRPr>
-          </a:p>
-          <a:p>
-            <a:pPr marL="0" marR="0" lvl="1" indent="0" algn="l" defTabSz="914400" rtl="0" eaLnBrk="1" fontAlgn="auto" latinLnBrk="0" hangingPunct="1">
-              <a:lnSpc>
-                <a:spcPct val="100000"/>
-              </a:lnSpc>
-              <a:spcBef>
-                <a:spcPts val="0"/>
-              </a:spcBef>
-              <a:spcAft>
-                <a:spcPts val="0"/>
-              </a:spcAft>
-              <a:buClrTx/>
-              <a:buSzTx/>
-              <a:buFontTx/>
-              <a:buNone/>
-              <a:tabLst/>
-              <a:defRPr/>
-            </a:pPr>
-            <a:r>
-              <a:rPr lang="fr-FR" sz="1200" kern="1200" dirty="0" smtClean="0">
-                <a:solidFill>
-                  <a:schemeClr val="tx1"/>
-                </a:solidFill>
-                <a:latin typeface="+mn-lt"/>
-                <a:ea typeface="+mn-ea"/>
-                <a:cs typeface="+mn-cs"/>
-              </a:rPr>
-              <a:t>	HIBERNATE</a:t>
-            </a:r>
-          </a:p>
-          <a:p>
-            <a:pPr marL="0" marR="0" lvl="1" indent="0" algn="l" defTabSz="914400" rtl="0" eaLnBrk="1" fontAlgn="auto" latinLnBrk="0" hangingPunct="1">
-              <a:lnSpc>
-                <a:spcPct val="100000"/>
-              </a:lnSpc>
-              <a:spcBef>
-                <a:spcPts val="0"/>
-              </a:spcBef>
-              <a:spcAft>
-                <a:spcPts val="0"/>
-              </a:spcAft>
-              <a:buClrTx/>
-              <a:buSzTx/>
-              <a:buFontTx/>
-              <a:buNone/>
-              <a:tabLst/>
-              <a:defRPr/>
-            </a:pPr>
-            <a:r>
-              <a:rPr lang="fr-FR" sz="1200" kern="1200" baseline="0" dirty="0" smtClean="0">
-                <a:solidFill>
-                  <a:schemeClr val="tx1"/>
-                </a:solidFill>
-                <a:latin typeface="+mn-lt"/>
-                <a:ea typeface="+mn-ea"/>
-                <a:cs typeface="+mn-cs"/>
-              </a:rPr>
-              <a:t>          Oracle </a:t>
-            </a:r>
-            <a:r>
-              <a:rPr lang="fr-FR" sz="1200" kern="1200" baseline="0" dirty="0" err="1" smtClean="0">
-                <a:solidFill>
-                  <a:schemeClr val="tx1"/>
-                </a:solidFill>
-                <a:latin typeface="+mn-lt"/>
-                <a:ea typeface="+mn-ea"/>
-                <a:cs typeface="+mn-cs"/>
-              </a:rPr>
-              <a:t>Database</a:t>
-            </a:r>
-            <a:r>
-              <a:rPr lang="fr-FR" sz="1200" kern="1200" baseline="0" dirty="0" smtClean="0">
-                <a:solidFill>
-                  <a:schemeClr val="tx1"/>
-                </a:solidFill>
-                <a:latin typeface="+mn-lt"/>
-                <a:ea typeface="+mn-ea"/>
-                <a:cs typeface="+mn-cs"/>
-              </a:rPr>
-              <a:t> </a:t>
-            </a:r>
-          </a:p>
-          <a:p>
-            <a:pPr marL="0" marR="0" lvl="1" indent="0" algn="l" defTabSz="914400" rtl="0" eaLnBrk="1" fontAlgn="auto" latinLnBrk="0" hangingPunct="1">
-              <a:lnSpc>
-                <a:spcPct val="100000"/>
-              </a:lnSpc>
-              <a:spcBef>
-                <a:spcPts val="0"/>
-              </a:spcBef>
-              <a:spcAft>
-                <a:spcPts val="0"/>
-              </a:spcAft>
-              <a:buClrTx/>
-              <a:buSzTx/>
-              <a:buFontTx/>
-              <a:buNone/>
-              <a:tabLst/>
-              <a:defRPr/>
-            </a:pPr>
-            <a:endParaRPr lang="en-US" sz="1200" kern="1200" dirty="0" smtClean="0">
-              <a:solidFill>
-                <a:schemeClr val="tx1"/>
-              </a:solidFill>
-              <a:latin typeface="+mn-lt"/>
-              <a:ea typeface="+mn-ea"/>
-              <a:cs typeface="+mn-cs"/>
-            </a:endParaRPr>
-          </a:p>
-          <a:p>
-            <a:r>
-              <a:rPr lang="fr-FR" sz="1200" kern="1200" dirty="0" smtClean="0">
-                <a:solidFill>
-                  <a:schemeClr val="tx1"/>
-                </a:solidFill>
-                <a:latin typeface="+mn-lt"/>
-                <a:ea typeface="+mn-ea"/>
-                <a:cs typeface="+mn-cs"/>
-              </a:rPr>
-              <a:t>L’assemblement des couches est basé sur POJO ( plain </a:t>
-            </a:r>
-            <a:r>
-              <a:rPr lang="fr-FR" sz="1200" kern="1200" dirty="0" err="1" smtClean="0">
-                <a:solidFill>
-                  <a:schemeClr val="tx1"/>
-                </a:solidFill>
-                <a:latin typeface="+mn-lt"/>
-                <a:ea typeface="+mn-ea"/>
-                <a:cs typeface="+mn-cs"/>
-              </a:rPr>
-              <a:t>old</a:t>
-            </a:r>
-            <a:r>
-              <a:rPr lang="fr-FR" sz="1200" kern="1200" dirty="0" smtClean="0">
-                <a:solidFill>
-                  <a:schemeClr val="tx1"/>
-                </a:solidFill>
-                <a:latin typeface="+mn-lt"/>
-                <a:ea typeface="+mn-ea"/>
-                <a:cs typeface="+mn-cs"/>
-              </a:rPr>
-              <a:t> java </a:t>
-            </a:r>
-            <a:r>
-              <a:rPr lang="fr-FR" sz="1200" kern="1200" dirty="0" err="1" smtClean="0">
-                <a:solidFill>
-                  <a:schemeClr val="tx1"/>
-                </a:solidFill>
-                <a:latin typeface="+mn-lt"/>
-                <a:ea typeface="+mn-ea"/>
-                <a:cs typeface="+mn-cs"/>
-              </a:rPr>
-              <a:t>object</a:t>
-            </a:r>
-            <a:r>
-              <a:rPr lang="fr-FR" sz="1200" kern="1200" dirty="0" smtClean="0">
-                <a:solidFill>
-                  <a:schemeClr val="tx1"/>
-                </a:solidFill>
-                <a:latin typeface="+mn-lt"/>
-                <a:ea typeface="+mn-ea"/>
-                <a:cs typeface="+mn-cs"/>
-              </a:rPr>
-              <a:t> = </a:t>
-            </a:r>
-            <a:r>
-              <a:rPr lang="en-US" sz="1200" b="0" i="0" kern="1200" dirty="0" smtClean="0">
-                <a:solidFill>
-                  <a:schemeClr val="tx1"/>
-                </a:solidFill>
-                <a:latin typeface="+mn-lt"/>
-                <a:ea typeface="+mn-ea"/>
-                <a:cs typeface="+mn-cs"/>
-              </a:rPr>
-              <a:t> bon </a:t>
-            </a:r>
-            <a:r>
-              <a:rPr lang="en-US" sz="1200" b="0" i="0" kern="1200" dirty="0" err="1" smtClean="0">
-                <a:solidFill>
-                  <a:schemeClr val="tx1"/>
-                </a:solidFill>
-                <a:latin typeface="+mn-lt"/>
-                <a:ea typeface="+mn-ea"/>
-                <a:cs typeface="+mn-cs"/>
-              </a:rPr>
-              <a:t>vieil</a:t>
-            </a:r>
-            <a:r>
-              <a:rPr lang="en-US" sz="1200" b="0" i="0" kern="1200" dirty="0" smtClean="0">
-                <a:solidFill>
-                  <a:schemeClr val="tx1"/>
-                </a:solidFill>
-                <a:latin typeface="+mn-lt"/>
-                <a:ea typeface="+mn-ea"/>
-                <a:cs typeface="+mn-cs"/>
-              </a:rPr>
-              <a:t> objet Java.</a:t>
-            </a:r>
-            <a:r>
-              <a:rPr lang="en-US" sz="1200" b="0" i="0" kern="1200" baseline="0" dirty="0" smtClean="0">
-                <a:solidFill>
-                  <a:schemeClr val="tx1"/>
-                </a:solidFill>
-                <a:latin typeface="+mn-lt"/>
-                <a:ea typeface="+mn-ea"/>
-                <a:cs typeface="+mn-cs"/>
-              </a:rPr>
-              <a:t> </a:t>
-            </a:r>
-            <a:r>
-              <a:rPr lang="fr-FR" sz="1200" b="0" i="0" kern="1200" dirty="0" smtClean="0">
-                <a:solidFill>
-                  <a:schemeClr val="tx1"/>
-                </a:solidFill>
-                <a:latin typeface="+mn-lt"/>
-                <a:ea typeface="+mn-ea"/>
-                <a:cs typeface="+mn-cs"/>
-              </a:rPr>
-              <a:t> Cet acronyme est principalement utilisé pour faire référence à la simplicité d'utilisation d'un objet Java </a:t>
-            </a:r>
-            <a:r>
-              <a:rPr lang="en-US" sz="1200" b="0" i="0" kern="1200" dirty="0" smtClean="0">
-                <a:solidFill>
-                  <a:schemeClr val="tx1"/>
-                </a:solidFill>
-                <a:latin typeface="+mn-lt"/>
-                <a:ea typeface="+mn-ea"/>
-                <a:cs typeface="+mn-cs"/>
-              </a:rPr>
-              <a:t>)</a:t>
-            </a:r>
-            <a:r>
-              <a:rPr lang="en-US" sz="1200" b="0" i="0" kern="1200" baseline="0" dirty="0" smtClean="0">
-                <a:solidFill>
-                  <a:schemeClr val="tx1"/>
-                </a:solidFill>
-                <a:latin typeface="+mn-lt"/>
-                <a:ea typeface="+mn-ea"/>
-                <a:cs typeface="+mn-cs"/>
-              </a:rPr>
-              <a:t> </a:t>
-            </a:r>
-            <a:r>
-              <a:rPr lang="fr-FR" sz="1200" kern="1200" dirty="0" smtClean="0">
-                <a:solidFill>
-                  <a:schemeClr val="tx1"/>
-                </a:solidFill>
-                <a:latin typeface="+mn-lt"/>
-                <a:ea typeface="+mn-ea"/>
-                <a:cs typeface="+mn-cs"/>
-              </a:rPr>
-              <a:t>et utilise le Framework </a:t>
-            </a:r>
-            <a:r>
-              <a:rPr lang="fr-FR" sz="1200" kern="1200" dirty="0" err="1" smtClean="0">
-                <a:solidFill>
-                  <a:schemeClr val="tx1"/>
-                </a:solidFill>
-                <a:latin typeface="+mn-lt"/>
-                <a:ea typeface="+mn-ea"/>
-                <a:cs typeface="+mn-cs"/>
-              </a:rPr>
-              <a:t>Spring</a:t>
-            </a:r>
-            <a:r>
-              <a:rPr lang="fr-FR" sz="1200" kern="1200" dirty="0" smtClean="0">
-                <a:solidFill>
-                  <a:schemeClr val="tx1"/>
-                </a:solidFill>
-                <a:latin typeface="+mn-lt"/>
-                <a:ea typeface="+mn-ea"/>
-                <a:cs typeface="+mn-cs"/>
-              </a:rPr>
-              <a:t>.</a:t>
-            </a:r>
-            <a:endParaRPr lang="en-US" sz="1200" kern="1200" dirty="0" smtClean="0">
-              <a:solidFill>
-                <a:schemeClr val="tx1"/>
-              </a:solidFill>
-              <a:latin typeface="+mn-lt"/>
-              <a:ea typeface="+mn-ea"/>
-              <a:cs typeface="+mn-cs"/>
-            </a:endParaRPr>
-          </a:p>
-          <a:p>
-            <a:r>
-              <a:rPr lang="fr-FR" sz="1200" kern="1200" dirty="0" smtClean="0">
-                <a:solidFill>
-                  <a:schemeClr val="tx1"/>
-                </a:solidFill>
-                <a:latin typeface="+mn-lt"/>
-                <a:ea typeface="+mn-ea"/>
-                <a:cs typeface="+mn-cs"/>
-              </a:rPr>
-              <a:t>Les </a:t>
-            </a:r>
-            <a:r>
-              <a:rPr lang="fr-FR" sz="1200" kern="1200" dirty="0" err="1" smtClean="0">
-                <a:solidFill>
-                  <a:schemeClr val="tx1"/>
-                </a:solidFill>
-                <a:latin typeface="+mn-lt"/>
-                <a:ea typeface="+mn-ea"/>
-                <a:cs typeface="+mn-cs"/>
-              </a:rPr>
-              <a:t>Frameworks</a:t>
-            </a:r>
-            <a:r>
-              <a:rPr lang="fr-FR" sz="1200" kern="1200" dirty="0" smtClean="0">
-                <a:solidFill>
-                  <a:schemeClr val="tx1"/>
-                </a:solidFill>
-                <a:latin typeface="+mn-lt"/>
-                <a:ea typeface="+mn-ea"/>
-                <a:cs typeface="+mn-cs"/>
-              </a:rPr>
-              <a:t> qui sont utilisés dans chaque couche sont :</a:t>
-            </a:r>
-            <a:endParaRPr lang="en-US" sz="1200" kern="1200" dirty="0" smtClean="0">
-              <a:solidFill>
-                <a:schemeClr val="tx1"/>
-              </a:solidFill>
-              <a:latin typeface="+mn-lt"/>
-              <a:ea typeface="+mn-ea"/>
-              <a:cs typeface="+mn-cs"/>
-            </a:endParaRPr>
-          </a:p>
-          <a:p>
-            <a:pPr lvl="0"/>
-            <a:r>
-              <a:rPr lang="fr-FR" sz="1200" kern="1200" dirty="0" smtClean="0">
-                <a:solidFill>
-                  <a:schemeClr val="tx1"/>
-                </a:solidFill>
-                <a:latin typeface="+mn-lt"/>
-                <a:ea typeface="+mn-ea"/>
-                <a:cs typeface="+mn-cs"/>
-              </a:rPr>
-              <a:t>JPA et </a:t>
-            </a:r>
-            <a:r>
-              <a:rPr lang="fr-FR" sz="1200" kern="1200" dirty="0" err="1" smtClean="0">
-                <a:solidFill>
-                  <a:schemeClr val="tx1"/>
-                </a:solidFill>
-                <a:latin typeface="+mn-lt"/>
-                <a:ea typeface="+mn-ea"/>
-                <a:cs typeface="+mn-cs"/>
-              </a:rPr>
-              <a:t>Hibernate</a:t>
-            </a:r>
-            <a:r>
-              <a:rPr lang="fr-FR" sz="1200" kern="1200" dirty="0" smtClean="0">
-                <a:solidFill>
-                  <a:schemeClr val="tx1"/>
-                </a:solidFill>
-                <a:latin typeface="+mn-lt"/>
-                <a:ea typeface="+mn-ea"/>
-                <a:cs typeface="+mn-cs"/>
-              </a:rPr>
-              <a:t> 3 pour la couche de persistance.</a:t>
-            </a:r>
-            <a:endParaRPr lang="en-US" sz="1200" kern="1200" dirty="0" smtClean="0">
-              <a:solidFill>
-                <a:schemeClr val="tx1"/>
-              </a:solidFill>
-              <a:latin typeface="+mn-lt"/>
-              <a:ea typeface="+mn-ea"/>
-              <a:cs typeface="+mn-cs"/>
-            </a:endParaRPr>
-          </a:p>
-          <a:p>
-            <a:pPr lvl="0"/>
-            <a:r>
-              <a:rPr lang="fr-FR" sz="1200" kern="1200" dirty="0" err="1" smtClean="0">
-                <a:solidFill>
-                  <a:schemeClr val="tx1"/>
-                </a:solidFill>
-                <a:latin typeface="+mn-lt"/>
-                <a:ea typeface="+mn-ea"/>
-                <a:cs typeface="+mn-cs"/>
-              </a:rPr>
-              <a:t>Spring</a:t>
-            </a:r>
-            <a:r>
-              <a:rPr lang="fr-FR" sz="1200" kern="1200" dirty="0" smtClean="0">
-                <a:solidFill>
-                  <a:schemeClr val="tx1"/>
-                </a:solidFill>
-                <a:latin typeface="+mn-lt"/>
-                <a:ea typeface="+mn-ea"/>
-                <a:cs typeface="+mn-cs"/>
-              </a:rPr>
-              <a:t>, </a:t>
-            </a:r>
-            <a:r>
-              <a:rPr lang="fr-FR" sz="1200" kern="1200" dirty="0" err="1" smtClean="0">
-                <a:solidFill>
-                  <a:schemeClr val="tx1"/>
-                </a:solidFill>
-                <a:latin typeface="+mn-lt"/>
-                <a:ea typeface="+mn-ea"/>
-                <a:cs typeface="+mn-cs"/>
-              </a:rPr>
-              <a:t>Spring</a:t>
-            </a:r>
-            <a:r>
-              <a:rPr lang="fr-FR" sz="1200" kern="1200" dirty="0" smtClean="0">
-                <a:solidFill>
-                  <a:schemeClr val="tx1"/>
-                </a:solidFill>
-                <a:latin typeface="+mn-lt"/>
-                <a:ea typeface="+mn-ea"/>
-                <a:cs typeface="+mn-cs"/>
-              </a:rPr>
-              <a:t> MVC, JSP, </a:t>
-            </a:r>
-            <a:r>
-              <a:rPr lang="fr-FR" sz="1200" kern="1200" dirty="0" err="1" smtClean="0">
-                <a:solidFill>
-                  <a:schemeClr val="tx1"/>
-                </a:solidFill>
-                <a:latin typeface="+mn-lt"/>
-                <a:ea typeface="+mn-ea"/>
-                <a:cs typeface="+mn-cs"/>
-              </a:rPr>
-              <a:t>Aspose</a:t>
-            </a:r>
-            <a:r>
-              <a:rPr lang="fr-FR" sz="1200" kern="1200" dirty="0" smtClean="0">
-                <a:solidFill>
-                  <a:schemeClr val="tx1"/>
-                </a:solidFill>
-                <a:latin typeface="+mn-lt"/>
-                <a:ea typeface="+mn-ea"/>
-                <a:cs typeface="+mn-cs"/>
-              </a:rPr>
-              <a:t> pour les deux couches : présentation et métier.</a:t>
-            </a:r>
-            <a:endParaRPr lang="en-US" sz="1200" kern="1200" dirty="0" smtClean="0">
-              <a:solidFill>
-                <a:schemeClr val="tx1"/>
-              </a:solidFill>
-              <a:latin typeface="+mn-lt"/>
-              <a:ea typeface="+mn-ea"/>
-              <a:cs typeface="+mn-cs"/>
-            </a:endParaRPr>
-          </a:p>
-          <a:p>
-            <a:pPr marL="0" marR="0" lvl="1" indent="0" algn="l" defTabSz="914400" rtl="0" eaLnBrk="1" fontAlgn="auto" latinLnBrk="0" hangingPunct="1">
-              <a:lnSpc>
-                <a:spcPct val="100000"/>
-              </a:lnSpc>
-              <a:spcBef>
-                <a:spcPts val="0"/>
-              </a:spcBef>
-              <a:spcAft>
-                <a:spcPts val="0"/>
-              </a:spcAft>
-              <a:buClrTx/>
-              <a:buSzTx/>
-              <a:buFontTx/>
-              <a:buNone/>
-              <a:tabLst/>
-              <a:defRPr/>
-            </a:pPr>
-            <a:endParaRPr lang="en-US" sz="1200" kern="1200" dirty="0" smtClean="0">
-              <a:solidFill>
-                <a:schemeClr val="tx1"/>
-              </a:solidFill>
-              <a:latin typeface="+mn-lt"/>
-              <a:ea typeface="+mn-ea"/>
-              <a:cs typeface="+mn-cs"/>
-            </a:endParaRPr>
-          </a:p>
-          <a:p>
-            <a:pPr marL="0" marR="0" lvl="1" indent="0" algn="l" defTabSz="914400" rtl="0" eaLnBrk="1" fontAlgn="auto" latinLnBrk="0" hangingPunct="1">
-              <a:lnSpc>
-                <a:spcPct val="100000"/>
-              </a:lnSpc>
-              <a:spcBef>
-                <a:spcPts val="0"/>
-              </a:spcBef>
-              <a:spcAft>
-                <a:spcPts val="0"/>
-              </a:spcAft>
-              <a:buClrTx/>
-              <a:buSzTx/>
-              <a:buFontTx/>
-              <a:buNone/>
-              <a:tabLst/>
-              <a:defRPr/>
-            </a:pPr>
-            <a:endParaRPr lang="en-US" sz="1200" kern="1200" dirty="0" smtClean="0">
-              <a:solidFill>
-                <a:schemeClr val="tx1"/>
-              </a:solidFill>
-              <a:latin typeface="+mn-lt"/>
-              <a:ea typeface="+mn-ea"/>
-              <a:cs typeface="+mn-cs"/>
-            </a:endParaRPr>
+              <a:t>). </a:t>
+            </a:r>
           </a:p>
           <a:p>
             <a:pPr marL="0" marR="0" indent="0" algn="l" defTabSz="914400" rtl="0" eaLnBrk="1" fontAlgn="auto" latinLnBrk="0" hangingPunct="1">
@@ -5341,6 +7759,17 @@
               <a:tabLst/>
               <a:defRPr/>
             </a:pPr>
+            <a:r>
+              <a:rPr lang="fr-FR" sz="1200" kern="1200" dirty="0" smtClean="0">
+                <a:solidFill>
+                  <a:schemeClr val="tx1"/>
+                </a:solidFill>
+                <a:latin typeface="+mn-lt"/>
+                <a:ea typeface="+mn-ea"/>
+                <a:cs typeface="+mn-cs"/>
+              </a:rPr>
+              <a:t>Le principe est d’émettre des obligations à partir d’autres entités SG indépendante juridiquement du groupe Société Générale. Celles-ci reçoivent des prêts de la SG en collatéral, ce qui leur permet de couvrir intégralement le risque et donc de pouvoir émettre des obligations notées AAA (ce qui est plus compétitif que si la SG émettait elle-même directement). Les entités peuvent ensuite fournir le montant de l’obligation émise directement à la SG avec l’argent récupéré des investisseurs.</a:t>
+            </a:r>
             <a:endParaRPr lang="en-US" sz="1200" kern="1200" dirty="0" smtClean="0">
               <a:solidFill>
                 <a:schemeClr val="tx1"/>
@@ -5351,10 +7780,6 @@
             </a:endParaRPr>
           </a:p>
           <a:p>
-            <a:r>
-              <a:rPr lang="fr-FR" dirty="0" smtClean="0"/>
-              <a:t> </a:t>
-            </a:r>
             <a:endParaRPr lang="en-US" dirty="0"/>
           </a:p>
         </p:txBody>
@@ -5377,7 +7802,7 @@
             <a:fld id="{CF597FD4-EEB4-40D7-A349-F18C1F1FFB9D}" type="slidenum">
               <a:rPr lang="fr-FR" smtClean="0"/>
               <a:pPr/>
-              <a:t>15</a:t>
+              <a:t>10</a:t>
             </a:fld>
             <a:endParaRPr lang="fr-FR"/>
           </a:p>
@@ -5437,25 +7862,9 @@
           </a:bodyPr>
           <a:lstStyle/>
           <a:p>
-            <a:pPr marL="0" marR="0" indent="0" algn="l" defTabSz="914400" rtl="0" eaLnBrk="1" fontAlgn="auto" latinLnBrk="0" hangingPunct="1">
-              <a:lnSpc>
-                <a:spcPct val="100000"/>
-              </a:lnSpc>
-              <a:spcBef>
-                <a:spcPts val="0"/>
-              </a:spcBef>
-              <a:spcAft>
-                <a:spcPts val="0"/>
-              </a:spcAft>
-              <a:buClrTx/>
-              <a:buSzTx/>
-              <a:buFontTx/>
-              <a:buNone/>
-              <a:tabLst/>
-              <a:defRPr/>
-            </a:pPr>
-            <a:r>
-              <a:rPr lang="fr-FR" sz="1200" kern="1200" dirty="0" smtClean="0">
+            <a:pPr lvl="2"/>
+            <a:r>
+              <a:rPr lang="fr-FR" sz="1200" u="sng" kern="1200" dirty="0" smtClean="0">
                 <a:solidFill>
                   <a:schemeClr val="tx1"/>
                 </a:solidFill>
@@ -5463,7 +7872,28 @@
                 <a:ea typeface="+mn-ea"/>
                 <a:cs typeface="+mn-cs"/>
               </a:rPr>
-              <a:t>Au sein d’ITEC, l’entité FCC/OSD/SCM gère les projets d’évolution ainsi que la maintenance de toutes les applications (TDA, CBS, B3S, SLA Web, ANTALIS) couvrant ces secteurs.</a:t>
+              <a:t>Besoins non-fonctionnels :</a:t>
+            </a:r>
+            <a:endParaRPr lang="en-US" sz="1100" kern="1200" dirty="0" smtClean="0">
+              <a:solidFill>
+                <a:schemeClr val="tx1"/>
+              </a:solidFill>
+              <a:latin typeface="+mn-lt"/>
+              <a:ea typeface="+mn-ea"/>
+              <a:cs typeface="+mn-cs"/>
+            </a:endParaRPr>
+          </a:p>
+          <a:p>
+            <a:r>
+              <a:rPr lang="fr-FR" sz="1200" kern="1200" dirty="0" smtClean="0">
+                <a:solidFill>
+                  <a:schemeClr val="tx1"/>
+                </a:solidFill>
+                <a:latin typeface="+mn-lt"/>
+                <a:ea typeface="+mn-ea"/>
+                <a:cs typeface="+mn-cs"/>
+              </a:rPr>
+              <a:t>Ces besoins permettent un bon fonctionnement de l’application. Nous avons :</a:t>
             </a:r>
             <a:endParaRPr lang="en-US" sz="1200" kern="1200" dirty="0" smtClean="0">
               <a:solidFill>
@@ -5475,6 +7905,7 @@
             </a:endParaRPr>
           </a:p>
           <a:p>
+            <a:pPr lvl="0"/>
             <a:r>
               <a:rPr lang="fr-FR" sz="1200" kern="1200" dirty="0" smtClean="0">
                 <a:solidFill>
@@ -5484,12 +7915,10 @@
                 <a:ea typeface="+mn-ea"/>
                 <a:cs typeface="+mn-cs"/>
               </a:rPr>
-              <a:t>L’intégration continue est un ensemble de bonnes pratiques utilisé dans l’entité FCC/OSD/SCM afin d’améliorer la qualité du code et le produit final. En effet, à chaque modification du code source, on vérifie que le résultat des modifications ne produit pas de régression dans les applications. Le but principal est de détecter les problèmes d’intégration lors du développement</a:t>
-            </a:r>
-          </a:p>
-          <a:p>
-            <a:r>
-              <a:rPr lang="fr-FR" sz="1200" kern="1200" dirty="0" smtClean="0">
+              <a:t>La sécurité </a:t>
+            </a:r>
+            <a:r>
+              <a:rPr lang="en-US" sz="1200" kern="1200" baseline="0" dirty="0" smtClean="0">
                 <a:solidFill>
                   <a:schemeClr val="tx1"/>
                 </a:solidFill>
@@ -5497,10 +7926,10 @@
                 <a:ea typeface="+mn-ea"/>
                 <a:cs typeface="+mn-cs"/>
               </a:rPr>
-              <a:t>Cette intégration repose sur la mise en place d’une brique logicielle, qui permet par exemple , le lancement des tests unitaires et fonctionnels, qualité du code et rafraichissement des bases de données (DB </a:t>
-            </a:r>
-            <a:r>
-              <a:rPr lang="fr-FR" sz="1200" kern="1200" dirty="0" err="1" smtClean="0">
+              <a:t> : </a:t>
+            </a:r>
+            <a:r>
+              <a:rPr lang="fr-FR" sz="1200" kern="1200" dirty="0" smtClean="0">
                 <a:solidFill>
                   <a:schemeClr val="tx1"/>
                 </a:solidFill>
@@ -5508,8 +7937,19 @@
                 <a:ea typeface="+mn-ea"/>
                 <a:cs typeface="+mn-cs"/>
               </a:rPr>
-              <a:t>refresh</a:t>
-            </a:r>
+              <a:t>Etablissement de la connexion selon les règles d’autorisation</a:t>
+            </a:r>
+            <a:endParaRPr lang="en-US" sz="1200" kern="1200" dirty="0" smtClean="0">
+              <a:solidFill>
+                <a:schemeClr val="tx1"/>
+              </a:solidFill>
+              <a:latin typeface="+mn-lt"/>
+              <a:ea typeface="+mn-ea"/>
+              <a:cs typeface="+mn-cs"/>
+            </a:endParaRPr>
+          </a:p>
+          <a:p>
+            <a:pPr lvl="0"/>
             <a:r>
               <a:rPr lang="fr-FR" sz="1200" kern="1200" dirty="0" smtClean="0">
                 <a:solidFill>
@@ -5519,8 +7959,238 @@
                 <a:ea typeface="+mn-ea"/>
                 <a:cs typeface="+mn-cs"/>
               </a:rPr>
-              <a:t>). </a:t>
-            </a:r>
+              <a:t>	Demande de mot de passe et d’identifiant avant chaque connexion</a:t>
+            </a:r>
+            <a:endParaRPr lang="en-US" sz="1200" kern="1200" dirty="0" smtClean="0">
+              <a:solidFill>
+                <a:schemeClr val="tx1"/>
+              </a:solidFill>
+              <a:latin typeface="+mn-lt"/>
+              <a:ea typeface="+mn-ea"/>
+              <a:cs typeface="+mn-cs"/>
+            </a:endParaRPr>
+          </a:p>
+          <a:p>
+            <a:pPr lvl="0"/>
+            <a:r>
+              <a:rPr lang="fr-FR" sz="1200" kern="1200" dirty="0" smtClean="0">
+                <a:solidFill>
+                  <a:schemeClr val="tx1"/>
+                </a:solidFill>
+                <a:latin typeface="+mn-lt"/>
+                <a:ea typeface="+mn-ea"/>
+                <a:cs typeface="+mn-cs"/>
+              </a:rPr>
+              <a:t>Performance :</a:t>
+            </a:r>
+            <a:endParaRPr lang="en-US" sz="1200" kern="1200" dirty="0" smtClean="0">
+              <a:solidFill>
+                <a:schemeClr val="tx1"/>
+              </a:solidFill>
+              <a:latin typeface="+mn-lt"/>
+              <a:ea typeface="+mn-ea"/>
+              <a:cs typeface="+mn-cs"/>
+            </a:endParaRPr>
+          </a:p>
+          <a:p>
+            <a:pPr lvl="0"/>
+            <a:r>
+              <a:rPr lang="fr-FR" sz="1200" kern="1200" dirty="0" smtClean="0">
+                <a:solidFill>
+                  <a:schemeClr val="tx1"/>
+                </a:solidFill>
+                <a:latin typeface="+mn-lt"/>
+                <a:ea typeface="+mn-ea"/>
+                <a:cs typeface="+mn-cs"/>
+              </a:rPr>
+              <a:t>	Respect du temps de réponse </a:t>
+            </a:r>
+            <a:r>
+              <a:rPr lang="en-US" sz="1200" kern="1200" dirty="0" smtClean="0">
+                <a:solidFill>
+                  <a:schemeClr val="tx1"/>
+                </a:solidFill>
+                <a:latin typeface="+mn-lt"/>
+                <a:ea typeface="+mn-ea"/>
+                <a:cs typeface="+mn-cs"/>
+              </a:rPr>
+              <a:t>: </a:t>
+            </a:r>
+            <a:r>
+              <a:rPr lang="fr-FR" sz="1200" kern="1200" dirty="0" smtClean="0">
+                <a:solidFill>
+                  <a:schemeClr val="tx1"/>
+                </a:solidFill>
+                <a:latin typeface="+mn-lt"/>
+                <a:ea typeface="+mn-ea"/>
+                <a:cs typeface="+mn-cs"/>
+              </a:rPr>
+              <a:t>ouverture d’écrans et de délais de rafraîchissement</a:t>
+            </a:r>
+            <a:endParaRPr lang="en-US" sz="1200" kern="1200" dirty="0" smtClean="0">
+              <a:solidFill>
+                <a:schemeClr val="tx1"/>
+              </a:solidFill>
+              <a:latin typeface="+mn-lt"/>
+              <a:ea typeface="+mn-ea"/>
+              <a:cs typeface="+mn-cs"/>
+            </a:endParaRPr>
+          </a:p>
+          <a:p>
+            <a:pPr lvl="0"/>
+            <a:r>
+              <a:rPr lang="fr-FR" sz="1200" kern="1200" dirty="0" smtClean="0">
+                <a:solidFill>
+                  <a:schemeClr val="tx1"/>
+                </a:solidFill>
+                <a:latin typeface="+mn-lt"/>
+                <a:ea typeface="+mn-ea"/>
+                <a:cs typeface="+mn-cs"/>
+              </a:rPr>
+              <a:t>	Performance en temps de traitements (fonctions, calculs, importations/exportation de données…</a:t>
+            </a:r>
+            <a:endParaRPr lang="en-US" sz="1200" kern="1200" dirty="0" smtClean="0">
+              <a:solidFill>
+                <a:schemeClr val="tx1"/>
+              </a:solidFill>
+              <a:latin typeface="+mn-lt"/>
+              <a:ea typeface="+mn-ea"/>
+              <a:cs typeface="+mn-cs"/>
+            </a:endParaRPr>
+          </a:p>
+          <a:p>
+            <a:pPr lvl="0"/>
+            <a:endParaRPr lang="fr-FR" sz="1200" kern="1200" dirty="0" smtClean="0">
+              <a:solidFill>
+                <a:schemeClr val="tx1"/>
+              </a:solidFill>
+              <a:latin typeface="+mn-lt"/>
+              <a:ea typeface="+mn-ea"/>
+              <a:cs typeface="+mn-cs"/>
+            </a:endParaRPr>
+          </a:p>
+          <a:p>
+            <a:pPr lvl="0"/>
+            <a:r>
+              <a:rPr lang="fr-FR" sz="1200" kern="1200" dirty="0" smtClean="0">
+                <a:solidFill>
+                  <a:schemeClr val="tx1"/>
+                </a:solidFill>
+                <a:latin typeface="+mn-lt"/>
+                <a:ea typeface="+mn-ea"/>
+                <a:cs typeface="+mn-cs"/>
+              </a:rPr>
+              <a:t>Structure : permet la gestion/suivie de l’ensemble des instruments (prêts, obligation)</a:t>
+            </a:r>
+            <a:endParaRPr lang="en-US" sz="1200" kern="1200" dirty="0" smtClean="0">
+              <a:solidFill>
+                <a:schemeClr val="tx1"/>
+              </a:solidFill>
+              <a:latin typeface="+mn-lt"/>
+              <a:ea typeface="+mn-ea"/>
+              <a:cs typeface="+mn-cs"/>
+            </a:endParaRPr>
+          </a:p>
+          <a:p>
+            <a:pPr lvl="0"/>
+            <a:r>
+              <a:rPr lang="fr-FR" sz="1200" kern="1200" dirty="0" smtClean="0">
+                <a:solidFill>
+                  <a:schemeClr val="tx1"/>
+                </a:solidFill>
+                <a:latin typeface="+mn-lt"/>
+                <a:ea typeface="+mn-ea"/>
+                <a:cs typeface="+mn-cs"/>
+              </a:rPr>
+              <a:t>Pilotage and </a:t>
+            </a:r>
+            <a:r>
+              <a:rPr lang="en-US" sz="1200" kern="1200" dirty="0" smtClean="0">
+                <a:solidFill>
+                  <a:schemeClr val="tx1"/>
+                </a:solidFill>
+                <a:latin typeface="+mn-lt"/>
+                <a:ea typeface="+mn-ea"/>
+                <a:cs typeface="+mn-cs"/>
+              </a:rPr>
+              <a:t>Reporting</a:t>
+            </a:r>
+            <a:r>
+              <a:rPr lang="fr-FR" sz="1200" kern="1200" dirty="0" smtClean="0">
+                <a:solidFill>
+                  <a:schemeClr val="tx1"/>
+                </a:solidFill>
+                <a:latin typeface="+mn-lt"/>
+                <a:ea typeface="+mn-ea"/>
+                <a:cs typeface="+mn-cs"/>
+              </a:rPr>
+              <a:t> : permet à l’utilisateur de générer tous les rapports réglementaires dans l’application </a:t>
+            </a:r>
+            <a:endParaRPr lang="en-US" sz="1200" kern="1200" dirty="0" smtClean="0">
+              <a:solidFill>
+                <a:schemeClr val="tx1"/>
+              </a:solidFill>
+              <a:latin typeface="+mn-lt"/>
+              <a:ea typeface="+mn-ea"/>
+              <a:cs typeface="+mn-cs"/>
+            </a:endParaRPr>
+          </a:p>
+          <a:p>
+            <a:pPr lvl="0"/>
+            <a:r>
+              <a:rPr lang="fr-FR" sz="1200" kern="1200" dirty="0" err="1" smtClean="0">
+                <a:solidFill>
+                  <a:schemeClr val="tx1"/>
+                </a:solidFill>
+                <a:latin typeface="+mn-lt"/>
+                <a:ea typeface="+mn-ea"/>
+                <a:cs typeface="+mn-cs"/>
+              </a:rPr>
+              <a:t>Referentials</a:t>
+            </a:r>
+            <a:r>
+              <a:rPr lang="fr-FR" sz="1200" kern="1200" dirty="0" smtClean="0">
+                <a:solidFill>
+                  <a:schemeClr val="tx1"/>
+                </a:solidFill>
+                <a:latin typeface="+mn-lt"/>
+                <a:ea typeface="+mn-ea"/>
+                <a:cs typeface="+mn-cs"/>
+              </a:rPr>
+              <a:t> : gère les référentiels tiers et privatifs</a:t>
+            </a:r>
+            <a:endParaRPr lang="en-US" sz="1200" kern="1200" dirty="0" smtClean="0">
+              <a:solidFill>
+                <a:schemeClr val="tx1"/>
+              </a:solidFill>
+              <a:latin typeface="+mn-lt"/>
+              <a:ea typeface="+mn-ea"/>
+              <a:cs typeface="+mn-cs"/>
+            </a:endParaRPr>
+          </a:p>
+          <a:p>
+            <a:pPr lvl="0"/>
+            <a:r>
+              <a:rPr lang="fr-FR" sz="1200" kern="1200" dirty="0" smtClean="0">
+                <a:solidFill>
+                  <a:schemeClr val="tx1"/>
+                </a:solidFill>
+                <a:latin typeface="+mn-lt"/>
+                <a:ea typeface="+mn-ea"/>
+                <a:cs typeface="+mn-cs"/>
+              </a:rPr>
+              <a:t>Administration : gère les droits d’utilisateurs </a:t>
+            </a:r>
+            <a:endParaRPr lang="en-US" sz="1200" kern="1200" dirty="0" smtClean="0">
+              <a:solidFill>
+                <a:schemeClr val="tx1"/>
+              </a:solidFill>
+              <a:latin typeface="+mn-lt"/>
+              <a:ea typeface="+mn-ea"/>
+              <a:cs typeface="+mn-cs"/>
+            </a:endParaRPr>
+          </a:p>
+          <a:p>
             <a:endParaRPr lang="en-US" dirty="0"/>
           </a:p>
         </p:txBody>
@@ -5543,7 +8213,243 @@
             <a:fld id="{CF597FD4-EEB4-40D7-A349-F18C1F1FFB9D}" type="slidenum">
               <a:rPr lang="fr-FR" smtClean="0"/>
               <a:pPr/>
-              <a:t>19</a:t>
+              <a:t>11</a:t>
+            </a:fld>
+            <a:endParaRPr lang="fr-FR"/>
+          </a:p>
+        </p:txBody>
+      </p:sp>
+    </p:spTree>
+  </p:cSld>
+  <p:clrMapOvr>
+    <a:masterClrMapping/>
+  </p:clrMapOvr>
+</p:notes>
+</file>
+
+<file path=ppt/notesSlides/notesSlide9.xml><?xml version="1.0" encoding="utf-8"?>
+<p:notes xmlns:a="http://schemas.openxmlformats.org/drawingml/2006/main" xmlns:r="http://schemas.openxmlformats.org/officeDocument/2006/relationships" xmlns:p="http://schemas.openxmlformats.org/presentationml/2006/main">
+  <p:cSld>
+    <p:spTree>
+      <p:nvGrpSpPr>
+        <p:cNvPr id="1" name=""/>
+        <p:cNvGrpSpPr/>
+        <p:nvPr/>
+      </p:nvGrpSpPr>
+      <p:grpSpPr>
+        <a:xfrm>
+          <a:off x="0" y="0"/>
+          <a:ext cx="0" cy="0"/>
+          <a:chOff x="0" y="0"/>
+          <a:chExt cx="0" cy="0"/>
+        </a:xfrm>
+      </p:grpSpPr>
+      <p:sp>
+        <p:nvSpPr>
+          <p:cNvPr id="2" name="Slide Image Placeholder 1"/>
+          <p:cNvSpPr>
+            <a:spLocks noGrp="1" noRot="1" noChangeAspect="1"/>
+          </p:cNvSpPr>
+          <p:nvPr>
+            <p:ph type="sldImg"/>
+          </p:nvPr>
+        </p:nvSpPr>
+        <p:spPr/>
+      </p:sp>
+      <p:sp>
+        <p:nvSpPr>
+          <p:cNvPr id="3" name="Notes Placeholder 2"/>
+          <p:cNvSpPr>
+            <a:spLocks noGrp="1"/>
+          </p:cNvSpPr>
+          <p:nvPr>
+            <p:ph type="body" idx="1"/>
+          </p:nvPr>
+        </p:nvSpPr>
+        <p:spPr/>
+        <p:txBody>
+          <a:bodyPr>
+            <a:normAutofit/>
+          </a:bodyPr>
+          <a:lstStyle/>
+          <a:p>
+            <a:pPr lvl="0"/>
+            <a:r>
+              <a:rPr lang="fr-FR" sz="1200" kern="1200" dirty="0" smtClean="0">
+                <a:solidFill>
+                  <a:schemeClr val="tx1"/>
+                </a:solidFill>
+                <a:latin typeface="+mn-lt"/>
+                <a:ea typeface="+mn-ea"/>
+                <a:cs typeface="+mn-cs"/>
+              </a:rPr>
+              <a:t>Les utilisateurs 	</a:t>
+            </a:r>
+            <a:endParaRPr lang="en-US" sz="1200" kern="1200" dirty="0" smtClean="0">
+              <a:solidFill>
+                <a:schemeClr val="tx1"/>
+              </a:solidFill>
+              <a:latin typeface="+mn-lt"/>
+              <a:ea typeface="+mn-ea"/>
+              <a:cs typeface="+mn-cs"/>
+            </a:endParaRPr>
+          </a:p>
+          <a:p>
+            <a:pPr lvl="0"/>
+            <a:r>
+              <a:rPr lang="fr-FR" sz="1200" kern="1200" dirty="0" smtClean="0">
+                <a:solidFill>
+                  <a:schemeClr val="tx1"/>
+                </a:solidFill>
+                <a:latin typeface="+mn-lt"/>
+                <a:ea typeface="+mn-ea"/>
+                <a:cs typeface="+mn-cs"/>
+              </a:rPr>
+              <a:t>Membres de la Société Générale</a:t>
+            </a:r>
+            <a:endParaRPr lang="en-US" sz="1200" kern="1200" dirty="0" smtClean="0">
+              <a:solidFill>
+                <a:schemeClr val="tx1"/>
+              </a:solidFill>
+              <a:latin typeface="+mn-lt"/>
+              <a:ea typeface="+mn-ea"/>
+              <a:cs typeface="+mn-cs"/>
+            </a:endParaRPr>
+          </a:p>
+          <a:p>
+            <a:pPr lvl="0"/>
+            <a:r>
+              <a:rPr lang="fr-FR" sz="1200" kern="1200" dirty="0" smtClean="0">
+                <a:solidFill>
+                  <a:schemeClr val="tx1"/>
+                </a:solidFill>
+                <a:latin typeface="+mn-lt"/>
+                <a:ea typeface="+mn-ea"/>
+                <a:cs typeface="+mn-cs"/>
+              </a:rPr>
+              <a:t>Nombre par emplacement et par entité : 20 maximums à Paris</a:t>
+            </a:r>
+            <a:endParaRPr lang="en-US" sz="1200" kern="1200" dirty="0" smtClean="0">
+              <a:solidFill>
+                <a:schemeClr val="tx1"/>
+              </a:solidFill>
+              <a:latin typeface="+mn-lt"/>
+              <a:ea typeface="+mn-ea"/>
+              <a:cs typeface="+mn-cs"/>
+            </a:endParaRPr>
+          </a:p>
+          <a:p>
+            <a:pPr lvl="0"/>
+            <a:r>
+              <a:rPr lang="fr-FR" sz="1200" kern="1200" dirty="0" smtClean="0">
+                <a:solidFill>
+                  <a:schemeClr val="tx1"/>
+                </a:solidFill>
+                <a:latin typeface="+mn-lt"/>
+                <a:ea typeface="+mn-ea"/>
+                <a:cs typeface="+mn-cs"/>
+              </a:rPr>
+              <a:t>Pas d’utilisateurs international ni externe à la SG (le projet n’est pas ouvert sur internet)</a:t>
+            </a:r>
+            <a:endParaRPr lang="en-US" sz="1200" kern="1200" dirty="0" smtClean="0">
+              <a:solidFill>
+                <a:schemeClr val="tx1"/>
+              </a:solidFill>
+              <a:latin typeface="+mn-lt"/>
+              <a:ea typeface="+mn-ea"/>
+              <a:cs typeface="+mn-cs"/>
+            </a:endParaRPr>
+          </a:p>
+          <a:p>
+            <a:pPr lvl="0"/>
+            <a:r>
+              <a:rPr lang="fr-FR" sz="1200" kern="1200" dirty="0" smtClean="0">
+                <a:solidFill>
+                  <a:schemeClr val="tx1"/>
+                </a:solidFill>
+                <a:latin typeface="+mn-lt"/>
+                <a:ea typeface="+mn-ea"/>
+                <a:cs typeface="+mn-cs"/>
+              </a:rPr>
+              <a:t>Possèdent les droits de lecture et/ou d’écriture. </a:t>
+            </a:r>
+            <a:endParaRPr lang="en-US" sz="1200" kern="1200" dirty="0" smtClean="0">
+              <a:solidFill>
+                <a:schemeClr val="tx1"/>
+              </a:solidFill>
+              <a:latin typeface="+mn-lt"/>
+              <a:ea typeface="+mn-ea"/>
+              <a:cs typeface="+mn-cs"/>
+            </a:endParaRPr>
+          </a:p>
+          <a:p>
+            <a:pPr lvl="0"/>
+            <a:r>
+              <a:rPr lang="fr-FR" sz="1200" kern="1200" dirty="0" smtClean="0">
+                <a:solidFill>
+                  <a:schemeClr val="tx1"/>
+                </a:solidFill>
+                <a:latin typeface="+mn-lt"/>
+                <a:ea typeface="+mn-ea"/>
+                <a:cs typeface="+mn-cs"/>
+              </a:rPr>
+              <a:t>Administrateurs : avec un double accès à l’application, ils gèrent les utilisateurs et possèdent les droits d’écriture et de lecture des données de l’application  </a:t>
+            </a:r>
+            <a:endParaRPr lang="en-US" sz="1200" kern="1200" dirty="0" smtClean="0">
+              <a:solidFill>
+                <a:schemeClr val="tx1"/>
+              </a:solidFill>
+              <a:latin typeface="+mn-lt"/>
+              <a:ea typeface="+mn-ea"/>
+              <a:cs typeface="+mn-cs"/>
+            </a:endParaRPr>
+          </a:p>
+          <a:p>
+            <a:pPr lvl="0"/>
+            <a:r>
+              <a:rPr lang="fr-FR" sz="1200" kern="1200" dirty="0" smtClean="0">
+                <a:solidFill>
+                  <a:schemeClr val="tx1"/>
+                </a:solidFill>
+                <a:latin typeface="+mn-lt"/>
+                <a:ea typeface="+mn-ea"/>
+                <a:cs typeface="+mn-cs"/>
+              </a:rPr>
+              <a:t>L’équipe Support : qui assure le suivi des données de production</a:t>
+            </a:r>
+            <a:endParaRPr lang="en-US" sz="1200" kern="1200" dirty="0" smtClean="0">
+              <a:solidFill>
+                <a:schemeClr val="tx1"/>
+              </a:solidFill>
+              <a:latin typeface="+mn-lt"/>
+              <a:ea typeface="+mn-ea"/>
+              <a:cs typeface="+mn-cs"/>
+            </a:endParaRPr>
+          </a:p>
+          <a:p>
+            <a:endParaRPr lang="en-US" dirty="0"/>
+          </a:p>
+        </p:txBody>
+      </p:sp>
+      <p:sp>
+        <p:nvSpPr>
+          <p:cNvPr id="4" name="Slide Number Placeholder 3"/>
+          <p:cNvSpPr>
+            <a:spLocks noGrp="1"/>
+          </p:cNvSpPr>
+          <p:nvPr>
+            <p:ph type="sldNum" sz="quarter" idx="10"/>
+          </p:nvPr>
+        </p:nvSpPr>
+        <p:spPr/>
+        <p:txBody>
+          <a:bodyPr/>
+          <a:lstStyle/>
+          <a:p>
+            <a:fld id="{CF597FD4-EEB4-40D7-A349-F18C1F1FFB9D}" type="slidenum">
+              <a:rPr lang="fr-FR" smtClean="0"/>
+              <a:pPr/>
+              <a:t>12</a:t>
             </a:fld>
             <a:endParaRPr lang="fr-FR"/>
           </a:p>
@@ -19273,7 +22179,21 @@
                 <a:latin typeface="Calibri" pitchFamily="34" charset="0"/>
                 <a:cs typeface="Calibri" pitchFamily="34" charset="0"/>
               </a:rPr>
-              <a:t>à la couverture par des actifs de toutes les obligations </a:t>
+              <a:t>A ce que toutes </a:t>
+            </a:r>
+            <a:r>
+              <a:rPr lang="fr-FR" sz="2300" dirty="0" smtClean="0">
+                <a:latin typeface="Calibri" pitchFamily="34" charset="0"/>
+                <a:cs typeface="Calibri" pitchFamily="34" charset="0"/>
+              </a:rPr>
+              <a:t>les obligations émises soient couvertes par des </a:t>
+            </a:r>
+            <a:r>
+              <a:rPr lang="fr-FR" sz="2300" dirty="0" smtClean="0">
+                <a:latin typeface="Calibri" pitchFamily="34" charset="0"/>
+                <a:cs typeface="Calibri" pitchFamily="34" charset="0"/>
+              </a:rPr>
+              <a:t>actifs</a:t>
             </a:r>
           </a:p>
           <a:p>
@@ -19305,8 +22225,7 @@
           </a:p>
           <a:p>
             <a:pPr lvl="1">
-              <a:buFont typeface="Wingdings" pitchFamily="2" charset="2"/>
-              <a:buChar char="§"/>
+              <a:buNone/>
             </a:pPr>
             <a:endParaRPr lang="fr-FR" sz="2300" dirty="0" smtClean="0">
               <a:latin typeface="Calibri" pitchFamily="34" charset="0"/>
@@ -20436,12 +23355,12 @@
         </p:spPr>
         <p:txBody>
           <a:bodyPr>
-            <a:normAutofit fontScale="92500" lnSpcReduction="10000"/>
+            <a:normAutofit fontScale="92500" lnSpcReduction="20000"/>
           </a:bodyPr>
           <a:lstStyle/>
           <a:p>
             <a:r>
-              <a:rPr lang="fr-FR" dirty="0" smtClean="0">
+              <a:rPr lang="fr-FR" sz="1900" dirty="0" smtClean="0">
                 <a:latin typeface="Calibri" pitchFamily="34" charset="0"/>
                 <a:cs typeface="Calibri" pitchFamily="34" charset="0"/>
               </a:rPr>
@@ -20450,20 +23369,20 @@
           </a:p>
           <a:p>
             <a:r>
-              <a:rPr lang="fr-FR" dirty="0" smtClean="0">
+              <a:rPr lang="fr-FR" sz="1900" dirty="0" smtClean="0">
                 <a:latin typeface="Calibri" pitchFamily="34" charset="0"/>
                 <a:cs typeface="Calibri" pitchFamily="34" charset="0"/>
               </a:rPr>
               <a:t>Besoins fonctionnels de </a:t>
             </a:r>
             <a:r>
-              <a:rPr lang="fr-FR" dirty="0" smtClean="0">
+              <a:rPr lang="fr-FR" sz="1900" dirty="0" smtClean="0">
                 <a:latin typeface="Calibri" pitchFamily="34" charset="0"/>
                 <a:cs typeface="Calibri" pitchFamily="34" charset="0"/>
               </a:rPr>
               <a:t>l’application :</a:t>
             </a:r>
-            <a:endParaRPr lang="fr-FR" dirty="0" smtClean="0">
+            <a:endParaRPr lang="fr-FR" sz="1900" dirty="0" smtClean="0">
               <a:solidFill>
                 <a:schemeClr val="tx1"/>
               </a:solidFill>
@@ -20477,7 +23396,7 @@
               <a:buChar char="Ø"/>
             </a:pPr>
             <a:r>
-              <a:rPr lang="fr-FR" dirty="0" smtClean="0">
+              <a:rPr lang="fr-FR" sz="1700" dirty="0" smtClean="0">
                 <a:latin typeface="Calibri" pitchFamily="34" charset="0"/>
                 <a:cs typeface="Calibri" pitchFamily="34" charset="0"/>
               </a:rPr>
@@ -20496,14 +23415,14 @@
               <a:buChar char="§"/>
             </a:pPr>
             <a:r>
-              <a:rPr lang="fr-FR" dirty="0" smtClean="0">
+              <a:rPr lang="fr-FR" sz="1500" dirty="0" smtClean="0">
                 <a:latin typeface="Calibri" pitchFamily="34" charset="0"/>
                 <a:ea typeface="Calibri"/>
                 <a:cs typeface="Calibri" pitchFamily="34" charset="0"/>
               </a:rPr>
               <a:t>Authentification</a:t>
             </a:r>
-            <a:endParaRPr lang="en-US" dirty="0" smtClean="0">
+            <a:endParaRPr lang="en-US" sz="1500" dirty="0" smtClean="0">
               <a:latin typeface="Calibri" pitchFamily="34" charset="0"/>
               <a:ea typeface="Calibri"/>
               <a:cs typeface="Calibri" pitchFamily="34" charset="0"/>
@@ -20521,14 +23440,14 @@
               <a:buChar char="§"/>
             </a:pPr>
             <a:r>
-              <a:rPr lang="fr-FR" dirty="0" smtClean="0">
+              <a:rPr lang="fr-FR" sz="1500" dirty="0" smtClean="0">
                 <a:latin typeface="Calibri" pitchFamily="34" charset="0"/>
                 <a:ea typeface="Calibri"/>
                 <a:cs typeface="Calibri" pitchFamily="34" charset="0"/>
               </a:rPr>
-              <a:t>Structure : permet la gestion/suivie de l’ensemble des instruments (prêts, obligation)</a:t>
-            </a:r>
-            <a:endParaRPr lang="en-US" dirty="0" smtClean="0">
+              <a:t>Structure </a:t>
+            </a:r>
+            <a:endParaRPr lang="en-US" sz="1500" dirty="0" smtClean="0">
               <a:latin typeface="Calibri" pitchFamily="34" charset="0"/>
               <a:ea typeface="Calibri"/>
               <a:cs typeface="Calibri" pitchFamily="34" charset="0"/>
@@ -20546,7 +23465,7 @@
               <a:buChar char="§"/>
             </a:pPr>
             <a:r>
-              <a:rPr lang="fr-FR" dirty="0" smtClean="0">
+              <a:rPr lang="fr-FR" sz="1500" dirty="0" smtClean="0">
                 <a:latin typeface="Calibri" pitchFamily="34" charset="0"/>
                 <a:ea typeface="Calibri"/>
                 <a:cs typeface="Calibri" pitchFamily="34" charset="0"/>
@@ -20554,7 +23473,7 @@
               <a:t>Pilotage and </a:t>
             </a:r>
             <a:r>
-              <a:rPr lang="en-US" dirty="0" smtClean="0">
+              <a:rPr lang="en-US" sz="1500" dirty="0" smtClean="0">
                 <a:latin typeface="Calibri" pitchFamily="34" charset="0"/>
                 <a:ea typeface="Calibri"/>
                 <a:cs typeface="Calibri" pitchFamily="34" charset="0"/>
@@ -20562,14 +23481,14 @@
               <a:t>Reporting</a:t>
             </a:r>
             <a:r>
-              <a:rPr lang="fr-FR" dirty="0" smtClean="0">
+              <a:rPr lang="fr-FR" sz="1500" dirty="0" smtClean="0">
                 <a:latin typeface="Calibri" pitchFamily="34" charset="0"/>
                 <a:ea typeface="Calibri"/>
                 <a:cs typeface="Calibri" pitchFamily="34" charset="0"/>
               </a:rPr>
-              <a:t> : permet à l’utilisateur de générer tous les rapports réglementaires dans l’application </a:t>
-            </a:r>
-            <a:endParaRPr lang="en-US" dirty="0" smtClean="0">
+              <a:t> </a:t>
+            </a:r>
+            <a:endParaRPr lang="en-US" sz="1500" dirty="0" smtClean="0">
               <a:latin typeface="Calibri" pitchFamily="34" charset="0"/>
               <a:ea typeface="Calibri"/>
               <a:cs typeface="Calibri" pitchFamily="34" charset="0"/>
@@ -20587,7 +23506,7 @@
               <a:buChar char="§"/>
             </a:pPr>
             <a:r>
-              <a:rPr lang="fr-FR" dirty="0" err="1" smtClean="0">
+              <a:rPr lang="fr-FR" sz="1500" dirty="0" err="1" smtClean="0">
                 <a:latin typeface="Calibri" pitchFamily="34" charset="0"/>
                 <a:ea typeface="Calibri"/>
                 <a:cs typeface="Calibri" pitchFamily="34" charset="0"/>
@@ -20595,14 +23514,14 @@
               <a:t>Referentials</a:t>
             </a:r>
             <a:r>
-              <a:rPr lang="fr-FR" dirty="0" smtClean="0">
+              <a:rPr lang="fr-FR" sz="1500" dirty="0" smtClean="0">
                 <a:latin typeface="Calibri" pitchFamily="34" charset="0"/>
                 <a:ea typeface="Calibri"/>
                 <a:cs typeface="Calibri" pitchFamily="34" charset="0"/>
               </a:rPr>
-              <a:t> : gère les référentiels tiers et privatifs</a:t>
-            </a:r>
-            <a:endParaRPr lang="en-US" dirty="0" smtClean="0">
+              <a:t> </a:t>
+            </a:r>
+            <a:endParaRPr lang="en-US" sz="1500" dirty="0" smtClean="0">
               <a:latin typeface="Calibri" pitchFamily="34" charset="0"/>
               <a:ea typeface="Calibri"/>
               <a:cs typeface="Calibri" pitchFamily="34" charset="0"/>
@@ -20623,14 +23542,14 @@
               <a:buChar char="§"/>
             </a:pPr>
             <a:r>
-              <a:rPr lang="fr-FR" dirty="0" smtClean="0">
+              <a:rPr lang="fr-FR" sz="1500" dirty="0" smtClean="0">
                 <a:latin typeface="Calibri" pitchFamily="34" charset="0"/>
                 <a:ea typeface="Calibri"/>
                 <a:cs typeface="Calibri" pitchFamily="34" charset="0"/>
               </a:rPr>
-              <a:t>Administration : gère les droits d’utilisateurs </a:t>
-            </a:r>
-            <a:endParaRPr lang="fr-FR" dirty="0" smtClean="0">
+              <a:t>Administration </a:t>
+            </a:r>
+            <a:endParaRPr lang="fr-FR" sz="1500" dirty="0" smtClean="0">
               <a:latin typeface="Calibri" pitchFamily="34" charset="0"/>
               <a:ea typeface="Calibri"/>
               <a:cs typeface="Calibri" pitchFamily="34" charset="0"/>
@@ -25168,7 +28087,7 @@
         </p:xfrm>
         <a:graphic>
           <a:graphicData uri="http://schemas.openxmlformats.org/drawingml/2006/diagram">
-            <dgm:relIds xmlns:dgm="http://schemas.openxmlformats.org/drawingml/2006/diagram" xmlns:r="http://schemas.openxmlformats.org/officeDocument/2006/relationships" r:dm="rId2" r:lo="rId3" r:qs="rId4" r:cs="rId5"/>
+            <dgm:relIds xmlns:dgm="http://schemas.openxmlformats.org/drawingml/2006/diagram" xmlns:r="http://schemas.openxmlformats.org/officeDocument/2006/relationships" r:dm="rId3" r:lo="rId4" r:qs="rId5" r:cs="rId6"/>
           </a:graphicData>
         </a:graphic>
       </p:graphicFrame>
@@ -25313,7 +28232,7 @@
           <p:nvPr/>
         </p:nvPicPr>
         <p:blipFill>
-          <a:blip r:embed="rId2" cstate="print"/>
+          <a:blip r:embed="rId3" cstate="print"/>
           <a:stretch>
             <a:fillRect/>
           </a:stretch>
@@ -25335,7 +28254,7 @@
           <p:nvPr/>
         </p:nvPicPr>
         <p:blipFill>
-          <a:blip r:embed="rId3" cstate="print"/>
+          <a:blip r:embed="rId4" cstate="print"/>
           <a:stretch>
             <a:fillRect/>
           </a:stretch>
@@ -25357,7 +28276,7 @@
           <p:nvPr/>
         </p:nvPicPr>
         <p:blipFill>
-          <a:blip r:embed="rId4" cstate="print"/>
+          <a:blip r:embed="rId5" cstate="print"/>
           <a:stretch>
             <a:fillRect/>
           </a:stretch>
@@ -25379,7 +28298,7 @@
           <p:nvPr/>
         </p:nvPicPr>
         <p:blipFill>
-          <a:blip r:embed="rId5" cstate="print"/>
+          <a:blip r:embed="rId6" cstate="print"/>
           <a:stretch>
             <a:fillRect/>
           </a:stretch>
@@ -25401,7 +28320,7 @@
           <p:nvPr/>
         </p:nvPicPr>
         <p:blipFill>
-          <a:blip r:embed="rId6" cstate="print"/>
+          <a:blip r:embed="rId7" cstate="print"/>
           <a:stretch>
             <a:fillRect/>
           </a:stretch>
@@ -25423,7 +28342,7 @@
           <p:nvPr/>
         </p:nvPicPr>
         <p:blipFill>
-          <a:blip r:embed="rId7" cstate="print"/>
+          <a:blip r:embed="rId8" cstate="print"/>
           <a:stretch>
             <a:fillRect/>
           </a:stretch>
@@ -25494,7 +28413,7 @@
           <p:nvPr/>
         </p:nvPicPr>
         <p:blipFill>
-          <a:blip r:embed="rId8" cstate="print"/>
+          <a:blip r:embed="rId9" cstate="print"/>
           <a:stretch>
             <a:fillRect/>
           </a:stretch>
@@ -25516,7 +28435,7 @@
           <p:nvPr/>
         </p:nvPicPr>
         <p:blipFill>
-          <a:blip r:embed="rId9" cstate="print"/>
+          <a:blip r:embed="rId10" cstate="print"/>
           <a:stretch>
             <a:fillRect/>
           </a:stretch>
@@ -25538,7 +28457,7 @@
           <p:nvPr/>
         </p:nvPicPr>
         <p:blipFill>
-          <a:blip r:embed="rId10" cstate="print"/>
+          <a:blip r:embed="rId11" cstate="print"/>
           <a:stretch>
             <a:fillRect/>
           </a:stretch>
@@ -25609,7 +28528,7 @@
           <p:nvPr/>
         </p:nvPicPr>
         <p:blipFill>
-          <a:blip r:embed="rId11" cstate="print"/>
+          <a:blip r:embed="rId12" cstate="print"/>
           <a:stretch>
             <a:fillRect/>
           </a:stretch>
@@ -31198,8 +34117,29 @@
               <a:rPr lang="fr-FR" sz="1600" dirty="0" smtClean="0">
                 <a:latin typeface="Calibri" panose="020F0502020204030204" pitchFamily="34" charset="0"/>
               </a:rPr>
-              <a:t>CA : 22,8 milliards d’euros (2013)</a:t>
-            </a:r>
+              <a:t>CA : </a:t>
+            </a:r>
+            <a:r>
+              <a:rPr lang="fr-FR" sz="1600" dirty="0" smtClean="0">
+                <a:latin typeface="Calibri" panose="020F0502020204030204" pitchFamily="34" charset="0"/>
+              </a:rPr>
+              <a:t>28,3 </a:t>
+            </a:r>
+            <a:r>
+              <a:rPr lang="fr-FR" sz="1600" dirty="0" smtClean="0">
+                <a:latin typeface="Calibri" panose="020F0502020204030204" pitchFamily="34" charset="0"/>
+              </a:rPr>
+              <a:t>milliards d’euros (</a:t>
+            </a:r>
+            <a:r>
+              <a:rPr lang="fr-FR" sz="1600" dirty="0" smtClean="0">
+                <a:latin typeface="Calibri" panose="020F0502020204030204" pitchFamily="34" charset="0"/>
+              </a:rPr>
+              <a:t>2015)</a:t>
+            </a:r>
+            <a:endParaRPr lang="fr-FR" sz="1600" dirty="0" smtClean="0">
+              <a:latin typeface="Calibri" panose="020F0502020204030204" pitchFamily="34" charset="0"/>
+            </a:endParaRPr>
           </a:p>
           <a:p>
             <a:pPr marL="285750" indent="-285750">
@@ -31222,8 +34162,17 @@
               <a:rPr lang="fr-FR" sz="1600" dirty="0" smtClean="0">
                 <a:latin typeface="Calibri" panose="020F0502020204030204" pitchFamily="34" charset="0"/>
               </a:rPr>
-              <a:t>Présente dans plus de 76 pays (Europe, Asie, Amérique et Afrique  </a:t>
-            </a:r>
+              <a:t>Présente dans plus de 76 pays (Europe, Asie, Amérique et </a:t>
+            </a:r>
+            <a:r>
+              <a:rPr lang="fr-FR" sz="1600" dirty="0" smtClean="0">
+                <a:latin typeface="Calibri" panose="020F0502020204030204" pitchFamily="34" charset="0"/>
+              </a:rPr>
+              <a:t>Afrique) </a:t>
+            </a:r>
+            <a:endParaRPr lang="fr-FR" sz="1600" dirty="0" smtClean="0">
+              <a:latin typeface="Calibri" panose="020F0502020204030204" pitchFamily="34" charset="0"/>
+            </a:endParaRPr>
           </a:p>
           <a:p>
             <a:pPr marL="285750" indent="-285750">
@@ -32871,53 +35820,6 @@
         </p:sp>
         <p:sp>
           <p:nvSpPr>
-            <p:cNvPr id="25" name="Rectangle 24"/>
-            <p:cNvSpPr/>
-            <p:nvPr/>
-          </p:nvSpPr>
-          <p:spPr>
-            <a:xfrm>
-              <a:off x="6273991" y="4360520"/>
-              <a:ext cx="1041010" cy="546993"/>
-            </a:xfrm>
-            <a:prstGeom prst="rect">
-              <a:avLst/>
-            </a:prstGeom>
-            <a:ln>
-              <a:solidFill>
-                <a:schemeClr val="tx1"/>
-              </a:solidFill>
-            </a:ln>
-          </p:spPr>
-          <p:style>
-            <a:lnRef idx="2">
-              <a:schemeClr val="accent2"/>
-            </a:lnRef>
-            <a:fillRef idx="1">
-              <a:schemeClr val="lt1"/>
-            </a:fillRef>
-            <a:effectRef idx="0">
-              <a:schemeClr val="accent2"/>
-            </a:effectRef>
-            <a:fontRef idx="minor">
-              <a:schemeClr val="dk1"/>
-            </a:fontRef>
-          </p:style>
-          <p:txBody>
-            <a:bodyPr rtlCol="0" anchor="ctr"/>
-            <a:lstStyle/>
-            <a:p>
-              <a:pPr algn="ctr"/>
-              <a:r>
-                <a:rPr lang="fr-FR" sz="1200" b="1" dirty="0" smtClean="0"/>
-                <a:t>KYC</a:t>
-              </a:r>
-              <a:endParaRPr lang="en-US" sz="1200" b="1" dirty="0" smtClean="0"/>
-            </a:p>
-          </p:txBody>
-        </p:sp>
-        <p:sp>
-          <p:nvSpPr>
             <p:cNvPr id="33" name="Rectangle 32"/>
             <p:cNvSpPr/>
             <p:nvPr/>
@@ -33190,9 +36092,7 @@
       <p:cxnSp>
         <p:nvCxnSpPr>
           <p:cNvPr id="76" name="Straight Connector 75"/>
-          <p:cNvCxnSpPr>
-            <a:endCxn id="25" idx="0"/>
-          </p:cNvCxnSpPr>
+          <p:cNvCxnSpPr/>
           <p:nvPr/>
         </p:nvCxnSpPr>
         <p:spPr>
@@ -33397,6 +36297,44 @@
           </a:p>
           <a:p>
             <a:endParaRPr lang="en-US" dirty="0"/>
+          </a:p>
+        </p:txBody>
+      </p:sp>
+      <p:sp>
+        <p:nvSpPr>
+          <p:cNvPr id="89" name="Rectangle 88"/>
+          <p:cNvSpPr/>
+          <p:nvPr/>
+        </p:nvSpPr>
+        <p:spPr>
+          <a:xfrm flipV="1">
+            <a:off x="7446118" y="4684888"/>
+            <a:ext cx="415498" cy="369332"/>
+          </a:xfrm>
+          <a:prstGeom prst="rect">
+            <a:avLst/>
+          </a:prstGeom>
+        </p:spPr>
+        <p:txBody>
+          <a:bodyPr wrap="square">
+            <a:spAutoFit/>
+          </a:bodyPr>
+          <a:lstStyle/>
+          <a:p>
+            <a:pPr algn="ctr"/>
+            <a:r>
+              <a:rPr lang="fr-FR" b="1" dirty="0" smtClean="0">
+                <a:solidFill>
+                  <a:schemeClr val="accent2"/>
+                </a:solidFill>
+              </a:rPr>
+              <a:t>…</a:t>
+            </a:r>
+            <a:endParaRPr lang="en-US" b="1" dirty="0" err="1" smtClean="0">
+              <a:solidFill>
+                <a:schemeClr val="accent2"/>
+              </a:solidFill>
+            </a:endParaRPr>
           </a:p>
         </p:txBody>
       </p:sp>
